--- a/presentation/Project presentation.pptx
+++ b/presentation/Project presentation.pptx
@@ -5,27 +5,25 @@
     <p:sldMasterId id="2147483702" r:id="rId1"/>
   </p:sldMasterIdLst>
   <p:notesMasterIdLst>
-    <p:notesMasterId r:id="rId20"/>
+    <p:notesMasterId r:id="rId18"/>
   </p:notesMasterIdLst>
   <p:sldIdLst>
     <p:sldId id="256" r:id="rId2"/>
-    <p:sldId id="258" r:id="rId3"/>
-    <p:sldId id="257" r:id="rId4"/>
-    <p:sldId id="275" r:id="rId5"/>
-    <p:sldId id="259" r:id="rId6"/>
-    <p:sldId id="276" r:id="rId7"/>
-    <p:sldId id="260" r:id="rId8"/>
-    <p:sldId id="261" r:id="rId9"/>
-    <p:sldId id="262" r:id="rId10"/>
-    <p:sldId id="263" r:id="rId11"/>
-    <p:sldId id="264" r:id="rId12"/>
-    <p:sldId id="265" r:id="rId13"/>
-    <p:sldId id="266" r:id="rId14"/>
-    <p:sldId id="267" r:id="rId15"/>
-    <p:sldId id="268" r:id="rId16"/>
-    <p:sldId id="273" r:id="rId17"/>
-    <p:sldId id="272" r:id="rId18"/>
-    <p:sldId id="274" r:id="rId19"/>
+    <p:sldId id="257" r:id="rId3"/>
+    <p:sldId id="275" r:id="rId4"/>
+    <p:sldId id="259" r:id="rId5"/>
+    <p:sldId id="260" r:id="rId6"/>
+    <p:sldId id="261" r:id="rId7"/>
+    <p:sldId id="262" r:id="rId8"/>
+    <p:sldId id="263" r:id="rId9"/>
+    <p:sldId id="264" r:id="rId10"/>
+    <p:sldId id="265" r:id="rId11"/>
+    <p:sldId id="266" r:id="rId12"/>
+    <p:sldId id="267" r:id="rId13"/>
+    <p:sldId id="268" r:id="rId14"/>
+    <p:sldId id="276" r:id="rId15"/>
+    <p:sldId id="273" r:id="rId16"/>
+    <p:sldId id="258" r:id="rId17"/>
   </p:sldIdLst>
   <p:sldSz cx="12192000" cy="6858000"/>
   <p:notesSz cx="6858000" cy="9144000"/>
@@ -133,6 +131,753 @@
 </file>
 
 <file path=ppt/diagrams/colors1.xml><?xml version="1.0" encoding="utf-8"?>
+<dgm:colorsDef xmlns:dgm="http://schemas.openxmlformats.org/drawingml/2006/diagram" xmlns:a="http://schemas.openxmlformats.org/drawingml/2006/main" uniqueId="urn:microsoft.com/office/officeart/2005/8/colors/accent1_2">
+  <dgm:title val=""/>
+  <dgm:desc val=""/>
+  <dgm:catLst>
+    <dgm:cat type="accent1" pri="11200"/>
+  </dgm:catLst>
+  <dgm:styleLbl name="node0">
+    <dgm:fillClrLst meth="repeat">
+      <a:schemeClr val="accent1"/>
+    </dgm:fillClrLst>
+    <dgm:linClrLst meth="repeat">
+      <a:schemeClr val="lt1"/>
+    </dgm:linClrLst>
+    <dgm:effectClrLst/>
+    <dgm:txLinClrLst/>
+    <dgm:txFillClrLst/>
+    <dgm:txEffectClrLst/>
+  </dgm:styleLbl>
+  <dgm:styleLbl name="alignNode1">
+    <dgm:fillClrLst meth="repeat">
+      <a:schemeClr val="accent1"/>
+    </dgm:fillClrLst>
+    <dgm:linClrLst meth="repeat">
+      <a:schemeClr val="accent1"/>
+    </dgm:linClrLst>
+    <dgm:effectClrLst/>
+    <dgm:txLinClrLst/>
+    <dgm:txFillClrLst/>
+    <dgm:txEffectClrLst/>
+  </dgm:styleLbl>
+  <dgm:styleLbl name="node1">
+    <dgm:fillClrLst meth="repeat">
+      <a:schemeClr val="accent1"/>
+    </dgm:fillClrLst>
+    <dgm:linClrLst meth="repeat">
+      <a:schemeClr val="lt1"/>
+    </dgm:linClrLst>
+    <dgm:effectClrLst/>
+    <dgm:txLinClrLst/>
+    <dgm:txFillClrLst/>
+    <dgm:txEffectClrLst/>
+  </dgm:styleLbl>
+  <dgm:styleLbl name="lnNode1">
+    <dgm:fillClrLst meth="repeat">
+      <a:schemeClr val="accent1"/>
+    </dgm:fillClrLst>
+    <dgm:linClrLst meth="repeat">
+      <a:schemeClr val="lt1"/>
+    </dgm:linClrLst>
+    <dgm:effectClrLst/>
+    <dgm:txLinClrLst/>
+    <dgm:txFillClrLst/>
+    <dgm:txEffectClrLst/>
+  </dgm:styleLbl>
+  <dgm:styleLbl name="vennNode1">
+    <dgm:fillClrLst meth="repeat">
+      <a:schemeClr val="accent1">
+        <a:alpha val="50000"/>
+      </a:schemeClr>
+    </dgm:fillClrLst>
+    <dgm:linClrLst meth="repeat">
+      <a:schemeClr val="lt1"/>
+    </dgm:linClrLst>
+    <dgm:effectClrLst/>
+    <dgm:txLinClrLst/>
+    <dgm:txFillClrLst/>
+    <dgm:txEffectClrLst/>
+  </dgm:styleLbl>
+  <dgm:styleLbl name="node2">
+    <dgm:fillClrLst meth="repeat">
+      <a:schemeClr val="accent1"/>
+    </dgm:fillClrLst>
+    <dgm:linClrLst meth="repeat">
+      <a:schemeClr val="lt1"/>
+    </dgm:linClrLst>
+    <dgm:effectClrLst/>
+    <dgm:txLinClrLst/>
+    <dgm:txFillClrLst/>
+    <dgm:txEffectClrLst/>
+  </dgm:styleLbl>
+  <dgm:styleLbl name="node3">
+    <dgm:fillClrLst meth="repeat">
+      <a:schemeClr val="accent1"/>
+    </dgm:fillClrLst>
+    <dgm:linClrLst meth="repeat">
+      <a:schemeClr val="lt1"/>
+    </dgm:linClrLst>
+    <dgm:effectClrLst/>
+    <dgm:txLinClrLst/>
+    <dgm:txFillClrLst/>
+    <dgm:txEffectClrLst/>
+  </dgm:styleLbl>
+  <dgm:styleLbl name="node4">
+    <dgm:fillClrLst meth="repeat">
+      <a:schemeClr val="accent1"/>
+    </dgm:fillClrLst>
+    <dgm:linClrLst meth="repeat">
+      <a:schemeClr val="lt1"/>
+    </dgm:linClrLst>
+    <dgm:effectClrLst/>
+    <dgm:txLinClrLst/>
+    <dgm:txFillClrLst/>
+    <dgm:txEffectClrLst/>
+  </dgm:styleLbl>
+  <dgm:styleLbl name="fgImgPlace1">
+    <dgm:fillClrLst meth="repeat">
+      <a:schemeClr val="accent1">
+        <a:tint val="50000"/>
+      </a:schemeClr>
+    </dgm:fillClrLst>
+    <dgm:linClrLst meth="repeat">
+      <a:schemeClr val="lt1"/>
+    </dgm:linClrLst>
+    <dgm:effectClrLst/>
+    <dgm:txLinClrLst/>
+    <dgm:txFillClrLst meth="repeat">
+      <a:schemeClr val="lt1"/>
+    </dgm:txFillClrLst>
+    <dgm:txEffectClrLst/>
+  </dgm:styleLbl>
+  <dgm:styleLbl name="alignImgPlace1">
+    <dgm:fillClrLst meth="repeat">
+      <a:schemeClr val="accent1">
+        <a:tint val="50000"/>
+      </a:schemeClr>
+    </dgm:fillClrLst>
+    <dgm:linClrLst meth="repeat">
+      <a:schemeClr val="lt1"/>
+    </dgm:linClrLst>
+    <dgm:effectClrLst/>
+    <dgm:txLinClrLst/>
+    <dgm:txFillClrLst meth="repeat">
+      <a:schemeClr val="lt1"/>
+    </dgm:txFillClrLst>
+    <dgm:txEffectClrLst/>
+  </dgm:styleLbl>
+  <dgm:styleLbl name="bgImgPlace1">
+    <dgm:fillClrLst meth="repeat">
+      <a:schemeClr val="accent1">
+        <a:tint val="50000"/>
+      </a:schemeClr>
+    </dgm:fillClrLst>
+    <dgm:linClrLst meth="repeat">
+      <a:schemeClr val="lt1"/>
+    </dgm:linClrLst>
+    <dgm:effectClrLst/>
+    <dgm:txLinClrLst/>
+    <dgm:txFillClrLst meth="repeat">
+      <a:schemeClr val="lt1"/>
+    </dgm:txFillClrLst>
+    <dgm:txEffectClrLst/>
+  </dgm:styleLbl>
+  <dgm:styleLbl name="sibTrans2D1">
+    <dgm:fillClrLst meth="repeat">
+      <a:schemeClr val="accent1">
+        <a:tint val="60000"/>
+      </a:schemeClr>
+    </dgm:fillClrLst>
+    <dgm:linClrLst meth="repeat">
+      <a:schemeClr val="accent1">
+        <a:tint val="60000"/>
+      </a:schemeClr>
+    </dgm:linClrLst>
+    <dgm:effectClrLst/>
+    <dgm:txLinClrLst/>
+    <dgm:txFillClrLst/>
+    <dgm:txEffectClrLst/>
+  </dgm:styleLbl>
+  <dgm:styleLbl name="fgSibTrans2D1">
+    <dgm:fillClrLst meth="repeat">
+      <a:schemeClr val="accent1">
+        <a:tint val="60000"/>
+      </a:schemeClr>
+    </dgm:fillClrLst>
+    <dgm:linClrLst meth="repeat">
+      <a:schemeClr val="accent1">
+        <a:tint val="60000"/>
+      </a:schemeClr>
+    </dgm:linClrLst>
+    <dgm:effectClrLst/>
+    <dgm:txLinClrLst/>
+    <dgm:txFillClrLst/>
+    <dgm:txEffectClrLst/>
+  </dgm:styleLbl>
+  <dgm:styleLbl name="bgSibTrans2D1">
+    <dgm:fillClrLst meth="repeat">
+      <a:schemeClr val="accent1">
+        <a:tint val="60000"/>
+      </a:schemeClr>
+    </dgm:fillClrLst>
+    <dgm:linClrLst meth="repeat">
+      <a:schemeClr val="accent1">
+        <a:tint val="60000"/>
+      </a:schemeClr>
+    </dgm:linClrLst>
+    <dgm:effectClrLst/>
+    <dgm:txLinClrLst/>
+    <dgm:txFillClrLst/>
+    <dgm:txEffectClrLst/>
+  </dgm:styleLbl>
+  <dgm:styleLbl name="sibTrans1D1">
+    <dgm:fillClrLst meth="repeat">
+      <a:schemeClr val="accent1"/>
+    </dgm:fillClrLst>
+    <dgm:linClrLst meth="repeat">
+      <a:schemeClr val="accent1"/>
+    </dgm:linClrLst>
+    <dgm:effectClrLst/>
+    <dgm:txLinClrLst/>
+    <dgm:txFillClrLst meth="repeat">
+      <a:schemeClr val="tx1"/>
+    </dgm:txFillClrLst>
+    <dgm:txEffectClrLst/>
+  </dgm:styleLbl>
+  <dgm:styleLbl name="callout">
+    <dgm:fillClrLst meth="repeat">
+      <a:schemeClr val="accent1"/>
+    </dgm:fillClrLst>
+    <dgm:linClrLst meth="repeat">
+      <a:schemeClr val="accent1">
+        <a:tint val="50000"/>
+      </a:schemeClr>
+    </dgm:linClrLst>
+    <dgm:effectClrLst/>
+    <dgm:txLinClrLst/>
+    <dgm:txFillClrLst meth="repeat">
+      <a:schemeClr val="tx1"/>
+    </dgm:txFillClrLst>
+    <dgm:txEffectClrLst/>
+  </dgm:styleLbl>
+  <dgm:styleLbl name="asst0">
+    <dgm:fillClrLst meth="repeat">
+      <a:schemeClr val="accent1"/>
+    </dgm:fillClrLst>
+    <dgm:linClrLst meth="repeat">
+      <a:schemeClr val="lt1"/>
+    </dgm:linClrLst>
+    <dgm:effectClrLst/>
+    <dgm:txLinClrLst/>
+    <dgm:txFillClrLst/>
+    <dgm:txEffectClrLst/>
+  </dgm:styleLbl>
+  <dgm:styleLbl name="asst1">
+    <dgm:fillClrLst meth="repeat">
+      <a:schemeClr val="accent1"/>
+    </dgm:fillClrLst>
+    <dgm:linClrLst meth="repeat">
+      <a:schemeClr val="lt1"/>
+    </dgm:linClrLst>
+    <dgm:effectClrLst/>
+    <dgm:txLinClrLst/>
+    <dgm:txFillClrLst/>
+    <dgm:txEffectClrLst/>
+  </dgm:styleLbl>
+  <dgm:styleLbl name="asst2">
+    <dgm:fillClrLst meth="repeat">
+      <a:schemeClr val="accent1"/>
+    </dgm:fillClrLst>
+    <dgm:linClrLst meth="repeat">
+      <a:schemeClr val="lt1"/>
+    </dgm:linClrLst>
+    <dgm:effectClrLst/>
+    <dgm:txLinClrLst/>
+    <dgm:txFillClrLst/>
+    <dgm:txEffectClrLst/>
+  </dgm:styleLbl>
+  <dgm:styleLbl name="asst3">
+    <dgm:fillClrLst meth="repeat">
+      <a:schemeClr val="accent1"/>
+    </dgm:fillClrLst>
+    <dgm:linClrLst meth="repeat">
+      <a:schemeClr val="lt1"/>
+    </dgm:linClrLst>
+    <dgm:effectClrLst/>
+    <dgm:txLinClrLst/>
+    <dgm:txFillClrLst/>
+    <dgm:txEffectClrLst/>
+  </dgm:styleLbl>
+  <dgm:styleLbl name="asst4">
+    <dgm:fillClrLst meth="repeat">
+      <a:schemeClr val="accent1"/>
+    </dgm:fillClrLst>
+    <dgm:linClrLst meth="repeat">
+      <a:schemeClr val="lt1"/>
+    </dgm:linClrLst>
+    <dgm:effectClrLst/>
+    <dgm:txLinClrLst/>
+    <dgm:txFillClrLst/>
+    <dgm:txEffectClrLst/>
+  </dgm:styleLbl>
+  <dgm:styleLbl name="parChTrans2D1">
+    <dgm:fillClrLst meth="repeat">
+      <a:schemeClr val="accent1">
+        <a:tint val="60000"/>
+      </a:schemeClr>
+    </dgm:fillClrLst>
+    <dgm:linClrLst meth="repeat">
+      <a:schemeClr val="accent1">
+        <a:tint val="60000"/>
+      </a:schemeClr>
+    </dgm:linClrLst>
+    <dgm:effectClrLst/>
+    <dgm:txLinClrLst/>
+    <dgm:txFillClrLst meth="repeat">
+      <a:schemeClr val="lt1"/>
+    </dgm:txFillClrLst>
+    <dgm:txEffectClrLst/>
+  </dgm:styleLbl>
+  <dgm:styleLbl name="parChTrans2D2">
+    <dgm:fillClrLst meth="repeat">
+      <a:schemeClr val="accent1"/>
+    </dgm:fillClrLst>
+    <dgm:linClrLst meth="repeat">
+      <a:schemeClr val="accent1"/>
+    </dgm:linClrLst>
+    <dgm:effectClrLst/>
+    <dgm:txLinClrLst/>
+    <dgm:txFillClrLst meth="repeat">
+      <a:schemeClr val="lt1"/>
+    </dgm:txFillClrLst>
+    <dgm:txEffectClrLst/>
+  </dgm:styleLbl>
+  <dgm:styleLbl name="parChTrans2D3">
+    <dgm:fillClrLst meth="repeat">
+      <a:schemeClr val="accent1"/>
+    </dgm:fillClrLst>
+    <dgm:linClrLst meth="repeat">
+      <a:schemeClr val="accent1"/>
+    </dgm:linClrLst>
+    <dgm:effectClrLst/>
+    <dgm:txLinClrLst/>
+    <dgm:txFillClrLst meth="repeat">
+      <a:schemeClr val="lt1"/>
+    </dgm:txFillClrLst>
+    <dgm:txEffectClrLst/>
+  </dgm:styleLbl>
+  <dgm:styleLbl name="parChTrans2D4">
+    <dgm:fillClrLst meth="repeat">
+      <a:schemeClr val="accent1"/>
+    </dgm:fillClrLst>
+    <dgm:linClrLst meth="repeat">
+      <a:schemeClr val="accent1"/>
+    </dgm:linClrLst>
+    <dgm:effectClrLst/>
+    <dgm:txLinClrLst/>
+    <dgm:txFillClrLst meth="repeat">
+      <a:schemeClr val="lt1"/>
+    </dgm:txFillClrLst>
+    <dgm:txEffectClrLst/>
+  </dgm:styleLbl>
+  <dgm:styleLbl name="parChTrans1D1">
+    <dgm:fillClrLst meth="repeat">
+      <a:schemeClr val="accent1"/>
+    </dgm:fillClrLst>
+    <dgm:linClrLst meth="repeat">
+      <a:schemeClr val="accent1">
+        <a:shade val="60000"/>
+      </a:schemeClr>
+    </dgm:linClrLst>
+    <dgm:effectClrLst/>
+    <dgm:txLinClrLst/>
+    <dgm:txFillClrLst meth="repeat">
+      <a:schemeClr val="tx1"/>
+    </dgm:txFillClrLst>
+    <dgm:txEffectClrLst/>
+  </dgm:styleLbl>
+  <dgm:styleLbl name="parChTrans1D2">
+    <dgm:fillClrLst meth="repeat">
+      <a:schemeClr val="accent1"/>
+    </dgm:fillClrLst>
+    <dgm:linClrLst meth="repeat">
+      <a:schemeClr val="accent1">
+        <a:shade val="60000"/>
+      </a:schemeClr>
+    </dgm:linClrLst>
+    <dgm:effectClrLst/>
+    <dgm:txLinClrLst/>
+    <dgm:txFillClrLst meth="repeat">
+      <a:schemeClr val="tx1"/>
+    </dgm:txFillClrLst>
+    <dgm:txEffectClrLst/>
+  </dgm:styleLbl>
+  <dgm:styleLbl name="parChTrans1D3">
+    <dgm:fillClrLst meth="repeat">
+      <a:schemeClr val="accent1"/>
+    </dgm:fillClrLst>
+    <dgm:linClrLst meth="repeat">
+      <a:schemeClr val="accent1">
+        <a:shade val="80000"/>
+      </a:schemeClr>
+    </dgm:linClrLst>
+    <dgm:effectClrLst/>
+    <dgm:txLinClrLst/>
+    <dgm:txFillClrLst meth="repeat">
+      <a:schemeClr val="tx1"/>
+    </dgm:txFillClrLst>
+    <dgm:txEffectClrLst/>
+  </dgm:styleLbl>
+  <dgm:styleLbl name="parChTrans1D4">
+    <dgm:fillClrLst meth="repeat">
+      <a:schemeClr val="accent1"/>
+    </dgm:fillClrLst>
+    <dgm:linClrLst meth="repeat">
+      <a:schemeClr val="accent1">
+        <a:shade val="80000"/>
+      </a:schemeClr>
+    </dgm:linClrLst>
+    <dgm:effectClrLst/>
+    <dgm:txLinClrLst/>
+    <dgm:txFillClrLst meth="repeat">
+      <a:schemeClr val="tx1"/>
+    </dgm:txFillClrLst>
+    <dgm:txEffectClrLst/>
+  </dgm:styleLbl>
+  <dgm:styleLbl name="fgAcc1">
+    <dgm:fillClrLst meth="repeat">
+      <a:schemeClr val="lt1">
+        <a:alpha val="90000"/>
+      </a:schemeClr>
+    </dgm:fillClrLst>
+    <dgm:linClrLst meth="repeat">
+      <a:schemeClr val="accent1"/>
+    </dgm:linClrLst>
+    <dgm:effectClrLst/>
+    <dgm:txLinClrLst/>
+    <dgm:txFillClrLst meth="repeat">
+      <a:schemeClr val="dk1"/>
+    </dgm:txFillClrLst>
+    <dgm:txEffectClrLst/>
+  </dgm:styleLbl>
+  <dgm:styleLbl name="conFgAcc1">
+    <dgm:fillClrLst meth="repeat">
+      <a:schemeClr val="lt1">
+        <a:alpha val="90000"/>
+      </a:schemeClr>
+    </dgm:fillClrLst>
+    <dgm:linClrLst meth="repeat">
+      <a:schemeClr val="accent1"/>
+    </dgm:linClrLst>
+    <dgm:effectClrLst/>
+    <dgm:txLinClrLst/>
+    <dgm:txFillClrLst meth="repeat">
+      <a:schemeClr val="dk1"/>
+    </dgm:txFillClrLst>
+    <dgm:txEffectClrLst/>
+  </dgm:styleLbl>
+  <dgm:styleLbl name="alignAcc1">
+    <dgm:fillClrLst meth="repeat">
+      <a:schemeClr val="lt1">
+        <a:alpha val="90000"/>
+      </a:schemeClr>
+    </dgm:fillClrLst>
+    <dgm:linClrLst meth="repeat">
+      <a:schemeClr val="accent1"/>
+    </dgm:linClrLst>
+    <dgm:effectClrLst/>
+    <dgm:txLinClrLst/>
+    <dgm:txFillClrLst meth="repeat">
+      <a:schemeClr val="dk1"/>
+    </dgm:txFillClrLst>
+    <dgm:txEffectClrLst/>
+  </dgm:styleLbl>
+  <dgm:styleLbl name="trAlignAcc1">
+    <dgm:fillClrLst meth="repeat">
+      <a:schemeClr val="lt1">
+        <a:alpha val="40000"/>
+      </a:schemeClr>
+    </dgm:fillClrLst>
+    <dgm:linClrLst meth="repeat">
+      <a:schemeClr val="accent1"/>
+    </dgm:linClrLst>
+    <dgm:effectClrLst/>
+    <dgm:txLinClrLst/>
+    <dgm:txFillClrLst meth="repeat">
+      <a:schemeClr val="dk1"/>
+    </dgm:txFillClrLst>
+    <dgm:txEffectClrLst/>
+  </dgm:styleLbl>
+  <dgm:styleLbl name="bgAcc1">
+    <dgm:fillClrLst meth="repeat">
+      <a:schemeClr val="lt1">
+        <a:alpha val="90000"/>
+      </a:schemeClr>
+    </dgm:fillClrLst>
+    <dgm:linClrLst meth="repeat">
+      <a:schemeClr val="accent1"/>
+    </dgm:linClrLst>
+    <dgm:effectClrLst/>
+    <dgm:txLinClrLst/>
+    <dgm:txFillClrLst meth="repeat">
+      <a:schemeClr val="dk1"/>
+    </dgm:txFillClrLst>
+    <dgm:txEffectClrLst/>
+  </dgm:styleLbl>
+  <dgm:styleLbl name="solidFgAcc1">
+    <dgm:fillClrLst meth="repeat">
+      <a:schemeClr val="lt1"/>
+    </dgm:fillClrLst>
+    <dgm:linClrLst meth="repeat">
+      <a:schemeClr val="accent1"/>
+    </dgm:linClrLst>
+    <dgm:effectClrLst/>
+    <dgm:txLinClrLst/>
+    <dgm:txFillClrLst meth="repeat">
+      <a:schemeClr val="dk1"/>
+    </dgm:txFillClrLst>
+    <dgm:txEffectClrLst/>
+  </dgm:styleLbl>
+  <dgm:styleLbl name="solidAlignAcc1">
+    <dgm:fillClrLst meth="repeat">
+      <a:schemeClr val="lt1"/>
+    </dgm:fillClrLst>
+    <dgm:linClrLst meth="repeat">
+      <a:schemeClr val="accent1"/>
+    </dgm:linClrLst>
+    <dgm:effectClrLst/>
+    <dgm:txLinClrLst/>
+    <dgm:txFillClrLst meth="repeat">
+      <a:schemeClr val="dk1"/>
+    </dgm:txFillClrLst>
+    <dgm:txEffectClrLst/>
+  </dgm:styleLbl>
+  <dgm:styleLbl name="solidBgAcc1">
+    <dgm:fillClrLst meth="repeat">
+      <a:schemeClr val="lt1"/>
+    </dgm:fillClrLst>
+    <dgm:linClrLst meth="repeat">
+      <a:schemeClr val="accent1"/>
+    </dgm:linClrLst>
+    <dgm:effectClrLst/>
+    <dgm:txLinClrLst/>
+    <dgm:txFillClrLst meth="repeat">
+      <a:schemeClr val="dk1"/>
+    </dgm:txFillClrLst>
+    <dgm:txEffectClrLst/>
+  </dgm:styleLbl>
+  <dgm:styleLbl name="fgAccFollowNode1">
+    <dgm:fillClrLst meth="repeat">
+      <a:schemeClr val="accent1">
+        <a:alpha val="90000"/>
+        <a:tint val="40000"/>
+      </a:schemeClr>
+    </dgm:fillClrLst>
+    <dgm:linClrLst meth="repeat">
+      <a:schemeClr val="accent1">
+        <a:alpha val="90000"/>
+        <a:tint val="40000"/>
+      </a:schemeClr>
+    </dgm:linClrLst>
+    <dgm:effectClrLst/>
+    <dgm:txLinClrLst/>
+    <dgm:txFillClrLst meth="repeat">
+      <a:schemeClr val="dk1"/>
+    </dgm:txFillClrLst>
+    <dgm:txEffectClrLst/>
+  </dgm:styleLbl>
+  <dgm:styleLbl name="alignAccFollowNode1">
+    <dgm:fillClrLst meth="repeat">
+      <a:schemeClr val="accent1">
+        <a:alpha val="90000"/>
+        <a:tint val="40000"/>
+      </a:schemeClr>
+    </dgm:fillClrLst>
+    <dgm:linClrLst meth="repeat">
+      <a:schemeClr val="accent1">
+        <a:alpha val="90000"/>
+        <a:tint val="40000"/>
+      </a:schemeClr>
+    </dgm:linClrLst>
+    <dgm:effectClrLst/>
+    <dgm:txLinClrLst/>
+    <dgm:txFillClrLst meth="repeat">
+      <a:schemeClr val="dk1"/>
+    </dgm:txFillClrLst>
+    <dgm:txEffectClrLst/>
+  </dgm:styleLbl>
+  <dgm:styleLbl name="bgAccFollowNode1">
+    <dgm:fillClrLst meth="repeat">
+      <a:schemeClr val="accent1">
+        <a:alpha val="90000"/>
+        <a:tint val="40000"/>
+      </a:schemeClr>
+    </dgm:fillClrLst>
+    <dgm:linClrLst meth="repeat">
+      <a:schemeClr val="accent1">
+        <a:alpha val="90000"/>
+        <a:tint val="40000"/>
+      </a:schemeClr>
+    </dgm:linClrLst>
+    <dgm:effectClrLst/>
+    <dgm:txLinClrLst/>
+    <dgm:txFillClrLst meth="repeat">
+      <a:schemeClr val="dk1"/>
+    </dgm:txFillClrLst>
+    <dgm:txEffectClrLst/>
+  </dgm:styleLbl>
+  <dgm:styleLbl name="fgAcc0">
+    <dgm:fillClrLst meth="repeat">
+      <a:schemeClr val="lt1">
+        <a:alpha val="90000"/>
+      </a:schemeClr>
+    </dgm:fillClrLst>
+    <dgm:linClrLst meth="repeat">
+      <a:schemeClr val="accent1"/>
+    </dgm:linClrLst>
+    <dgm:effectClrLst/>
+    <dgm:txLinClrLst/>
+    <dgm:txFillClrLst meth="repeat">
+      <a:schemeClr val="dk1"/>
+    </dgm:txFillClrLst>
+    <dgm:txEffectClrLst/>
+  </dgm:styleLbl>
+  <dgm:styleLbl name="fgAcc2">
+    <dgm:fillClrLst meth="repeat">
+      <a:schemeClr val="lt1">
+        <a:alpha val="90000"/>
+      </a:schemeClr>
+    </dgm:fillClrLst>
+    <dgm:linClrLst meth="repeat">
+      <a:schemeClr val="accent1"/>
+    </dgm:linClrLst>
+    <dgm:effectClrLst/>
+    <dgm:txLinClrLst/>
+    <dgm:txFillClrLst meth="repeat">
+      <a:schemeClr val="dk1"/>
+    </dgm:txFillClrLst>
+    <dgm:txEffectClrLst/>
+  </dgm:styleLbl>
+  <dgm:styleLbl name="fgAcc3">
+    <dgm:fillClrLst meth="repeat">
+      <a:schemeClr val="lt1">
+        <a:alpha val="90000"/>
+      </a:schemeClr>
+    </dgm:fillClrLst>
+    <dgm:linClrLst meth="repeat">
+      <a:schemeClr val="accent1"/>
+    </dgm:linClrLst>
+    <dgm:effectClrLst/>
+    <dgm:txLinClrLst/>
+    <dgm:txFillClrLst meth="repeat">
+      <a:schemeClr val="dk1"/>
+    </dgm:txFillClrLst>
+    <dgm:txEffectClrLst/>
+  </dgm:styleLbl>
+  <dgm:styleLbl name="fgAcc4">
+    <dgm:fillClrLst meth="repeat">
+      <a:schemeClr val="lt1">
+        <a:alpha val="90000"/>
+      </a:schemeClr>
+    </dgm:fillClrLst>
+    <dgm:linClrLst meth="repeat">
+      <a:schemeClr val="accent1"/>
+    </dgm:linClrLst>
+    <dgm:effectClrLst/>
+    <dgm:txLinClrLst/>
+    <dgm:txFillClrLst meth="repeat">
+      <a:schemeClr val="dk1"/>
+    </dgm:txFillClrLst>
+    <dgm:txEffectClrLst/>
+  </dgm:styleLbl>
+  <dgm:styleLbl name="bgShp">
+    <dgm:fillClrLst meth="repeat">
+      <a:schemeClr val="accent1">
+        <a:tint val="40000"/>
+      </a:schemeClr>
+    </dgm:fillClrLst>
+    <dgm:linClrLst meth="repeat">
+      <a:schemeClr val="accent1"/>
+    </dgm:linClrLst>
+    <dgm:effectClrLst/>
+    <dgm:txLinClrLst/>
+    <dgm:txFillClrLst meth="repeat">
+      <a:schemeClr val="dk1"/>
+    </dgm:txFillClrLst>
+    <dgm:txEffectClrLst/>
+  </dgm:styleLbl>
+  <dgm:styleLbl name="dkBgShp">
+    <dgm:fillClrLst meth="repeat">
+      <a:schemeClr val="accent1">
+        <a:shade val="80000"/>
+      </a:schemeClr>
+    </dgm:fillClrLst>
+    <dgm:linClrLst meth="repeat">
+      <a:schemeClr val="accent1"/>
+    </dgm:linClrLst>
+    <dgm:effectClrLst/>
+    <dgm:txLinClrLst/>
+    <dgm:txFillClrLst meth="repeat">
+      <a:schemeClr val="lt1"/>
+    </dgm:txFillClrLst>
+    <dgm:txEffectClrLst/>
+  </dgm:styleLbl>
+  <dgm:styleLbl name="trBgShp">
+    <dgm:fillClrLst meth="repeat">
+      <a:schemeClr val="accent1">
+        <a:tint val="50000"/>
+        <a:alpha val="40000"/>
+      </a:schemeClr>
+    </dgm:fillClrLst>
+    <dgm:linClrLst meth="repeat">
+      <a:schemeClr val="accent1"/>
+    </dgm:linClrLst>
+    <dgm:effectClrLst/>
+    <dgm:txLinClrLst/>
+    <dgm:txFillClrLst meth="repeat">
+      <a:schemeClr val="lt1"/>
+    </dgm:txFillClrLst>
+    <dgm:txEffectClrLst/>
+  </dgm:styleLbl>
+  <dgm:styleLbl name="fgShp">
+    <dgm:fillClrLst meth="repeat">
+      <a:schemeClr val="accent1">
+        <a:tint val="60000"/>
+      </a:schemeClr>
+    </dgm:fillClrLst>
+    <dgm:linClrLst meth="repeat">
+      <a:schemeClr val="lt1"/>
+    </dgm:linClrLst>
+    <dgm:effectClrLst/>
+    <dgm:txLinClrLst/>
+    <dgm:txFillClrLst meth="repeat">
+      <a:schemeClr val="dk1"/>
+    </dgm:txFillClrLst>
+    <dgm:txEffectClrLst/>
+  </dgm:styleLbl>
+  <dgm:styleLbl name="revTx">
+    <dgm:fillClrLst meth="repeat">
+      <a:schemeClr val="lt1">
+        <a:alpha val="0"/>
+      </a:schemeClr>
+    </dgm:fillClrLst>
+    <dgm:linClrLst meth="repeat">
+      <a:schemeClr val="dk1">
+        <a:alpha val="0"/>
+      </a:schemeClr>
+    </dgm:linClrLst>
+    <dgm:effectClrLst/>
+    <dgm:txLinClrLst/>
+    <dgm:txFillClrLst meth="repeat">
+      <a:schemeClr val="tx1"/>
+    </dgm:txFillClrLst>
+    <dgm:txEffectClrLst/>
+  </dgm:styleLbl>
+</dgm:colorsDef>
+</file>
+
+<file path=ppt/diagrams/colors2.xml><?xml version="1.0" encoding="utf-8"?>
 <dgm:colorsDef xmlns:dgm="http://schemas.openxmlformats.org/drawingml/2006/diagram" xmlns:a="http://schemas.openxmlformats.org/drawingml/2006/main" uniqueId="urn:microsoft.com/office/officeart/2005/8/colors/colorful2">
   <dgm:title val=""/>
   <dgm:desc val=""/>
@@ -915,6 +1660,325 @@
 </file>
 
 <file path=ppt/diagrams/data1.xml><?xml version="1.0" encoding="utf-8"?>
+<dgm:dataModel xmlns:dgm="http://schemas.openxmlformats.org/drawingml/2006/diagram" xmlns:a="http://schemas.openxmlformats.org/drawingml/2006/main">
+  <dgm:ptLst>
+    <dgm:pt modelId="{92584983-A1AD-4CB2-9EFC-7EE311DB2189}" type="doc">
+      <dgm:prSet loTypeId="urn:microsoft.com/office/officeart/2005/8/layout/process2" loCatId="process" qsTypeId="urn:microsoft.com/office/officeart/2005/8/quickstyle/simple1" qsCatId="simple" csTypeId="urn:microsoft.com/office/officeart/2005/8/colors/accent1_2" csCatId="accent1" phldr="1"/>
+      <dgm:spPr/>
+      <dgm:t>
+        <a:bodyPr/>
+        <a:lstStyle/>
+        <a:p>
+          <a:endParaRPr lang="en-GB"/>
+        </a:p>
+      </dgm:t>
+    </dgm:pt>
+    <dgm:pt modelId="{BBBDFC0A-E11F-472B-87F8-71359ECA1BED}">
+      <dgm:prSet phldrT="[Text]"/>
+      <dgm:spPr/>
+      <dgm:t>
+        <a:bodyPr/>
+        <a:lstStyle/>
+        <a:p>
+          <a:r>
+            <a:rPr lang="en-GB" dirty="0"/>
+            <a:t>Earths Physical Properties</a:t>
+          </a:r>
+        </a:p>
+      </dgm:t>
+    </dgm:pt>
+    <dgm:pt modelId="{35888ACE-BC6B-4E38-99A9-061D96134449}" type="parTrans" cxnId="{B0F7E47D-ACCF-435A-8B72-403EFC481272}">
+      <dgm:prSet/>
+      <dgm:spPr/>
+      <dgm:t>
+        <a:bodyPr/>
+        <a:lstStyle/>
+        <a:p>
+          <a:endParaRPr lang="en-GB"/>
+        </a:p>
+      </dgm:t>
+    </dgm:pt>
+    <dgm:pt modelId="{B327DA44-B1CF-4C4B-8917-34B4FAA4AE35}" type="sibTrans" cxnId="{B0F7E47D-ACCF-435A-8B72-403EFC481272}">
+      <dgm:prSet/>
+      <dgm:spPr/>
+      <dgm:t>
+        <a:bodyPr/>
+        <a:lstStyle/>
+        <a:p>
+          <a:endParaRPr lang="en-GB"/>
+        </a:p>
+      </dgm:t>
+    </dgm:pt>
+    <dgm:pt modelId="{BBEE28DF-C994-4AA7-838A-8055BC06D945}">
+      <dgm:prSet phldrT="[Text]"/>
+      <dgm:spPr/>
+      <dgm:t>
+        <a:bodyPr/>
+        <a:lstStyle/>
+        <a:p>
+          <a:r>
+            <a:rPr lang="en-GB" dirty="0"/>
+            <a:t>Measurements=data</a:t>
+          </a:r>
+        </a:p>
+      </dgm:t>
+    </dgm:pt>
+    <dgm:pt modelId="{ED3C9343-F3F3-4F8A-AD10-C1CEB6AE7D08}" type="parTrans" cxnId="{71FA3AE7-947D-4BA4-8ABA-39145EF974F6}">
+      <dgm:prSet/>
+      <dgm:spPr/>
+      <dgm:t>
+        <a:bodyPr/>
+        <a:lstStyle/>
+        <a:p>
+          <a:endParaRPr lang="en-GB"/>
+        </a:p>
+      </dgm:t>
+    </dgm:pt>
+    <dgm:pt modelId="{6E4C7B1F-4372-4706-9EC6-4C0CDEDF02E1}" type="sibTrans" cxnId="{71FA3AE7-947D-4BA4-8ABA-39145EF974F6}">
+      <dgm:prSet/>
+      <dgm:spPr/>
+      <dgm:t>
+        <a:bodyPr/>
+        <a:lstStyle/>
+        <a:p>
+          <a:endParaRPr lang="en-GB"/>
+        </a:p>
+      </dgm:t>
+    </dgm:pt>
+    <dgm:pt modelId="{48D3B726-931D-4B6B-9C68-FA1B5C59ADAE}">
+      <dgm:prSet phldrT="[Text]"/>
+      <dgm:spPr/>
+      <dgm:t>
+        <a:bodyPr/>
+        <a:lstStyle/>
+        <a:p>
+          <a:r>
+            <a:rPr lang="en-GB" dirty="0"/>
+            <a:t>Pre-processing and Prior information</a:t>
+          </a:r>
+        </a:p>
+      </dgm:t>
+    </dgm:pt>
+    <dgm:pt modelId="{AE9DC6DF-FFAF-40AF-BDDE-9C5DDFFA159A}" type="parTrans" cxnId="{49B3C8D5-5709-4649-87F1-37F6665D38D0}">
+      <dgm:prSet/>
+      <dgm:spPr/>
+      <dgm:t>
+        <a:bodyPr/>
+        <a:lstStyle/>
+        <a:p>
+          <a:endParaRPr lang="en-GB"/>
+        </a:p>
+      </dgm:t>
+    </dgm:pt>
+    <dgm:pt modelId="{143ADF8F-5294-4947-96E4-19CB8351547A}" type="sibTrans" cxnId="{49B3C8D5-5709-4649-87F1-37F6665D38D0}">
+      <dgm:prSet/>
+      <dgm:spPr/>
+      <dgm:t>
+        <a:bodyPr/>
+        <a:lstStyle/>
+        <a:p>
+          <a:endParaRPr lang="en-GB"/>
+        </a:p>
+      </dgm:t>
+    </dgm:pt>
+    <dgm:pt modelId="{97E7041C-7387-45F7-A7D2-826163E22AD8}">
+      <dgm:prSet/>
+      <dgm:spPr/>
+      <dgm:t>
+        <a:bodyPr/>
+        <a:lstStyle/>
+        <a:p>
+          <a:r>
+            <a:rPr lang="en-GB" dirty="0"/>
+            <a:t>Inversion</a:t>
+          </a:r>
+        </a:p>
+      </dgm:t>
+    </dgm:pt>
+    <dgm:pt modelId="{576DA196-F331-432A-A271-E3A6387CCA99}" type="parTrans" cxnId="{DC101733-9FEB-47BD-A0B7-A54136EA6E3A}">
+      <dgm:prSet/>
+      <dgm:spPr/>
+      <dgm:t>
+        <a:bodyPr/>
+        <a:lstStyle/>
+        <a:p>
+          <a:endParaRPr lang="en-GB"/>
+        </a:p>
+      </dgm:t>
+    </dgm:pt>
+    <dgm:pt modelId="{09E9835B-AC3F-4D7B-B547-B37DD89DC258}" type="sibTrans" cxnId="{DC101733-9FEB-47BD-A0B7-A54136EA6E3A}">
+      <dgm:prSet/>
+      <dgm:spPr/>
+      <dgm:t>
+        <a:bodyPr/>
+        <a:lstStyle/>
+        <a:p>
+          <a:endParaRPr lang="en-GB"/>
+        </a:p>
+      </dgm:t>
+    </dgm:pt>
+    <dgm:pt modelId="{A5A78FAF-C651-4470-B971-C773022749A8}">
+      <dgm:prSet/>
+      <dgm:spPr/>
+      <dgm:t>
+        <a:bodyPr/>
+        <a:lstStyle/>
+        <a:p>
+          <a:r>
+            <a:rPr lang="en-GB" dirty="0"/>
+            <a:t>Model</a:t>
+          </a:r>
+        </a:p>
+      </dgm:t>
+    </dgm:pt>
+    <dgm:pt modelId="{7C67DF00-317D-4708-BB3E-CE0A49319987}" type="parTrans" cxnId="{214A5824-51EB-4CCA-9320-403051F63644}">
+      <dgm:prSet/>
+      <dgm:spPr/>
+      <dgm:t>
+        <a:bodyPr/>
+        <a:lstStyle/>
+        <a:p>
+          <a:endParaRPr lang="en-GB"/>
+        </a:p>
+      </dgm:t>
+    </dgm:pt>
+    <dgm:pt modelId="{3F172E59-8267-4882-8262-A1EA9DCC6DF0}" type="sibTrans" cxnId="{214A5824-51EB-4CCA-9320-403051F63644}">
+      <dgm:prSet/>
+      <dgm:spPr/>
+      <dgm:t>
+        <a:bodyPr/>
+        <a:lstStyle/>
+        <a:p>
+          <a:endParaRPr lang="en-GB"/>
+        </a:p>
+      </dgm:t>
+    </dgm:pt>
+    <dgm:pt modelId="{8E309BBE-A23E-4051-9E90-C6FFCB8A5B95}" type="pres">
+      <dgm:prSet presAssocID="{92584983-A1AD-4CB2-9EFC-7EE311DB2189}" presName="linearFlow" presStyleCnt="0">
+        <dgm:presLayoutVars>
+          <dgm:resizeHandles val="exact"/>
+        </dgm:presLayoutVars>
+      </dgm:prSet>
+      <dgm:spPr/>
+    </dgm:pt>
+    <dgm:pt modelId="{5E7B5F57-F440-4F46-9EEE-D66E73C0105F}" type="pres">
+      <dgm:prSet presAssocID="{BBBDFC0A-E11F-472B-87F8-71359ECA1BED}" presName="node" presStyleLbl="node1" presStyleIdx="0" presStyleCnt="5">
+        <dgm:presLayoutVars>
+          <dgm:bulletEnabled val="1"/>
+        </dgm:presLayoutVars>
+      </dgm:prSet>
+      <dgm:spPr/>
+    </dgm:pt>
+    <dgm:pt modelId="{7C64FE2E-604D-477C-9000-38250083A247}" type="pres">
+      <dgm:prSet presAssocID="{B327DA44-B1CF-4C4B-8917-34B4FAA4AE35}" presName="sibTrans" presStyleLbl="sibTrans2D1" presStyleIdx="0" presStyleCnt="4"/>
+      <dgm:spPr/>
+    </dgm:pt>
+    <dgm:pt modelId="{C2712D64-5493-4E11-9EA6-228FB0F4DC0A}" type="pres">
+      <dgm:prSet presAssocID="{B327DA44-B1CF-4C4B-8917-34B4FAA4AE35}" presName="connectorText" presStyleLbl="sibTrans2D1" presStyleIdx="0" presStyleCnt="4"/>
+      <dgm:spPr/>
+    </dgm:pt>
+    <dgm:pt modelId="{7A1B00E8-A0D0-4AAA-B989-E03AFCAA7214}" type="pres">
+      <dgm:prSet presAssocID="{BBEE28DF-C994-4AA7-838A-8055BC06D945}" presName="node" presStyleLbl="node1" presStyleIdx="1" presStyleCnt="5">
+        <dgm:presLayoutVars>
+          <dgm:bulletEnabled val="1"/>
+        </dgm:presLayoutVars>
+      </dgm:prSet>
+      <dgm:spPr/>
+    </dgm:pt>
+    <dgm:pt modelId="{ADAB402F-E827-4618-8CF1-26EC5ABB37B0}" type="pres">
+      <dgm:prSet presAssocID="{6E4C7B1F-4372-4706-9EC6-4C0CDEDF02E1}" presName="sibTrans" presStyleLbl="sibTrans2D1" presStyleIdx="1" presStyleCnt="4"/>
+      <dgm:spPr/>
+    </dgm:pt>
+    <dgm:pt modelId="{65106C95-AD42-4FD7-AFEF-54C7C903CA8F}" type="pres">
+      <dgm:prSet presAssocID="{6E4C7B1F-4372-4706-9EC6-4C0CDEDF02E1}" presName="connectorText" presStyleLbl="sibTrans2D1" presStyleIdx="1" presStyleCnt="4"/>
+      <dgm:spPr/>
+    </dgm:pt>
+    <dgm:pt modelId="{F663974D-DE68-4F06-9AFD-D052362C3742}" type="pres">
+      <dgm:prSet presAssocID="{48D3B726-931D-4B6B-9C68-FA1B5C59ADAE}" presName="node" presStyleLbl="node1" presStyleIdx="2" presStyleCnt="5">
+        <dgm:presLayoutVars>
+          <dgm:bulletEnabled val="1"/>
+        </dgm:presLayoutVars>
+      </dgm:prSet>
+      <dgm:spPr/>
+    </dgm:pt>
+    <dgm:pt modelId="{7FA4BA2B-A672-46B3-95DB-F2BEBC3FA218}" type="pres">
+      <dgm:prSet presAssocID="{143ADF8F-5294-4947-96E4-19CB8351547A}" presName="sibTrans" presStyleLbl="sibTrans2D1" presStyleIdx="2" presStyleCnt="4"/>
+      <dgm:spPr/>
+    </dgm:pt>
+    <dgm:pt modelId="{5C26F155-9328-4E9D-A108-D98E9471CC45}" type="pres">
+      <dgm:prSet presAssocID="{143ADF8F-5294-4947-96E4-19CB8351547A}" presName="connectorText" presStyleLbl="sibTrans2D1" presStyleIdx="2" presStyleCnt="4"/>
+      <dgm:spPr/>
+    </dgm:pt>
+    <dgm:pt modelId="{33AE449F-C3D0-4217-B466-D0968E177774}" type="pres">
+      <dgm:prSet presAssocID="{97E7041C-7387-45F7-A7D2-826163E22AD8}" presName="node" presStyleLbl="node1" presStyleIdx="3" presStyleCnt="5">
+        <dgm:presLayoutVars>
+          <dgm:bulletEnabled val="1"/>
+        </dgm:presLayoutVars>
+      </dgm:prSet>
+      <dgm:spPr/>
+    </dgm:pt>
+    <dgm:pt modelId="{273CE8D3-FB75-444B-AE69-6159E5B39D84}" type="pres">
+      <dgm:prSet presAssocID="{09E9835B-AC3F-4D7B-B547-B37DD89DC258}" presName="sibTrans" presStyleLbl="sibTrans2D1" presStyleIdx="3" presStyleCnt="4"/>
+      <dgm:spPr/>
+    </dgm:pt>
+    <dgm:pt modelId="{ABA90C17-DB36-499B-9F3C-3F1FA95752E2}" type="pres">
+      <dgm:prSet presAssocID="{09E9835B-AC3F-4D7B-B547-B37DD89DC258}" presName="connectorText" presStyleLbl="sibTrans2D1" presStyleIdx="3" presStyleCnt="4"/>
+      <dgm:spPr/>
+    </dgm:pt>
+    <dgm:pt modelId="{8312109F-498A-4E02-9903-53AF3F0D3C16}" type="pres">
+      <dgm:prSet presAssocID="{A5A78FAF-C651-4470-B971-C773022749A8}" presName="node" presStyleLbl="node1" presStyleIdx="4" presStyleCnt="5">
+        <dgm:presLayoutVars>
+          <dgm:bulletEnabled val="1"/>
+        </dgm:presLayoutVars>
+      </dgm:prSet>
+      <dgm:spPr/>
+    </dgm:pt>
+  </dgm:ptLst>
+  <dgm:cxnLst>
+    <dgm:cxn modelId="{DE6FCE08-2B67-4C4B-ACA1-CAE83C617615}" type="presOf" srcId="{6E4C7B1F-4372-4706-9EC6-4C0CDEDF02E1}" destId="{ADAB402F-E827-4618-8CF1-26EC5ABB37B0}" srcOrd="0" destOrd="0" presId="urn:microsoft.com/office/officeart/2005/8/layout/process2"/>
+    <dgm:cxn modelId="{43A40610-3568-4422-9E83-BA037207884C}" type="presOf" srcId="{97E7041C-7387-45F7-A7D2-826163E22AD8}" destId="{33AE449F-C3D0-4217-B466-D0968E177774}" srcOrd="0" destOrd="0" presId="urn:microsoft.com/office/officeart/2005/8/layout/process2"/>
+    <dgm:cxn modelId="{EBCA7B1A-C24F-4129-AF67-20BBC5FCAFF4}" type="presOf" srcId="{BBEE28DF-C994-4AA7-838A-8055BC06D945}" destId="{7A1B00E8-A0D0-4AAA-B989-E03AFCAA7214}" srcOrd="0" destOrd="0" presId="urn:microsoft.com/office/officeart/2005/8/layout/process2"/>
+    <dgm:cxn modelId="{214A5824-51EB-4CCA-9320-403051F63644}" srcId="{92584983-A1AD-4CB2-9EFC-7EE311DB2189}" destId="{A5A78FAF-C651-4470-B971-C773022749A8}" srcOrd="4" destOrd="0" parTransId="{7C67DF00-317D-4708-BB3E-CE0A49319987}" sibTransId="{3F172E59-8267-4882-8262-A1EA9DCC6DF0}"/>
+    <dgm:cxn modelId="{DC101733-9FEB-47BD-A0B7-A54136EA6E3A}" srcId="{92584983-A1AD-4CB2-9EFC-7EE311DB2189}" destId="{97E7041C-7387-45F7-A7D2-826163E22AD8}" srcOrd="3" destOrd="0" parTransId="{576DA196-F331-432A-A271-E3A6387CCA99}" sibTransId="{09E9835B-AC3F-4D7B-B547-B37DD89DC258}"/>
+    <dgm:cxn modelId="{CEC4D360-E59E-473F-98B1-1B5DB0314D19}" type="presOf" srcId="{A5A78FAF-C651-4470-B971-C773022749A8}" destId="{8312109F-498A-4E02-9903-53AF3F0D3C16}" srcOrd="0" destOrd="0" presId="urn:microsoft.com/office/officeart/2005/8/layout/process2"/>
+    <dgm:cxn modelId="{D648AB66-EED5-46B6-AF8A-56064CE7DCE0}" type="presOf" srcId="{09E9835B-AC3F-4D7B-B547-B37DD89DC258}" destId="{273CE8D3-FB75-444B-AE69-6159E5B39D84}" srcOrd="0" destOrd="0" presId="urn:microsoft.com/office/officeart/2005/8/layout/process2"/>
+    <dgm:cxn modelId="{9A7BB369-C80B-4ED5-B8A8-8FCD70B8502B}" type="presOf" srcId="{B327DA44-B1CF-4C4B-8917-34B4FAA4AE35}" destId="{7C64FE2E-604D-477C-9000-38250083A247}" srcOrd="0" destOrd="0" presId="urn:microsoft.com/office/officeart/2005/8/layout/process2"/>
+    <dgm:cxn modelId="{C97FC56D-EA88-489A-A3A5-2992317B633B}" type="presOf" srcId="{143ADF8F-5294-4947-96E4-19CB8351547A}" destId="{5C26F155-9328-4E9D-A108-D98E9471CC45}" srcOrd="1" destOrd="0" presId="urn:microsoft.com/office/officeart/2005/8/layout/process2"/>
+    <dgm:cxn modelId="{E2620F59-789F-403C-894A-731B91F41B9A}" type="presOf" srcId="{92584983-A1AD-4CB2-9EFC-7EE311DB2189}" destId="{8E309BBE-A23E-4051-9E90-C6FFCB8A5B95}" srcOrd="0" destOrd="0" presId="urn:microsoft.com/office/officeart/2005/8/layout/process2"/>
+    <dgm:cxn modelId="{58D8625A-66F2-4047-94AB-C52536671F38}" type="presOf" srcId="{09E9835B-AC3F-4D7B-B547-B37DD89DC258}" destId="{ABA90C17-DB36-499B-9F3C-3F1FA95752E2}" srcOrd="1" destOrd="0" presId="urn:microsoft.com/office/officeart/2005/8/layout/process2"/>
+    <dgm:cxn modelId="{B0F7E47D-ACCF-435A-8B72-403EFC481272}" srcId="{92584983-A1AD-4CB2-9EFC-7EE311DB2189}" destId="{BBBDFC0A-E11F-472B-87F8-71359ECA1BED}" srcOrd="0" destOrd="0" parTransId="{35888ACE-BC6B-4E38-99A9-061D96134449}" sibTransId="{B327DA44-B1CF-4C4B-8917-34B4FAA4AE35}"/>
+    <dgm:cxn modelId="{38FF78B0-9D82-4D5A-AADD-9E4B60F67775}" type="presOf" srcId="{48D3B726-931D-4B6B-9C68-FA1B5C59ADAE}" destId="{F663974D-DE68-4F06-9AFD-D052362C3742}" srcOrd="0" destOrd="0" presId="urn:microsoft.com/office/officeart/2005/8/layout/process2"/>
+    <dgm:cxn modelId="{047FF0C3-2D77-4CE6-9996-314B0D28C3DC}" type="presOf" srcId="{6E4C7B1F-4372-4706-9EC6-4C0CDEDF02E1}" destId="{65106C95-AD42-4FD7-AFEF-54C7C903CA8F}" srcOrd="1" destOrd="0" presId="urn:microsoft.com/office/officeart/2005/8/layout/process2"/>
+    <dgm:cxn modelId="{C92685CA-73C7-4964-A42C-B1245C36B16F}" type="presOf" srcId="{BBBDFC0A-E11F-472B-87F8-71359ECA1BED}" destId="{5E7B5F57-F440-4F46-9EEE-D66E73C0105F}" srcOrd="0" destOrd="0" presId="urn:microsoft.com/office/officeart/2005/8/layout/process2"/>
+    <dgm:cxn modelId="{49B3C8D5-5709-4649-87F1-37F6665D38D0}" srcId="{92584983-A1AD-4CB2-9EFC-7EE311DB2189}" destId="{48D3B726-931D-4B6B-9C68-FA1B5C59ADAE}" srcOrd="2" destOrd="0" parTransId="{AE9DC6DF-FFAF-40AF-BDDE-9C5DDFFA159A}" sibTransId="{143ADF8F-5294-4947-96E4-19CB8351547A}"/>
+    <dgm:cxn modelId="{7E7172E5-5420-46EC-BB84-7E5CFC67B03D}" type="presOf" srcId="{B327DA44-B1CF-4C4B-8917-34B4FAA4AE35}" destId="{C2712D64-5493-4E11-9EA6-228FB0F4DC0A}" srcOrd="1" destOrd="0" presId="urn:microsoft.com/office/officeart/2005/8/layout/process2"/>
+    <dgm:cxn modelId="{71FA3AE7-947D-4BA4-8ABA-39145EF974F6}" srcId="{92584983-A1AD-4CB2-9EFC-7EE311DB2189}" destId="{BBEE28DF-C994-4AA7-838A-8055BC06D945}" srcOrd="1" destOrd="0" parTransId="{ED3C9343-F3F3-4F8A-AD10-C1CEB6AE7D08}" sibTransId="{6E4C7B1F-4372-4706-9EC6-4C0CDEDF02E1}"/>
+    <dgm:cxn modelId="{9CC883FC-A315-4044-A4B1-84DE77C757B4}" type="presOf" srcId="{143ADF8F-5294-4947-96E4-19CB8351547A}" destId="{7FA4BA2B-A672-46B3-95DB-F2BEBC3FA218}" srcOrd="0" destOrd="0" presId="urn:microsoft.com/office/officeart/2005/8/layout/process2"/>
+    <dgm:cxn modelId="{5EA33E9E-D187-487B-A51B-17D2614B7F4B}" type="presParOf" srcId="{8E309BBE-A23E-4051-9E90-C6FFCB8A5B95}" destId="{5E7B5F57-F440-4F46-9EEE-D66E73C0105F}" srcOrd="0" destOrd="0" presId="urn:microsoft.com/office/officeart/2005/8/layout/process2"/>
+    <dgm:cxn modelId="{342577E1-7AEA-40CB-9F31-F4861CF7B74E}" type="presParOf" srcId="{8E309BBE-A23E-4051-9E90-C6FFCB8A5B95}" destId="{7C64FE2E-604D-477C-9000-38250083A247}" srcOrd="1" destOrd="0" presId="urn:microsoft.com/office/officeart/2005/8/layout/process2"/>
+    <dgm:cxn modelId="{0DE0E71F-30B6-4D35-9E81-47A39BDF3762}" type="presParOf" srcId="{7C64FE2E-604D-477C-9000-38250083A247}" destId="{C2712D64-5493-4E11-9EA6-228FB0F4DC0A}" srcOrd="0" destOrd="0" presId="urn:microsoft.com/office/officeart/2005/8/layout/process2"/>
+    <dgm:cxn modelId="{503BEC3E-19D8-405B-A587-112E45A31401}" type="presParOf" srcId="{8E309BBE-A23E-4051-9E90-C6FFCB8A5B95}" destId="{7A1B00E8-A0D0-4AAA-B989-E03AFCAA7214}" srcOrd="2" destOrd="0" presId="urn:microsoft.com/office/officeart/2005/8/layout/process2"/>
+    <dgm:cxn modelId="{CF78F592-87E1-4EEA-AE57-DD402B65D632}" type="presParOf" srcId="{8E309BBE-A23E-4051-9E90-C6FFCB8A5B95}" destId="{ADAB402F-E827-4618-8CF1-26EC5ABB37B0}" srcOrd="3" destOrd="0" presId="urn:microsoft.com/office/officeart/2005/8/layout/process2"/>
+    <dgm:cxn modelId="{F13E9D16-8D6D-4054-A1EE-8D1A7B542121}" type="presParOf" srcId="{ADAB402F-E827-4618-8CF1-26EC5ABB37B0}" destId="{65106C95-AD42-4FD7-AFEF-54C7C903CA8F}" srcOrd="0" destOrd="0" presId="urn:microsoft.com/office/officeart/2005/8/layout/process2"/>
+    <dgm:cxn modelId="{7C95645B-3D6D-4A09-B389-2C3B8B865364}" type="presParOf" srcId="{8E309BBE-A23E-4051-9E90-C6FFCB8A5B95}" destId="{F663974D-DE68-4F06-9AFD-D052362C3742}" srcOrd="4" destOrd="0" presId="urn:microsoft.com/office/officeart/2005/8/layout/process2"/>
+    <dgm:cxn modelId="{D64E1F59-42A5-4A6C-867C-F3B6784B60BA}" type="presParOf" srcId="{8E309BBE-A23E-4051-9E90-C6FFCB8A5B95}" destId="{7FA4BA2B-A672-46B3-95DB-F2BEBC3FA218}" srcOrd="5" destOrd="0" presId="urn:microsoft.com/office/officeart/2005/8/layout/process2"/>
+    <dgm:cxn modelId="{AA59D473-5E5D-4D6B-A456-DAB22A8A562E}" type="presParOf" srcId="{7FA4BA2B-A672-46B3-95DB-F2BEBC3FA218}" destId="{5C26F155-9328-4E9D-A108-D98E9471CC45}" srcOrd="0" destOrd="0" presId="urn:microsoft.com/office/officeart/2005/8/layout/process2"/>
+    <dgm:cxn modelId="{58DD56EB-4D76-46C5-A785-E55D4EC515F9}" type="presParOf" srcId="{8E309BBE-A23E-4051-9E90-C6FFCB8A5B95}" destId="{33AE449F-C3D0-4217-B466-D0968E177774}" srcOrd="6" destOrd="0" presId="urn:microsoft.com/office/officeart/2005/8/layout/process2"/>
+    <dgm:cxn modelId="{035B4D34-E3E3-4A21-84EE-E05ABB4EB7DD}" type="presParOf" srcId="{8E309BBE-A23E-4051-9E90-C6FFCB8A5B95}" destId="{273CE8D3-FB75-444B-AE69-6159E5B39D84}" srcOrd="7" destOrd="0" presId="urn:microsoft.com/office/officeart/2005/8/layout/process2"/>
+    <dgm:cxn modelId="{147A8175-5A1D-490E-9E9F-58776E2A65C0}" type="presParOf" srcId="{273CE8D3-FB75-444B-AE69-6159E5B39D84}" destId="{ABA90C17-DB36-499B-9F3C-3F1FA95752E2}" srcOrd="0" destOrd="0" presId="urn:microsoft.com/office/officeart/2005/8/layout/process2"/>
+    <dgm:cxn modelId="{3CD1A84B-BE7A-4CB5-A3C5-42C627AF4F23}" type="presParOf" srcId="{8E309BBE-A23E-4051-9E90-C6FFCB8A5B95}" destId="{8312109F-498A-4E02-9903-53AF3F0D3C16}" srcOrd="8" destOrd="0" presId="urn:microsoft.com/office/officeart/2005/8/layout/process2"/>
+  </dgm:cxnLst>
+  <dgm:bg/>
+  <dgm:whole/>
+  <dgm:extLst>
+    <a:ext uri="http://schemas.microsoft.com/office/drawing/2008/diagram">
+      <dsp:dataModelExt xmlns:dsp="http://schemas.microsoft.com/office/drawing/2008/diagram" relId="rId7" minVer="http://schemas.openxmlformats.org/drawingml/2006/diagram"/>
+    </a:ext>
+  </dgm:extLst>
+</dgm:dataModel>
+</file>
+
+<file path=ppt/diagrams/data2.xml><?xml version="1.0" encoding="utf-8"?>
 <dgm:dataModel xmlns:dgm="http://schemas.openxmlformats.org/drawingml/2006/diagram" xmlns:a="http://schemas.openxmlformats.org/drawingml/2006/main">
   <dgm:ptLst>
     <dgm:pt modelId="{22F6D672-553D-4679-A4A6-A0AEF1806741}" type="doc">
@@ -1290,6 +2354,693 @@
 </file>
 
 <file path=ppt/diagrams/drawing1.xml><?xml version="1.0" encoding="utf-8"?>
+<dsp:drawing xmlns:dgm="http://schemas.openxmlformats.org/drawingml/2006/diagram" xmlns:dsp="http://schemas.microsoft.com/office/drawing/2008/diagram" xmlns:a="http://schemas.openxmlformats.org/drawingml/2006/main">
+  <dsp:spTree>
+    <dsp:nvGrpSpPr>
+      <dsp:cNvPr id="0" name=""/>
+      <dsp:cNvGrpSpPr/>
+    </dsp:nvGrpSpPr>
+    <dsp:grpSpPr/>
+    <dsp:sp modelId="{5E7B5F57-F440-4F46-9EEE-D66E73C0105F}">
+      <dsp:nvSpPr>
+        <dsp:cNvPr id="0" name=""/>
+        <dsp:cNvSpPr/>
+      </dsp:nvSpPr>
+      <dsp:spPr>
+        <a:xfrm>
+          <a:off x="2468550" y="536"/>
+          <a:ext cx="1881388" cy="628274"/>
+        </a:xfrm>
+        <a:prstGeom prst="roundRect">
+          <a:avLst>
+            <a:gd name="adj" fmla="val 10000"/>
+          </a:avLst>
+        </a:prstGeom>
+        <a:solidFill>
+          <a:schemeClr val="accent1">
+            <a:hueOff val="0"/>
+            <a:satOff val="0"/>
+            <a:lumOff val="0"/>
+            <a:alphaOff val="0"/>
+          </a:schemeClr>
+        </a:solidFill>
+        <a:ln w="15875" cap="flat" cmpd="sng" algn="ctr">
+          <a:solidFill>
+            <a:schemeClr val="lt1">
+              <a:hueOff val="0"/>
+              <a:satOff val="0"/>
+              <a:lumOff val="0"/>
+              <a:alphaOff val="0"/>
+            </a:schemeClr>
+          </a:solidFill>
+          <a:prstDash val="solid"/>
+        </a:ln>
+        <a:effectLst/>
+      </dsp:spPr>
+      <dsp:style>
+        <a:lnRef idx="2">
+          <a:scrgbClr r="0" g="0" b="0"/>
+        </a:lnRef>
+        <a:fillRef idx="1">
+          <a:scrgbClr r="0" g="0" b="0"/>
+        </a:fillRef>
+        <a:effectRef idx="0">
+          <a:scrgbClr r="0" g="0" b="0"/>
+        </a:effectRef>
+        <a:fontRef idx="minor">
+          <a:schemeClr val="lt1"/>
+        </a:fontRef>
+      </dsp:style>
+      <dsp:txBody>
+        <a:bodyPr spcFirstLastPara="0" vert="horz" wrap="square" lIns="60960" tIns="60960" rIns="60960" bIns="60960" numCol="1" spcCol="1270" anchor="ctr" anchorCtr="0">
+          <a:noAutofit/>
+        </a:bodyPr>
+        <a:lstStyle/>
+        <a:p>
+          <a:pPr marL="0" lvl="0" indent="0" algn="ctr" defTabSz="711200">
+            <a:lnSpc>
+              <a:spcPct val="90000"/>
+            </a:lnSpc>
+            <a:spcBef>
+              <a:spcPct val="0"/>
+            </a:spcBef>
+            <a:spcAft>
+              <a:spcPct val="35000"/>
+            </a:spcAft>
+            <a:buNone/>
+          </a:pPr>
+          <a:r>
+            <a:rPr lang="en-GB" sz="1600" kern="1200" dirty="0"/>
+            <a:t>Earths Physical Properties</a:t>
+          </a:r>
+        </a:p>
+      </dsp:txBody>
+      <dsp:txXfrm>
+        <a:off x="2486952" y="18938"/>
+        <a:ext cx="1844584" cy="591470"/>
+      </dsp:txXfrm>
+    </dsp:sp>
+    <dsp:sp modelId="{7C64FE2E-604D-477C-9000-38250083A247}">
+      <dsp:nvSpPr>
+        <dsp:cNvPr id="0" name=""/>
+        <dsp:cNvSpPr/>
+      </dsp:nvSpPr>
+      <dsp:spPr>
+        <a:xfrm rot="5400000">
+          <a:off x="3291442" y="644518"/>
+          <a:ext cx="235603" cy="282723"/>
+        </a:xfrm>
+        <a:prstGeom prst="rightArrow">
+          <a:avLst>
+            <a:gd name="adj1" fmla="val 60000"/>
+            <a:gd name="adj2" fmla="val 50000"/>
+          </a:avLst>
+        </a:prstGeom>
+        <a:solidFill>
+          <a:schemeClr val="accent1">
+            <a:tint val="60000"/>
+            <a:hueOff val="0"/>
+            <a:satOff val="0"/>
+            <a:lumOff val="0"/>
+            <a:alphaOff val="0"/>
+          </a:schemeClr>
+        </a:solidFill>
+        <a:ln>
+          <a:noFill/>
+        </a:ln>
+        <a:effectLst/>
+      </dsp:spPr>
+      <dsp:style>
+        <a:lnRef idx="0">
+          <a:scrgbClr r="0" g="0" b="0"/>
+        </a:lnRef>
+        <a:fillRef idx="1">
+          <a:scrgbClr r="0" g="0" b="0"/>
+        </a:fillRef>
+        <a:effectRef idx="0">
+          <a:scrgbClr r="0" g="0" b="0"/>
+        </a:effectRef>
+        <a:fontRef idx="minor">
+          <a:schemeClr val="lt1"/>
+        </a:fontRef>
+      </dsp:style>
+      <dsp:txBody>
+        <a:bodyPr spcFirstLastPara="0" vert="horz" wrap="square" lIns="0" tIns="0" rIns="0" bIns="0" numCol="1" spcCol="1270" anchor="ctr" anchorCtr="0">
+          <a:noAutofit/>
+        </a:bodyPr>
+        <a:lstStyle/>
+        <a:p>
+          <a:pPr marL="0" lvl="0" indent="0" algn="ctr" defTabSz="488950">
+            <a:lnSpc>
+              <a:spcPct val="90000"/>
+            </a:lnSpc>
+            <a:spcBef>
+              <a:spcPct val="0"/>
+            </a:spcBef>
+            <a:spcAft>
+              <a:spcPct val="35000"/>
+            </a:spcAft>
+            <a:buNone/>
+          </a:pPr>
+          <a:endParaRPr lang="en-GB" sz="1100" kern="1200"/>
+        </a:p>
+      </dsp:txBody>
+      <dsp:txXfrm rot="-5400000">
+        <a:off x="3324428" y="668078"/>
+        <a:ext cx="169633" cy="164922"/>
+      </dsp:txXfrm>
+    </dsp:sp>
+    <dsp:sp modelId="{7A1B00E8-A0D0-4AAA-B989-E03AFCAA7214}">
+      <dsp:nvSpPr>
+        <dsp:cNvPr id="0" name=""/>
+        <dsp:cNvSpPr/>
+      </dsp:nvSpPr>
+      <dsp:spPr>
+        <a:xfrm>
+          <a:off x="2468550" y="942949"/>
+          <a:ext cx="1881388" cy="628274"/>
+        </a:xfrm>
+        <a:prstGeom prst="roundRect">
+          <a:avLst>
+            <a:gd name="adj" fmla="val 10000"/>
+          </a:avLst>
+        </a:prstGeom>
+        <a:solidFill>
+          <a:schemeClr val="accent1">
+            <a:hueOff val="0"/>
+            <a:satOff val="0"/>
+            <a:lumOff val="0"/>
+            <a:alphaOff val="0"/>
+          </a:schemeClr>
+        </a:solidFill>
+        <a:ln w="15875" cap="flat" cmpd="sng" algn="ctr">
+          <a:solidFill>
+            <a:schemeClr val="lt1">
+              <a:hueOff val="0"/>
+              <a:satOff val="0"/>
+              <a:lumOff val="0"/>
+              <a:alphaOff val="0"/>
+            </a:schemeClr>
+          </a:solidFill>
+          <a:prstDash val="solid"/>
+        </a:ln>
+        <a:effectLst/>
+      </dsp:spPr>
+      <dsp:style>
+        <a:lnRef idx="2">
+          <a:scrgbClr r="0" g="0" b="0"/>
+        </a:lnRef>
+        <a:fillRef idx="1">
+          <a:scrgbClr r="0" g="0" b="0"/>
+        </a:fillRef>
+        <a:effectRef idx="0">
+          <a:scrgbClr r="0" g="0" b="0"/>
+        </a:effectRef>
+        <a:fontRef idx="minor">
+          <a:schemeClr val="lt1"/>
+        </a:fontRef>
+      </dsp:style>
+      <dsp:txBody>
+        <a:bodyPr spcFirstLastPara="0" vert="horz" wrap="square" lIns="60960" tIns="60960" rIns="60960" bIns="60960" numCol="1" spcCol="1270" anchor="ctr" anchorCtr="0">
+          <a:noAutofit/>
+        </a:bodyPr>
+        <a:lstStyle/>
+        <a:p>
+          <a:pPr marL="0" lvl="0" indent="0" algn="ctr" defTabSz="711200">
+            <a:lnSpc>
+              <a:spcPct val="90000"/>
+            </a:lnSpc>
+            <a:spcBef>
+              <a:spcPct val="0"/>
+            </a:spcBef>
+            <a:spcAft>
+              <a:spcPct val="35000"/>
+            </a:spcAft>
+            <a:buNone/>
+          </a:pPr>
+          <a:r>
+            <a:rPr lang="en-GB" sz="1600" kern="1200" dirty="0"/>
+            <a:t>Measurements=data</a:t>
+          </a:r>
+        </a:p>
+      </dsp:txBody>
+      <dsp:txXfrm>
+        <a:off x="2486952" y="961351"/>
+        <a:ext cx="1844584" cy="591470"/>
+      </dsp:txXfrm>
+    </dsp:sp>
+    <dsp:sp modelId="{ADAB402F-E827-4618-8CF1-26EC5ABB37B0}">
+      <dsp:nvSpPr>
+        <dsp:cNvPr id="0" name=""/>
+        <dsp:cNvSpPr/>
+      </dsp:nvSpPr>
+      <dsp:spPr>
+        <a:xfrm rot="5400000">
+          <a:off x="3291442" y="1586930"/>
+          <a:ext cx="235603" cy="282723"/>
+        </a:xfrm>
+        <a:prstGeom prst="rightArrow">
+          <a:avLst>
+            <a:gd name="adj1" fmla="val 60000"/>
+            <a:gd name="adj2" fmla="val 50000"/>
+          </a:avLst>
+        </a:prstGeom>
+        <a:solidFill>
+          <a:schemeClr val="accent1">
+            <a:tint val="60000"/>
+            <a:hueOff val="0"/>
+            <a:satOff val="0"/>
+            <a:lumOff val="0"/>
+            <a:alphaOff val="0"/>
+          </a:schemeClr>
+        </a:solidFill>
+        <a:ln>
+          <a:noFill/>
+        </a:ln>
+        <a:effectLst/>
+      </dsp:spPr>
+      <dsp:style>
+        <a:lnRef idx="0">
+          <a:scrgbClr r="0" g="0" b="0"/>
+        </a:lnRef>
+        <a:fillRef idx="1">
+          <a:scrgbClr r="0" g="0" b="0"/>
+        </a:fillRef>
+        <a:effectRef idx="0">
+          <a:scrgbClr r="0" g="0" b="0"/>
+        </a:effectRef>
+        <a:fontRef idx="minor">
+          <a:schemeClr val="lt1"/>
+        </a:fontRef>
+      </dsp:style>
+      <dsp:txBody>
+        <a:bodyPr spcFirstLastPara="0" vert="horz" wrap="square" lIns="0" tIns="0" rIns="0" bIns="0" numCol="1" spcCol="1270" anchor="ctr" anchorCtr="0">
+          <a:noAutofit/>
+        </a:bodyPr>
+        <a:lstStyle/>
+        <a:p>
+          <a:pPr marL="0" lvl="0" indent="0" algn="ctr" defTabSz="488950">
+            <a:lnSpc>
+              <a:spcPct val="90000"/>
+            </a:lnSpc>
+            <a:spcBef>
+              <a:spcPct val="0"/>
+            </a:spcBef>
+            <a:spcAft>
+              <a:spcPct val="35000"/>
+            </a:spcAft>
+            <a:buNone/>
+          </a:pPr>
+          <a:endParaRPr lang="en-GB" sz="1100" kern="1200"/>
+        </a:p>
+      </dsp:txBody>
+      <dsp:txXfrm rot="-5400000">
+        <a:off x="3324428" y="1610490"/>
+        <a:ext cx="169633" cy="164922"/>
+      </dsp:txXfrm>
+    </dsp:sp>
+    <dsp:sp modelId="{F663974D-DE68-4F06-9AFD-D052362C3742}">
+      <dsp:nvSpPr>
+        <dsp:cNvPr id="0" name=""/>
+        <dsp:cNvSpPr/>
+      </dsp:nvSpPr>
+      <dsp:spPr>
+        <a:xfrm>
+          <a:off x="2468550" y="1885361"/>
+          <a:ext cx="1881388" cy="628274"/>
+        </a:xfrm>
+        <a:prstGeom prst="roundRect">
+          <a:avLst>
+            <a:gd name="adj" fmla="val 10000"/>
+          </a:avLst>
+        </a:prstGeom>
+        <a:solidFill>
+          <a:schemeClr val="accent1">
+            <a:hueOff val="0"/>
+            <a:satOff val="0"/>
+            <a:lumOff val="0"/>
+            <a:alphaOff val="0"/>
+          </a:schemeClr>
+        </a:solidFill>
+        <a:ln w="15875" cap="flat" cmpd="sng" algn="ctr">
+          <a:solidFill>
+            <a:schemeClr val="lt1">
+              <a:hueOff val="0"/>
+              <a:satOff val="0"/>
+              <a:lumOff val="0"/>
+              <a:alphaOff val="0"/>
+            </a:schemeClr>
+          </a:solidFill>
+          <a:prstDash val="solid"/>
+        </a:ln>
+        <a:effectLst/>
+      </dsp:spPr>
+      <dsp:style>
+        <a:lnRef idx="2">
+          <a:scrgbClr r="0" g="0" b="0"/>
+        </a:lnRef>
+        <a:fillRef idx="1">
+          <a:scrgbClr r="0" g="0" b="0"/>
+        </a:fillRef>
+        <a:effectRef idx="0">
+          <a:scrgbClr r="0" g="0" b="0"/>
+        </a:effectRef>
+        <a:fontRef idx="minor">
+          <a:schemeClr val="lt1"/>
+        </a:fontRef>
+      </dsp:style>
+      <dsp:txBody>
+        <a:bodyPr spcFirstLastPara="0" vert="horz" wrap="square" lIns="60960" tIns="60960" rIns="60960" bIns="60960" numCol="1" spcCol="1270" anchor="ctr" anchorCtr="0">
+          <a:noAutofit/>
+        </a:bodyPr>
+        <a:lstStyle/>
+        <a:p>
+          <a:pPr marL="0" lvl="0" indent="0" algn="ctr" defTabSz="711200">
+            <a:lnSpc>
+              <a:spcPct val="90000"/>
+            </a:lnSpc>
+            <a:spcBef>
+              <a:spcPct val="0"/>
+            </a:spcBef>
+            <a:spcAft>
+              <a:spcPct val="35000"/>
+            </a:spcAft>
+            <a:buNone/>
+          </a:pPr>
+          <a:r>
+            <a:rPr lang="en-GB" sz="1600" kern="1200" dirty="0"/>
+            <a:t>Pre-processing and Prior information</a:t>
+          </a:r>
+        </a:p>
+      </dsp:txBody>
+      <dsp:txXfrm>
+        <a:off x="2486952" y="1903763"/>
+        <a:ext cx="1844584" cy="591470"/>
+      </dsp:txXfrm>
+    </dsp:sp>
+    <dsp:sp modelId="{7FA4BA2B-A672-46B3-95DB-F2BEBC3FA218}">
+      <dsp:nvSpPr>
+        <dsp:cNvPr id="0" name=""/>
+        <dsp:cNvSpPr/>
+      </dsp:nvSpPr>
+      <dsp:spPr>
+        <a:xfrm rot="5400000">
+          <a:off x="3291442" y="2529342"/>
+          <a:ext cx="235603" cy="282723"/>
+        </a:xfrm>
+        <a:prstGeom prst="rightArrow">
+          <a:avLst>
+            <a:gd name="adj1" fmla="val 60000"/>
+            <a:gd name="adj2" fmla="val 50000"/>
+          </a:avLst>
+        </a:prstGeom>
+        <a:solidFill>
+          <a:schemeClr val="accent1">
+            <a:tint val="60000"/>
+            <a:hueOff val="0"/>
+            <a:satOff val="0"/>
+            <a:lumOff val="0"/>
+            <a:alphaOff val="0"/>
+          </a:schemeClr>
+        </a:solidFill>
+        <a:ln>
+          <a:noFill/>
+        </a:ln>
+        <a:effectLst/>
+      </dsp:spPr>
+      <dsp:style>
+        <a:lnRef idx="0">
+          <a:scrgbClr r="0" g="0" b="0"/>
+        </a:lnRef>
+        <a:fillRef idx="1">
+          <a:scrgbClr r="0" g="0" b="0"/>
+        </a:fillRef>
+        <a:effectRef idx="0">
+          <a:scrgbClr r="0" g="0" b="0"/>
+        </a:effectRef>
+        <a:fontRef idx="minor">
+          <a:schemeClr val="lt1"/>
+        </a:fontRef>
+      </dsp:style>
+      <dsp:txBody>
+        <a:bodyPr spcFirstLastPara="0" vert="horz" wrap="square" lIns="0" tIns="0" rIns="0" bIns="0" numCol="1" spcCol="1270" anchor="ctr" anchorCtr="0">
+          <a:noAutofit/>
+        </a:bodyPr>
+        <a:lstStyle/>
+        <a:p>
+          <a:pPr marL="0" lvl="0" indent="0" algn="ctr" defTabSz="488950">
+            <a:lnSpc>
+              <a:spcPct val="90000"/>
+            </a:lnSpc>
+            <a:spcBef>
+              <a:spcPct val="0"/>
+            </a:spcBef>
+            <a:spcAft>
+              <a:spcPct val="35000"/>
+            </a:spcAft>
+            <a:buNone/>
+          </a:pPr>
+          <a:endParaRPr lang="en-GB" sz="1100" kern="1200"/>
+        </a:p>
+      </dsp:txBody>
+      <dsp:txXfrm rot="-5400000">
+        <a:off x="3324428" y="2552902"/>
+        <a:ext cx="169633" cy="164922"/>
+      </dsp:txXfrm>
+    </dsp:sp>
+    <dsp:sp modelId="{33AE449F-C3D0-4217-B466-D0968E177774}">
+      <dsp:nvSpPr>
+        <dsp:cNvPr id="0" name=""/>
+        <dsp:cNvSpPr/>
+      </dsp:nvSpPr>
+      <dsp:spPr>
+        <a:xfrm>
+          <a:off x="2468550" y="2827773"/>
+          <a:ext cx="1881388" cy="628274"/>
+        </a:xfrm>
+        <a:prstGeom prst="roundRect">
+          <a:avLst>
+            <a:gd name="adj" fmla="val 10000"/>
+          </a:avLst>
+        </a:prstGeom>
+        <a:solidFill>
+          <a:schemeClr val="accent1">
+            <a:hueOff val="0"/>
+            <a:satOff val="0"/>
+            <a:lumOff val="0"/>
+            <a:alphaOff val="0"/>
+          </a:schemeClr>
+        </a:solidFill>
+        <a:ln w="15875" cap="flat" cmpd="sng" algn="ctr">
+          <a:solidFill>
+            <a:schemeClr val="lt1">
+              <a:hueOff val="0"/>
+              <a:satOff val="0"/>
+              <a:lumOff val="0"/>
+              <a:alphaOff val="0"/>
+            </a:schemeClr>
+          </a:solidFill>
+          <a:prstDash val="solid"/>
+        </a:ln>
+        <a:effectLst/>
+      </dsp:spPr>
+      <dsp:style>
+        <a:lnRef idx="2">
+          <a:scrgbClr r="0" g="0" b="0"/>
+        </a:lnRef>
+        <a:fillRef idx="1">
+          <a:scrgbClr r="0" g="0" b="0"/>
+        </a:fillRef>
+        <a:effectRef idx="0">
+          <a:scrgbClr r="0" g="0" b="0"/>
+        </a:effectRef>
+        <a:fontRef idx="minor">
+          <a:schemeClr val="lt1"/>
+        </a:fontRef>
+      </dsp:style>
+      <dsp:txBody>
+        <a:bodyPr spcFirstLastPara="0" vert="horz" wrap="square" lIns="60960" tIns="60960" rIns="60960" bIns="60960" numCol="1" spcCol="1270" anchor="ctr" anchorCtr="0">
+          <a:noAutofit/>
+        </a:bodyPr>
+        <a:lstStyle/>
+        <a:p>
+          <a:pPr marL="0" lvl="0" indent="0" algn="ctr" defTabSz="711200">
+            <a:lnSpc>
+              <a:spcPct val="90000"/>
+            </a:lnSpc>
+            <a:spcBef>
+              <a:spcPct val="0"/>
+            </a:spcBef>
+            <a:spcAft>
+              <a:spcPct val="35000"/>
+            </a:spcAft>
+            <a:buNone/>
+          </a:pPr>
+          <a:r>
+            <a:rPr lang="en-GB" sz="1600" kern="1200" dirty="0"/>
+            <a:t>Inversion</a:t>
+          </a:r>
+        </a:p>
+      </dsp:txBody>
+      <dsp:txXfrm>
+        <a:off x="2486952" y="2846175"/>
+        <a:ext cx="1844584" cy="591470"/>
+      </dsp:txXfrm>
+    </dsp:sp>
+    <dsp:sp modelId="{273CE8D3-FB75-444B-AE69-6159E5B39D84}">
+      <dsp:nvSpPr>
+        <dsp:cNvPr id="0" name=""/>
+        <dsp:cNvSpPr/>
+      </dsp:nvSpPr>
+      <dsp:spPr>
+        <a:xfrm rot="5400000">
+          <a:off x="3291442" y="3471754"/>
+          <a:ext cx="235603" cy="282723"/>
+        </a:xfrm>
+        <a:prstGeom prst="rightArrow">
+          <a:avLst>
+            <a:gd name="adj1" fmla="val 60000"/>
+            <a:gd name="adj2" fmla="val 50000"/>
+          </a:avLst>
+        </a:prstGeom>
+        <a:solidFill>
+          <a:schemeClr val="accent1">
+            <a:tint val="60000"/>
+            <a:hueOff val="0"/>
+            <a:satOff val="0"/>
+            <a:lumOff val="0"/>
+            <a:alphaOff val="0"/>
+          </a:schemeClr>
+        </a:solidFill>
+        <a:ln>
+          <a:noFill/>
+        </a:ln>
+        <a:effectLst/>
+      </dsp:spPr>
+      <dsp:style>
+        <a:lnRef idx="0">
+          <a:scrgbClr r="0" g="0" b="0"/>
+        </a:lnRef>
+        <a:fillRef idx="1">
+          <a:scrgbClr r="0" g="0" b="0"/>
+        </a:fillRef>
+        <a:effectRef idx="0">
+          <a:scrgbClr r="0" g="0" b="0"/>
+        </a:effectRef>
+        <a:fontRef idx="minor">
+          <a:schemeClr val="lt1"/>
+        </a:fontRef>
+      </dsp:style>
+      <dsp:txBody>
+        <a:bodyPr spcFirstLastPara="0" vert="horz" wrap="square" lIns="0" tIns="0" rIns="0" bIns="0" numCol="1" spcCol="1270" anchor="ctr" anchorCtr="0">
+          <a:noAutofit/>
+        </a:bodyPr>
+        <a:lstStyle/>
+        <a:p>
+          <a:pPr marL="0" lvl="0" indent="0" algn="ctr" defTabSz="488950">
+            <a:lnSpc>
+              <a:spcPct val="90000"/>
+            </a:lnSpc>
+            <a:spcBef>
+              <a:spcPct val="0"/>
+            </a:spcBef>
+            <a:spcAft>
+              <a:spcPct val="35000"/>
+            </a:spcAft>
+            <a:buNone/>
+          </a:pPr>
+          <a:endParaRPr lang="en-GB" sz="1100" kern="1200"/>
+        </a:p>
+      </dsp:txBody>
+      <dsp:txXfrm rot="-5400000">
+        <a:off x="3324428" y="3495314"/>
+        <a:ext cx="169633" cy="164922"/>
+      </dsp:txXfrm>
+    </dsp:sp>
+    <dsp:sp modelId="{8312109F-498A-4E02-9903-53AF3F0D3C16}">
+      <dsp:nvSpPr>
+        <dsp:cNvPr id="0" name=""/>
+        <dsp:cNvSpPr/>
+      </dsp:nvSpPr>
+      <dsp:spPr>
+        <a:xfrm>
+          <a:off x="2468550" y="3770185"/>
+          <a:ext cx="1881388" cy="628274"/>
+        </a:xfrm>
+        <a:prstGeom prst="roundRect">
+          <a:avLst>
+            <a:gd name="adj" fmla="val 10000"/>
+          </a:avLst>
+        </a:prstGeom>
+        <a:solidFill>
+          <a:schemeClr val="accent1">
+            <a:hueOff val="0"/>
+            <a:satOff val="0"/>
+            <a:lumOff val="0"/>
+            <a:alphaOff val="0"/>
+          </a:schemeClr>
+        </a:solidFill>
+        <a:ln w="15875" cap="flat" cmpd="sng" algn="ctr">
+          <a:solidFill>
+            <a:schemeClr val="lt1">
+              <a:hueOff val="0"/>
+              <a:satOff val="0"/>
+              <a:lumOff val="0"/>
+              <a:alphaOff val="0"/>
+            </a:schemeClr>
+          </a:solidFill>
+          <a:prstDash val="solid"/>
+        </a:ln>
+        <a:effectLst/>
+      </dsp:spPr>
+      <dsp:style>
+        <a:lnRef idx="2">
+          <a:scrgbClr r="0" g="0" b="0"/>
+        </a:lnRef>
+        <a:fillRef idx="1">
+          <a:scrgbClr r="0" g="0" b="0"/>
+        </a:fillRef>
+        <a:effectRef idx="0">
+          <a:scrgbClr r="0" g="0" b="0"/>
+        </a:effectRef>
+        <a:fontRef idx="minor">
+          <a:schemeClr val="lt1"/>
+        </a:fontRef>
+      </dsp:style>
+      <dsp:txBody>
+        <a:bodyPr spcFirstLastPara="0" vert="horz" wrap="square" lIns="60960" tIns="60960" rIns="60960" bIns="60960" numCol="1" spcCol="1270" anchor="ctr" anchorCtr="0">
+          <a:noAutofit/>
+        </a:bodyPr>
+        <a:lstStyle/>
+        <a:p>
+          <a:pPr marL="0" lvl="0" indent="0" algn="ctr" defTabSz="711200">
+            <a:lnSpc>
+              <a:spcPct val="90000"/>
+            </a:lnSpc>
+            <a:spcBef>
+              <a:spcPct val="0"/>
+            </a:spcBef>
+            <a:spcAft>
+              <a:spcPct val="35000"/>
+            </a:spcAft>
+            <a:buNone/>
+          </a:pPr>
+          <a:r>
+            <a:rPr lang="en-GB" sz="1600" kern="1200" dirty="0"/>
+            <a:t>Model</a:t>
+          </a:r>
+        </a:p>
+      </dsp:txBody>
+      <dsp:txXfrm>
+        <a:off x="2486952" y="3788587"/>
+        <a:ext cx="1844584" cy="591470"/>
+      </dsp:txXfrm>
+    </dsp:sp>
+  </dsp:spTree>
+</dsp:drawing>
+</file>
+
+<file path=ppt/diagrams/drawing2.xml><?xml version="1.0" encoding="utf-8"?>
 <dsp:drawing xmlns:dgm="http://schemas.openxmlformats.org/drawingml/2006/diagram" xmlns:dsp="http://schemas.microsoft.com/office/drawing/2008/diagram" xmlns:a="http://schemas.openxmlformats.org/drawingml/2006/main">
   <dsp:spTree>
     <dsp:nvGrpSpPr>
@@ -2018,6 +3769,155 @@
 </file>
 
 <file path=ppt/diagrams/layout1.xml><?xml version="1.0" encoding="utf-8"?>
+<dgm:layoutDef xmlns:dgm="http://schemas.openxmlformats.org/drawingml/2006/diagram" xmlns:a="http://schemas.openxmlformats.org/drawingml/2006/main" uniqueId="urn:microsoft.com/office/officeart/2005/8/layout/process2">
+  <dgm:title val=""/>
+  <dgm:desc val=""/>
+  <dgm:catLst>
+    <dgm:cat type="process" pri="13000"/>
+  </dgm:catLst>
+  <dgm:sampData useDef="1">
+    <dgm:dataModel>
+      <dgm:ptLst/>
+      <dgm:bg/>
+      <dgm:whole/>
+    </dgm:dataModel>
+  </dgm:sampData>
+  <dgm:styleData>
+    <dgm:dataModel>
+      <dgm:ptLst>
+        <dgm:pt modelId="0" type="doc"/>
+        <dgm:pt modelId="1"/>
+        <dgm:pt modelId="2"/>
+      </dgm:ptLst>
+      <dgm:cxnLst>
+        <dgm:cxn modelId="3" srcId="0" destId="1" srcOrd="0" destOrd="0"/>
+        <dgm:cxn modelId="4" srcId="0" destId="2" srcOrd="1" destOrd="0"/>
+      </dgm:cxnLst>
+      <dgm:bg/>
+      <dgm:whole/>
+    </dgm:dataModel>
+  </dgm:styleData>
+  <dgm:clrData>
+    <dgm:dataModel>
+      <dgm:ptLst>
+        <dgm:pt modelId="0" type="doc"/>
+        <dgm:pt modelId="1"/>
+        <dgm:pt modelId="2"/>
+        <dgm:pt modelId="3"/>
+        <dgm:pt modelId="4"/>
+      </dgm:ptLst>
+      <dgm:cxnLst>
+        <dgm:cxn modelId="5" srcId="0" destId="1" srcOrd="0" destOrd="0"/>
+        <dgm:cxn modelId="6" srcId="0" destId="2" srcOrd="1" destOrd="0"/>
+        <dgm:cxn modelId="7" srcId="0" destId="3" srcOrd="2" destOrd="0"/>
+        <dgm:cxn modelId="8" srcId="0" destId="4" srcOrd="3" destOrd="0"/>
+      </dgm:cxnLst>
+      <dgm:bg/>
+      <dgm:whole/>
+    </dgm:dataModel>
+  </dgm:clrData>
+  <dgm:layoutNode name="linearFlow">
+    <dgm:varLst>
+      <dgm:resizeHandles val="exact"/>
+    </dgm:varLst>
+    <dgm:alg type="lin">
+      <dgm:param type="linDir" val="fromT"/>
+    </dgm:alg>
+    <dgm:shape xmlns:r="http://schemas.openxmlformats.org/officeDocument/2006/relationships" r:blip="">
+      <dgm:adjLst/>
+    </dgm:shape>
+    <dgm:presOf/>
+    <dgm:constrLst>
+      <dgm:constr type="h" for="ch" ptType="node" refType="h"/>
+      <dgm:constr type="h" for="ch" ptType="sibTrans" refType="h" refFor="ch" refPtType="node" fact="0.5"/>
+      <dgm:constr type="w" for="ch" ptType="node" op="equ"/>
+      <dgm:constr type="primFontSz" for="ch" ptType="node" op="equ" val="65"/>
+      <dgm:constr type="primFontSz" for="des" forName="connectorText" op="equ" val="55"/>
+      <dgm:constr type="primFontSz" for="des" forName="connectorText" refType="primFontSz" refFor="ch" refPtType="node" op="lte" fact="0.8"/>
+    </dgm:constrLst>
+    <dgm:ruleLst/>
+    <dgm:forEach name="nodesForEach" axis="ch" ptType="node">
+      <dgm:layoutNode name="node">
+        <dgm:varLst>
+          <dgm:bulletEnabled val="1"/>
+        </dgm:varLst>
+        <dgm:choose name="Name0">
+          <dgm:if name="Name1" axis="root des" ptType="all node" func="maxDepth" op="gt" val="1">
+            <dgm:alg type="tx">
+              <dgm:param type="parTxLTRAlign" val="l"/>
+              <dgm:param type="parTxRTLAlign" val="r"/>
+              <dgm:param type="txAnchorVertCh" val="mid"/>
+            </dgm:alg>
+          </dgm:if>
+          <dgm:else name="Name2">
+            <dgm:alg type="tx"/>
+          </dgm:else>
+        </dgm:choose>
+        <dgm:shape xmlns:r="http://schemas.openxmlformats.org/officeDocument/2006/relationships" type="roundRect" r:blip="">
+          <dgm:adjLst>
+            <dgm:adj idx="1" val="0.1"/>
+          </dgm:adjLst>
+        </dgm:shape>
+        <dgm:presOf axis="desOrSelf" ptType="node"/>
+        <dgm:constrLst>
+          <dgm:constr type="w" refType="h" fact="1.8"/>
+          <dgm:constr type="tMarg" refType="primFontSz" fact="0.3"/>
+          <dgm:constr type="bMarg" refType="primFontSz" fact="0.3"/>
+          <dgm:constr type="lMarg" refType="primFontSz" fact="0.3"/>
+          <dgm:constr type="rMarg" refType="primFontSz" fact="0.3"/>
+        </dgm:constrLst>
+        <dgm:ruleLst>
+          <dgm:rule type="primFontSz" val="18" fact="NaN" max="NaN"/>
+          <dgm:rule type="w" val="NaN" fact="4" max="NaN"/>
+          <dgm:rule type="primFontSz" val="5" fact="NaN" max="NaN"/>
+        </dgm:ruleLst>
+      </dgm:layoutNode>
+      <dgm:forEach name="sibTransForEach" axis="followSib" ptType="sibTrans" cnt="1">
+        <dgm:layoutNode name="sibTrans">
+          <dgm:alg type="conn">
+            <dgm:param type="begPts" val="auto"/>
+            <dgm:param type="endPts" val="auto"/>
+          </dgm:alg>
+          <dgm:shape xmlns:r="http://schemas.openxmlformats.org/officeDocument/2006/relationships" type="conn" r:blip="">
+            <dgm:adjLst/>
+          </dgm:shape>
+          <dgm:presOf axis="self"/>
+          <dgm:constrLst>
+            <dgm:constr type="w" refType="h" fact="0.9"/>
+            <dgm:constr type="connDist"/>
+            <dgm:constr type="wArH" refType="w" fact="0.5"/>
+            <dgm:constr type="hArH" refType="w"/>
+            <dgm:constr type="stemThick" refType="w" fact="0.6"/>
+            <dgm:constr type="begPad" refType="connDist" fact="0.125"/>
+            <dgm:constr type="endPad" refType="connDist" fact="0.125"/>
+          </dgm:constrLst>
+          <dgm:ruleLst/>
+          <dgm:layoutNode name="connectorText">
+            <dgm:alg type="tx">
+              <dgm:param type="autoTxRot" val="upr"/>
+            </dgm:alg>
+            <dgm:shape xmlns:r="http://schemas.openxmlformats.org/officeDocument/2006/relationships" type="conn" r:blip="" hideGeom="1">
+              <dgm:adjLst/>
+            </dgm:shape>
+            <dgm:presOf axis="self"/>
+            <dgm:constrLst>
+              <dgm:constr type="lMarg"/>
+              <dgm:constr type="rMarg"/>
+              <dgm:constr type="tMarg"/>
+              <dgm:constr type="bMarg"/>
+            </dgm:constrLst>
+            <dgm:ruleLst>
+              <dgm:rule type="primFontSz" val="5" fact="NaN" max="NaN"/>
+            </dgm:ruleLst>
+          </dgm:layoutNode>
+        </dgm:layoutNode>
+      </dgm:forEach>
+    </dgm:forEach>
+  </dgm:layoutNode>
+</dgm:layoutDef>
+</file>
+
+<file path=ppt/diagrams/layout2.xml><?xml version="1.0" encoding="utf-8"?>
 <dgm:layoutDef xmlns:dgm="http://schemas.openxmlformats.org/drawingml/2006/diagram" xmlns:a="http://schemas.openxmlformats.org/drawingml/2006/main" uniqueId="urn:microsoft.com/office/officeart/2005/8/layout/vProcess5">
   <dgm:title val=""/>
   <dgm:desc val=""/>
@@ -4277,6 +6177,1040 @@
 </dgm:styleDef>
 </file>
 
+<file path=ppt/diagrams/quickStyle2.xml><?xml version="1.0" encoding="utf-8"?>
+<dgm:styleDef xmlns:dgm="http://schemas.openxmlformats.org/drawingml/2006/diagram" xmlns:a="http://schemas.openxmlformats.org/drawingml/2006/main" uniqueId="urn:microsoft.com/office/officeart/2005/8/quickstyle/simple1">
+  <dgm:title val=""/>
+  <dgm:desc val=""/>
+  <dgm:catLst>
+    <dgm:cat type="simple" pri="10100"/>
+  </dgm:catLst>
+  <dgm:scene3d>
+    <a:camera prst="orthographicFront"/>
+    <a:lightRig rig="threePt" dir="t"/>
+  </dgm:scene3d>
+  <dgm:styleLbl name="node0">
+    <dgm:scene3d>
+      <a:camera prst="orthographicFront"/>
+      <a:lightRig rig="threePt" dir="t"/>
+    </dgm:scene3d>
+    <dgm:sp3d/>
+    <dgm:txPr/>
+    <dgm:style>
+      <a:lnRef idx="2">
+        <a:scrgbClr r="0" g="0" b="0"/>
+      </a:lnRef>
+      <a:fillRef idx="1">
+        <a:scrgbClr r="0" g="0" b="0"/>
+      </a:fillRef>
+      <a:effectRef idx="0">
+        <a:scrgbClr r="0" g="0" b="0"/>
+      </a:effectRef>
+      <a:fontRef idx="minor">
+        <a:schemeClr val="lt1"/>
+      </a:fontRef>
+    </dgm:style>
+  </dgm:styleLbl>
+  <dgm:styleLbl name="lnNode1">
+    <dgm:scene3d>
+      <a:camera prst="orthographicFront"/>
+      <a:lightRig rig="threePt" dir="t"/>
+    </dgm:scene3d>
+    <dgm:sp3d/>
+    <dgm:txPr/>
+    <dgm:style>
+      <a:lnRef idx="2">
+        <a:scrgbClr r="0" g="0" b="0"/>
+      </a:lnRef>
+      <a:fillRef idx="1">
+        <a:scrgbClr r="0" g="0" b="0"/>
+      </a:fillRef>
+      <a:effectRef idx="0">
+        <a:scrgbClr r="0" g="0" b="0"/>
+      </a:effectRef>
+      <a:fontRef idx="minor">
+        <a:schemeClr val="lt1"/>
+      </a:fontRef>
+    </dgm:style>
+  </dgm:styleLbl>
+  <dgm:styleLbl name="vennNode1">
+    <dgm:scene3d>
+      <a:camera prst="orthographicFront"/>
+      <a:lightRig rig="threePt" dir="t"/>
+    </dgm:scene3d>
+    <dgm:sp3d/>
+    <dgm:txPr/>
+    <dgm:style>
+      <a:lnRef idx="2">
+        <a:scrgbClr r="0" g="0" b="0"/>
+      </a:lnRef>
+      <a:fillRef idx="1">
+        <a:scrgbClr r="0" g="0" b="0"/>
+      </a:fillRef>
+      <a:effectRef idx="0">
+        <a:scrgbClr r="0" g="0" b="0"/>
+      </a:effectRef>
+      <a:fontRef idx="minor">
+        <a:schemeClr val="tx1"/>
+      </a:fontRef>
+    </dgm:style>
+  </dgm:styleLbl>
+  <dgm:styleLbl name="alignNode1">
+    <dgm:scene3d>
+      <a:camera prst="orthographicFront"/>
+      <a:lightRig rig="threePt" dir="t"/>
+    </dgm:scene3d>
+    <dgm:sp3d/>
+    <dgm:txPr/>
+    <dgm:style>
+      <a:lnRef idx="2">
+        <a:scrgbClr r="0" g="0" b="0"/>
+      </a:lnRef>
+      <a:fillRef idx="1">
+        <a:scrgbClr r="0" g="0" b="0"/>
+      </a:fillRef>
+      <a:effectRef idx="0">
+        <a:scrgbClr r="0" g="0" b="0"/>
+      </a:effectRef>
+      <a:fontRef idx="minor">
+        <a:schemeClr val="lt1"/>
+      </a:fontRef>
+    </dgm:style>
+  </dgm:styleLbl>
+  <dgm:styleLbl name="node1">
+    <dgm:scene3d>
+      <a:camera prst="orthographicFront"/>
+      <a:lightRig rig="threePt" dir="t"/>
+    </dgm:scene3d>
+    <dgm:sp3d/>
+    <dgm:txPr/>
+    <dgm:style>
+      <a:lnRef idx="2">
+        <a:scrgbClr r="0" g="0" b="0"/>
+      </a:lnRef>
+      <a:fillRef idx="1">
+        <a:scrgbClr r="0" g="0" b="0"/>
+      </a:fillRef>
+      <a:effectRef idx="0">
+        <a:scrgbClr r="0" g="0" b="0"/>
+      </a:effectRef>
+      <a:fontRef idx="minor">
+        <a:schemeClr val="lt1"/>
+      </a:fontRef>
+    </dgm:style>
+  </dgm:styleLbl>
+  <dgm:styleLbl name="node2">
+    <dgm:scene3d>
+      <a:camera prst="orthographicFront"/>
+      <a:lightRig rig="threePt" dir="t"/>
+    </dgm:scene3d>
+    <dgm:sp3d/>
+    <dgm:txPr/>
+    <dgm:style>
+      <a:lnRef idx="2">
+        <a:scrgbClr r="0" g="0" b="0"/>
+      </a:lnRef>
+      <a:fillRef idx="1">
+        <a:scrgbClr r="0" g="0" b="0"/>
+      </a:fillRef>
+      <a:effectRef idx="0">
+        <a:scrgbClr r="0" g="0" b="0"/>
+      </a:effectRef>
+      <a:fontRef idx="minor">
+        <a:schemeClr val="lt1"/>
+      </a:fontRef>
+    </dgm:style>
+  </dgm:styleLbl>
+  <dgm:styleLbl name="node3">
+    <dgm:scene3d>
+      <a:camera prst="orthographicFront"/>
+      <a:lightRig rig="threePt" dir="t"/>
+    </dgm:scene3d>
+    <dgm:sp3d/>
+    <dgm:txPr/>
+    <dgm:style>
+      <a:lnRef idx="2">
+        <a:scrgbClr r="0" g="0" b="0"/>
+      </a:lnRef>
+      <a:fillRef idx="1">
+        <a:scrgbClr r="0" g="0" b="0"/>
+      </a:fillRef>
+      <a:effectRef idx="0">
+        <a:scrgbClr r="0" g="0" b="0"/>
+      </a:effectRef>
+      <a:fontRef idx="minor">
+        <a:schemeClr val="lt1"/>
+      </a:fontRef>
+    </dgm:style>
+  </dgm:styleLbl>
+  <dgm:styleLbl name="node4">
+    <dgm:scene3d>
+      <a:camera prst="orthographicFront"/>
+      <a:lightRig rig="threePt" dir="t"/>
+    </dgm:scene3d>
+    <dgm:sp3d/>
+    <dgm:txPr/>
+    <dgm:style>
+      <a:lnRef idx="2">
+        <a:scrgbClr r="0" g="0" b="0"/>
+      </a:lnRef>
+      <a:fillRef idx="1">
+        <a:scrgbClr r="0" g="0" b="0"/>
+      </a:fillRef>
+      <a:effectRef idx="0">
+        <a:scrgbClr r="0" g="0" b="0"/>
+      </a:effectRef>
+      <a:fontRef idx="minor">
+        <a:schemeClr val="lt1"/>
+      </a:fontRef>
+    </dgm:style>
+  </dgm:styleLbl>
+  <dgm:styleLbl name="fgImgPlace1">
+    <dgm:scene3d>
+      <a:camera prst="orthographicFront"/>
+      <a:lightRig rig="threePt" dir="t"/>
+    </dgm:scene3d>
+    <dgm:sp3d/>
+    <dgm:txPr/>
+    <dgm:style>
+      <a:lnRef idx="2">
+        <a:scrgbClr r="0" g="0" b="0"/>
+      </a:lnRef>
+      <a:fillRef idx="1">
+        <a:scrgbClr r="0" g="0" b="0"/>
+      </a:fillRef>
+      <a:effectRef idx="0">
+        <a:scrgbClr r="0" g="0" b="0"/>
+      </a:effectRef>
+      <a:fontRef idx="minor"/>
+    </dgm:style>
+  </dgm:styleLbl>
+  <dgm:styleLbl name="alignImgPlace1">
+    <dgm:scene3d>
+      <a:camera prst="orthographicFront"/>
+      <a:lightRig rig="threePt" dir="t"/>
+    </dgm:scene3d>
+    <dgm:sp3d/>
+    <dgm:txPr/>
+    <dgm:style>
+      <a:lnRef idx="2">
+        <a:scrgbClr r="0" g="0" b="0"/>
+      </a:lnRef>
+      <a:fillRef idx="1">
+        <a:scrgbClr r="0" g="0" b="0"/>
+      </a:fillRef>
+      <a:effectRef idx="0">
+        <a:scrgbClr r="0" g="0" b="0"/>
+      </a:effectRef>
+      <a:fontRef idx="minor"/>
+    </dgm:style>
+  </dgm:styleLbl>
+  <dgm:styleLbl name="bgImgPlace1">
+    <dgm:scene3d>
+      <a:camera prst="orthographicFront"/>
+      <a:lightRig rig="threePt" dir="t"/>
+    </dgm:scene3d>
+    <dgm:sp3d/>
+    <dgm:txPr/>
+    <dgm:style>
+      <a:lnRef idx="2">
+        <a:scrgbClr r="0" g="0" b="0"/>
+      </a:lnRef>
+      <a:fillRef idx="1">
+        <a:scrgbClr r="0" g="0" b="0"/>
+      </a:fillRef>
+      <a:effectRef idx="0">
+        <a:scrgbClr r="0" g="0" b="0"/>
+      </a:effectRef>
+      <a:fontRef idx="minor"/>
+    </dgm:style>
+  </dgm:styleLbl>
+  <dgm:styleLbl name="sibTrans2D1">
+    <dgm:scene3d>
+      <a:camera prst="orthographicFront"/>
+      <a:lightRig rig="threePt" dir="t"/>
+    </dgm:scene3d>
+    <dgm:sp3d/>
+    <dgm:txPr/>
+    <dgm:style>
+      <a:lnRef idx="0">
+        <a:scrgbClr r="0" g="0" b="0"/>
+      </a:lnRef>
+      <a:fillRef idx="1">
+        <a:scrgbClr r="0" g="0" b="0"/>
+      </a:fillRef>
+      <a:effectRef idx="0">
+        <a:scrgbClr r="0" g="0" b="0"/>
+      </a:effectRef>
+      <a:fontRef idx="minor">
+        <a:schemeClr val="lt1"/>
+      </a:fontRef>
+    </dgm:style>
+  </dgm:styleLbl>
+  <dgm:styleLbl name="fgSibTrans2D1">
+    <dgm:scene3d>
+      <a:camera prst="orthographicFront"/>
+      <a:lightRig rig="threePt" dir="t"/>
+    </dgm:scene3d>
+    <dgm:sp3d/>
+    <dgm:txPr/>
+    <dgm:style>
+      <a:lnRef idx="0">
+        <a:scrgbClr r="0" g="0" b="0"/>
+      </a:lnRef>
+      <a:fillRef idx="1">
+        <a:scrgbClr r="0" g="0" b="0"/>
+      </a:fillRef>
+      <a:effectRef idx="0">
+        <a:scrgbClr r="0" g="0" b="0"/>
+      </a:effectRef>
+      <a:fontRef idx="minor">
+        <a:schemeClr val="lt1"/>
+      </a:fontRef>
+    </dgm:style>
+  </dgm:styleLbl>
+  <dgm:styleLbl name="bgSibTrans2D1">
+    <dgm:scene3d>
+      <a:camera prst="orthographicFront"/>
+      <a:lightRig rig="threePt" dir="t"/>
+    </dgm:scene3d>
+    <dgm:sp3d/>
+    <dgm:txPr/>
+    <dgm:style>
+      <a:lnRef idx="0">
+        <a:scrgbClr r="0" g="0" b="0"/>
+      </a:lnRef>
+      <a:fillRef idx="1">
+        <a:scrgbClr r="0" g="0" b="0"/>
+      </a:fillRef>
+      <a:effectRef idx="0">
+        <a:scrgbClr r="0" g="0" b="0"/>
+      </a:effectRef>
+      <a:fontRef idx="minor">
+        <a:schemeClr val="lt1"/>
+      </a:fontRef>
+    </dgm:style>
+  </dgm:styleLbl>
+  <dgm:styleLbl name="sibTrans1D1">
+    <dgm:scene3d>
+      <a:camera prst="orthographicFront"/>
+      <a:lightRig rig="threePt" dir="t"/>
+    </dgm:scene3d>
+    <dgm:sp3d/>
+    <dgm:txPr/>
+    <dgm:style>
+      <a:lnRef idx="1">
+        <a:scrgbClr r="0" g="0" b="0"/>
+      </a:lnRef>
+      <a:fillRef idx="0">
+        <a:scrgbClr r="0" g="0" b="0"/>
+      </a:fillRef>
+      <a:effectRef idx="0">
+        <a:scrgbClr r="0" g="0" b="0"/>
+      </a:effectRef>
+      <a:fontRef idx="minor"/>
+    </dgm:style>
+  </dgm:styleLbl>
+  <dgm:styleLbl name="callout">
+    <dgm:scene3d>
+      <a:camera prst="orthographicFront"/>
+      <a:lightRig rig="threePt" dir="t"/>
+    </dgm:scene3d>
+    <dgm:sp3d/>
+    <dgm:txPr/>
+    <dgm:style>
+      <a:lnRef idx="2">
+        <a:scrgbClr r="0" g="0" b="0"/>
+      </a:lnRef>
+      <a:fillRef idx="1">
+        <a:scrgbClr r="0" g="0" b="0"/>
+      </a:fillRef>
+      <a:effectRef idx="0">
+        <a:scrgbClr r="0" g="0" b="0"/>
+      </a:effectRef>
+      <a:fontRef idx="minor"/>
+    </dgm:style>
+  </dgm:styleLbl>
+  <dgm:styleLbl name="asst0">
+    <dgm:scene3d>
+      <a:camera prst="orthographicFront"/>
+      <a:lightRig rig="threePt" dir="t"/>
+    </dgm:scene3d>
+    <dgm:sp3d/>
+    <dgm:txPr/>
+    <dgm:style>
+      <a:lnRef idx="2">
+        <a:scrgbClr r="0" g="0" b="0"/>
+      </a:lnRef>
+      <a:fillRef idx="1">
+        <a:scrgbClr r="0" g="0" b="0"/>
+      </a:fillRef>
+      <a:effectRef idx="0">
+        <a:scrgbClr r="0" g="0" b="0"/>
+      </a:effectRef>
+      <a:fontRef idx="minor">
+        <a:schemeClr val="lt1"/>
+      </a:fontRef>
+    </dgm:style>
+  </dgm:styleLbl>
+  <dgm:styleLbl name="asst1">
+    <dgm:scene3d>
+      <a:camera prst="orthographicFront"/>
+      <a:lightRig rig="threePt" dir="t"/>
+    </dgm:scene3d>
+    <dgm:sp3d/>
+    <dgm:txPr/>
+    <dgm:style>
+      <a:lnRef idx="2">
+        <a:scrgbClr r="0" g="0" b="0"/>
+      </a:lnRef>
+      <a:fillRef idx="1">
+        <a:scrgbClr r="0" g="0" b="0"/>
+      </a:fillRef>
+      <a:effectRef idx="0">
+        <a:scrgbClr r="0" g="0" b="0"/>
+      </a:effectRef>
+      <a:fontRef idx="minor">
+        <a:schemeClr val="lt1"/>
+      </a:fontRef>
+    </dgm:style>
+  </dgm:styleLbl>
+  <dgm:styleLbl name="asst2">
+    <dgm:scene3d>
+      <a:camera prst="orthographicFront"/>
+      <a:lightRig rig="threePt" dir="t"/>
+    </dgm:scene3d>
+    <dgm:sp3d/>
+    <dgm:txPr/>
+    <dgm:style>
+      <a:lnRef idx="2">
+        <a:scrgbClr r="0" g="0" b="0"/>
+      </a:lnRef>
+      <a:fillRef idx="1">
+        <a:scrgbClr r="0" g="0" b="0"/>
+      </a:fillRef>
+      <a:effectRef idx="0">
+        <a:scrgbClr r="0" g="0" b="0"/>
+      </a:effectRef>
+      <a:fontRef idx="minor">
+        <a:schemeClr val="lt1"/>
+      </a:fontRef>
+    </dgm:style>
+  </dgm:styleLbl>
+  <dgm:styleLbl name="asst3">
+    <dgm:scene3d>
+      <a:camera prst="orthographicFront"/>
+      <a:lightRig rig="threePt" dir="t"/>
+    </dgm:scene3d>
+    <dgm:sp3d/>
+    <dgm:txPr/>
+    <dgm:style>
+      <a:lnRef idx="2">
+        <a:scrgbClr r="0" g="0" b="0"/>
+      </a:lnRef>
+      <a:fillRef idx="1">
+        <a:scrgbClr r="0" g="0" b="0"/>
+      </a:fillRef>
+      <a:effectRef idx="0">
+        <a:scrgbClr r="0" g="0" b="0"/>
+      </a:effectRef>
+      <a:fontRef idx="minor">
+        <a:schemeClr val="lt1"/>
+      </a:fontRef>
+    </dgm:style>
+  </dgm:styleLbl>
+  <dgm:styleLbl name="asst4">
+    <dgm:scene3d>
+      <a:camera prst="orthographicFront"/>
+      <a:lightRig rig="threePt" dir="t"/>
+    </dgm:scene3d>
+    <dgm:sp3d/>
+    <dgm:txPr/>
+    <dgm:style>
+      <a:lnRef idx="2">
+        <a:scrgbClr r="0" g="0" b="0"/>
+      </a:lnRef>
+      <a:fillRef idx="1">
+        <a:scrgbClr r="0" g="0" b="0"/>
+      </a:fillRef>
+      <a:effectRef idx="0">
+        <a:scrgbClr r="0" g="0" b="0"/>
+      </a:effectRef>
+      <a:fontRef idx="minor">
+        <a:schemeClr val="lt1"/>
+      </a:fontRef>
+    </dgm:style>
+  </dgm:styleLbl>
+  <dgm:styleLbl name="parChTrans2D1">
+    <dgm:scene3d>
+      <a:camera prst="orthographicFront"/>
+      <a:lightRig rig="threePt" dir="t"/>
+    </dgm:scene3d>
+    <dgm:sp3d/>
+    <dgm:txPr/>
+    <dgm:style>
+      <a:lnRef idx="2">
+        <a:scrgbClr r="0" g="0" b="0"/>
+      </a:lnRef>
+      <a:fillRef idx="1">
+        <a:scrgbClr r="0" g="0" b="0"/>
+      </a:fillRef>
+      <a:effectRef idx="0">
+        <a:scrgbClr r="0" g="0" b="0"/>
+      </a:effectRef>
+      <a:fontRef idx="minor">
+        <a:schemeClr val="lt1"/>
+      </a:fontRef>
+    </dgm:style>
+  </dgm:styleLbl>
+  <dgm:styleLbl name="parChTrans2D2">
+    <dgm:scene3d>
+      <a:camera prst="orthographicFront"/>
+      <a:lightRig rig="threePt" dir="t"/>
+    </dgm:scene3d>
+    <dgm:sp3d/>
+    <dgm:txPr/>
+    <dgm:style>
+      <a:lnRef idx="2">
+        <a:scrgbClr r="0" g="0" b="0"/>
+      </a:lnRef>
+      <a:fillRef idx="1">
+        <a:scrgbClr r="0" g="0" b="0"/>
+      </a:fillRef>
+      <a:effectRef idx="0">
+        <a:scrgbClr r="0" g="0" b="0"/>
+      </a:effectRef>
+      <a:fontRef idx="minor">
+        <a:schemeClr val="lt1"/>
+      </a:fontRef>
+    </dgm:style>
+  </dgm:styleLbl>
+  <dgm:styleLbl name="parChTrans2D3">
+    <dgm:scene3d>
+      <a:camera prst="orthographicFront"/>
+      <a:lightRig rig="threePt" dir="t"/>
+    </dgm:scene3d>
+    <dgm:sp3d/>
+    <dgm:txPr/>
+    <dgm:style>
+      <a:lnRef idx="2">
+        <a:scrgbClr r="0" g="0" b="0"/>
+      </a:lnRef>
+      <a:fillRef idx="1">
+        <a:scrgbClr r="0" g="0" b="0"/>
+      </a:fillRef>
+      <a:effectRef idx="0">
+        <a:scrgbClr r="0" g="0" b="0"/>
+      </a:effectRef>
+      <a:fontRef idx="minor">
+        <a:schemeClr val="lt1"/>
+      </a:fontRef>
+    </dgm:style>
+  </dgm:styleLbl>
+  <dgm:styleLbl name="parChTrans2D4">
+    <dgm:scene3d>
+      <a:camera prst="orthographicFront"/>
+      <a:lightRig rig="threePt" dir="t"/>
+    </dgm:scene3d>
+    <dgm:sp3d/>
+    <dgm:txPr/>
+    <dgm:style>
+      <a:lnRef idx="2">
+        <a:scrgbClr r="0" g="0" b="0"/>
+      </a:lnRef>
+      <a:fillRef idx="1">
+        <a:scrgbClr r="0" g="0" b="0"/>
+      </a:fillRef>
+      <a:effectRef idx="0">
+        <a:scrgbClr r="0" g="0" b="0"/>
+      </a:effectRef>
+      <a:fontRef idx="minor">
+        <a:schemeClr val="lt1"/>
+      </a:fontRef>
+    </dgm:style>
+  </dgm:styleLbl>
+  <dgm:styleLbl name="parChTrans1D1">
+    <dgm:scene3d>
+      <a:camera prst="orthographicFront"/>
+      <a:lightRig rig="threePt" dir="t"/>
+    </dgm:scene3d>
+    <dgm:sp3d/>
+    <dgm:txPr/>
+    <dgm:style>
+      <a:lnRef idx="2">
+        <a:scrgbClr r="0" g="0" b="0"/>
+      </a:lnRef>
+      <a:fillRef idx="0">
+        <a:scrgbClr r="0" g="0" b="0"/>
+      </a:fillRef>
+      <a:effectRef idx="0">
+        <a:scrgbClr r="0" g="0" b="0"/>
+      </a:effectRef>
+      <a:fontRef idx="minor"/>
+    </dgm:style>
+  </dgm:styleLbl>
+  <dgm:styleLbl name="parChTrans1D2">
+    <dgm:scene3d>
+      <a:camera prst="orthographicFront"/>
+      <a:lightRig rig="threePt" dir="t"/>
+    </dgm:scene3d>
+    <dgm:sp3d/>
+    <dgm:txPr/>
+    <dgm:style>
+      <a:lnRef idx="2">
+        <a:scrgbClr r="0" g="0" b="0"/>
+      </a:lnRef>
+      <a:fillRef idx="0">
+        <a:scrgbClr r="0" g="0" b="0"/>
+      </a:fillRef>
+      <a:effectRef idx="0">
+        <a:scrgbClr r="0" g="0" b="0"/>
+      </a:effectRef>
+      <a:fontRef idx="minor"/>
+    </dgm:style>
+  </dgm:styleLbl>
+  <dgm:styleLbl name="parChTrans1D3">
+    <dgm:scene3d>
+      <a:camera prst="orthographicFront"/>
+      <a:lightRig rig="threePt" dir="t"/>
+    </dgm:scene3d>
+    <dgm:sp3d/>
+    <dgm:txPr/>
+    <dgm:style>
+      <a:lnRef idx="2">
+        <a:scrgbClr r="0" g="0" b="0"/>
+      </a:lnRef>
+      <a:fillRef idx="0">
+        <a:scrgbClr r="0" g="0" b="0"/>
+      </a:fillRef>
+      <a:effectRef idx="0">
+        <a:scrgbClr r="0" g="0" b="0"/>
+      </a:effectRef>
+      <a:fontRef idx="minor"/>
+    </dgm:style>
+  </dgm:styleLbl>
+  <dgm:styleLbl name="parChTrans1D4">
+    <dgm:scene3d>
+      <a:camera prst="orthographicFront"/>
+      <a:lightRig rig="threePt" dir="t"/>
+    </dgm:scene3d>
+    <dgm:sp3d/>
+    <dgm:txPr/>
+    <dgm:style>
+      <a:lnRef idx="2">
+        <a:scrgbClr r="0" g="0" b="0"/>
+      </a:lnRef>
+      <a:fillRef idx="0">
+        <a:scrgbClr r="0" g="0" b="0"/>
+      </a:fillRef>
+      <a:effectRef idx="0">
+        <a:scrgbClr r="0" g="0" b="0"/>
+      </a:effectRef>
+      <a:fontRef idx="minor"/>
+    </dgm:style>
+  </dgm:styleLbl>
+  <dgm:styleLbl name="fgAcc1">
+    <dgm:scene3d>
+      <a:camera prst="orthographicFront"/>
+      <a:lightRig rig="threePt" dir="t"/>
+    </dgm:scene3d>
+    <dgm:sp3d/>
+    <dgm:txPr/>
+    <dgm:style>
+      <a:lnRef idx="2">
+        <a:scrgbClr r="0" g="0" b="0"/>
+      </a:lnRef>
+      <a:fillRef idx="1">
+        <a:scrgbClr r="0" g="0" b="0"/>
+      </a:fillRef>
+      <a:effectRef idx="0">
+        <a:scrgbClr r="0" g="0" b="0"/>
+      </a:effectRef>
+      <a:fontRef idx="minor"/>
+    </dgm:style>
+  </dgm:styleLbl>
+  <dgm:styleLbl name="conFgAcc1">
+    <dgm:scene3d>
+      <a:camera prst="orthographicFront"/>
+      <a:lightRig rig="threePt" dir="t"/>
+    </dgm:scene3d>
+    <dgm:sp3d/>
+    <dgm:txPr/>
+    <dgm:style>
+      <a:lnRef idx="2">
+        <a:scrgbClr r="0" g="0" b="0"/>
+      </a:lnRef>
+      <a:fillRef idx="1">
+        <a:scrgbClr r="0" g="0" b="0"/>
+      </a:fillRef>
+      <a:effectRef idx="0">
+        <a:scrgbClr r="0" g="0" b="0"/>
+      </a:effectRef>
+      <a:fontRef idx="minor"/>
+    </dgm:style>
+  </dgm:styleLbl>
+  <dgm:styleLbl name="alignAcc1">
+    <dgm:scene3d>
+      <a:camera prst="orthographicFront"/>
+      <a:lightRig rig="threePt" dir="t"/>
+    </dgm:scene3d>
+    <dgm:sp3d/>
+    <dgm:txPr/>
+    <dgm:style>
+      <a:lnRef idx="2">
+        <a:scrgbClr r="0" g="0" b="0"/>
+      </a:lnRef>
+      <a:fillRef idx="1">
+        <a:scrgbClr r="0" g="0" b="0"/>
+      </a:fillRef>
+      <a:effectRef idx="0">
+        <a:scrgbClr r="0" g="0" b="0"/>
+      </a:effectRef>
+      <a:fontRef idx="minor"/>
+    </dgm:style>
+  </dgm:styleLbl>
+  <dgm:styleLbl name="trAlignAcc1">
+    <dgm:scene3d>
+      <a:camera prst="orthographicFront"/>
+      <a:lightRig rig="threePt" dir="t"/>
+    </dgm:scene3d>
+    <dgm:sp3d/>
+    <dgm:txPr/>
+    <dgm:style>
+      <a:lnRef idx="1">
+        <a:scrgbClr r="0" g="0" b="0"/>
+      </a:lnRef>
+      <a:fillRef idx="1">
+        <a:scrgbClr r="0" g="0" b="0"/>
+      </a:fillRef>
+      <a:effectRef idx="0">
+        <a:scrgbClr r="0" g="0" b="0"/>
+      </a:effectRef>
+      <a:fontRef idx="minor"/>
+    </dgm:style>
+  </dgm:styleLbl>
+  <dgm:styleLbl name="bgAcc1">
+    <dgm:scene3d>
+      <a:camera prst="orthographicFront"/>
+      <a:lightRig rig="threePt" dir="t"/>
+    </dgm:scene3d>
+    <dgm:sp3d/>
+    <dgm:txPr/>
+    <dgm:style>
+      <a:lnRef idx="2">
+        <a:scrgbClr r="0" g="0" b="0"/>
+      </a:lnRef>
+      <a:fillRef idx="1">
+        <a:scrgbClr r="0" g="0" b="0"/>
+      </a:fillRef>
+      <a:effectRef idx="0">
+        <a:scrgbClr r="0" g="0" b="0"/>
+      </a:effectRef>
+      <a:fontRef idx="minor"/>
+    </dgm:style>
+  </dgm:styleLbl>
+  <dgm:styleLbl name="solidFgAcc1">
+    <dgm:scene3d>
+      <a:camera prst="orthographicFront"/>
+      <a:lightRig rig="threePt" dir="t"/>
+    </dgm:scene3d>
+    <dgm:sp3d/>
+    <dgm:txPr/>
+    <dgm:style>
+      <a:lnRef idx="2">
+        <a:scrgbClr r="0" g="0" b="0"/>
+      </a:lnRef>
+      <a:fillRef idx="1">
+        <a:scrgbClr r="0" g="0" b="0"/>
+      </a:fillRef>
+      <a:effectRef idx="0">
+        <a:scrgbClr r="0" g="0" b="0"/>
+      </a:effectRef>
+      <a:fontRef idx="minor"/>
+    </dgm:style>
+  </dgm:styleLbl>
+  <dgm:styleLbl name="solidAlignAcc1">
+    <dgm:scene3d>
+      <a:camera prst="orthographicFront"/>
+      <a:lightRig rig="threePt" dir="t"/>
+    </dgm:scene3d>
+    <dgm:sp3d/>
+    <dgm:txPr/>
+    <dgm:style>
+      <a:lnRef idx="2">
+        <a:scrgbClr r="0" g="0" b="0"/>
+      </a:lnRef>
+      <a:fillRef idx="1">
+        <a:scrgbClr r="0" g="0" b="0"/>
+      </a:fillRef>
+      <a:effectRef idx="0">
+        <a:scrgbClr r="0" g="0" b="0"/>
+      </a:effectRef>
+      <a:fontRef idx="minor"/>
+    </dgm:style>
+  </dgm:styleLbl>
+  <dgm:styleLbl name="solidBgAcc1">
+    <dgm:scene3d>
+      <a:camera prst="orthographicFront"/>
+      <a:lightRig rig="threePt" dir="t"/>
+    </dgm:scene3d>
+    <dgm:sp3d/>
+    <dgm:txPr/>
+    <dgm:style>
+      <a:lnRef idx="2">
+        <a:scrgbClr r="0" g="0" b="0"/>
+      </a:lnRef>
+      <a:fillRef idx="1">
+        <a:scrgbClr r="0" g="0" b="0"/>
+      </a:fillRef>
+      <a:effectRef idx="0">
+        <a:scrgbClr r="0" g="0" b="0"/>
+      </a:effectRef>
+      <a:fontRef idx="minor"/>
+    </dgm:style>
+  </dgm:styleLbl>
+  <dgm:styleLbl name="fgAccFollowNode1">
+    <dgm:scene3d>
+      <a:camera prst="orthographicFront"/>
+      <a:lightRig rig="threePt" dir="t"/>
+    </dgm:scene3d>
+    <dgm:sp3d/>
+    <dgm:txPr/>
+    <dgm:style>
+      <a:lnRef idx="2">
+        <a:scrgbClr r="0" g="0" b="0"/>
+      </a:lnRef>
+      <a:fillRef idx="1">
+        <a:scrgbClr r="0" g="0" b="0"/>
+      </a:fillRef>
+      <a:effectRef idx="0">
+        <a:scrgbClr r="0" g="0" b="0"/>
+      </a:effectRef>
+      <a:fontRef idx="minor"/>
+    </dgm:style>
+  </dgm:styleLbl>
+  <dgm:styleLbl name="alignAccFollowNode1">
+    <dgm:scene3d>
+      <a:camera prst="orthographicFront"/>
+      <a:lightRig rig="threePt" dir="t"/>
+    </dgm:scene3d>
+    <dgm:sp3d/>
+    <dgm:txPr/>
+    <dgm:style>
+      <a:lnRef idx="2">
+        <a:scrgbClr r="0" g="0" b="0"/>
+      </a:lnRef>
+      <a:fillRef idx="1">
+        <a:scrgbClr r="0" g="0" b="0"/>
+      </a:fillRef>
+      <a:effectRef idx="0">
+        <a:scrgbClr r="0" g="0" b="0"/>
+      </a:effectRef>
+      <a:fontRef idx="minor"/>
+    </dgm:style>
+  </dgm:styleLbl>
+  <dgm:styleLbl name="bgAccFollowNode1">
+    <dgm:scene3d>
+      <a:camera prst="orthographicFront"/>
+      <a:lightRig rig="threePt" dir="t"/>
+    </dgm:scene3d>
+    <dgm:sp3d/>
+    <dgm:txPr/>
+    <dgm:style>
+      <a:lnRef idx="2">
+        <a:scrgbClr r="0" g="0" b="0"/>
+      </a:lnRef>
+      <a:fillRef idx="1">
+        <a:scrgbClr r="0" g="0" b="0"/>
+      </a:fillRef>
+      <a:effectRef idx="0">
+        <a:scrgbClr r="0" g="0" b="0"/>
+      </a:effectRef>
+      <a:fontRef idx="minor"/>
+    </dgm:style>
+  </dgm:styleLbl>
+  <dgm:styleLbl name="fgAcc0">
+    <dgm:scene3d>
+      <a:camera prst="orthographicFront"/>
+      <a:lightRig rig="threePt" dir="t"/>
+    </dgm:scene3d>
+    <dgm:sp3d/>
+    <dgm:txPr/>
+    <dgm:style>
+      <a:lnRef idx="2">
+        <a:scrgbClr r="0" g="0" b="0"/>
+      </a:lnRef>
+      <a:fillRef idx="1">
+        <a:scrgbClr r="0" g="0" b="0"/>
+      </a:fillRef>
+      <a:effectRef idx="0">
+        <a:scrgbClr r="0" g="0" b="0"/>
+      </a:effectRef>
+      <a:fontRef idx="minor"/>
+    </dgm:style>
+  </dgm:styleLbl>
+  <dgm:styleLbl name="fgAcc2">
+    <dgm:scene3d>
+      <a:camera prst="orthographicFront"/>
+      <a:lightRig rig="threePt" dir="t"/>
+    </dgm:scene3d>
+    <dgm:sp3d/>
+    <dgm:txPr/>
+    <dgm:style>
+      <a:lnRef idx="2">
+        <a:scrgbClr r="0" g="0" b="0"/>
+      </a:lnRef>
+      <a:fillRef idx="1">
+        <a:scrgbClr r="0" g="0" b="0"/>
+      </a:fillRef>
+      <a:effectRef idx="0">
+        <a:scrgbClr r="0" g="0" b="0"/>
+      </a:effectRef>
+      <a:fontRef idx="minor"/>
+    </dgm:style>
+  </dgm:styleLbl>
+  <dgm:styleLbl name="fgAcc3">
+    <dgm:scene3d>
+      <a:camera prst="orthographicFront"/>
+      <a:lightRig rig="threePt" dir="t"/>
+    </dgm:scene3d>
+    <dgm:sp3d/>
+    <dgm:txPr/>
+    <dgm:style>
+      <a:lnRef idx="2">
+        <a:scrgbClr r="0" g="0" b="0"/>
+      </a:lnRef>
+      <a:fillRef idx="1">
+        <a:scrgbClr r="0" g="0" b="0"/>
+      </a:fillRef>
+      <a:effectRef idx="0">
+        <a:scrgbClr r="0" g="0" b="0"/>
+      </a:effectRef>
+      <a:fontRef idx="minor"/>
+    </dgm:style>
+  </dgm:styleLbl>
+  <dgm:styleLbl name="fgAcc4">
+    <dgm:scene3d>
+      <a:camera prst="orthographicFront"/>
+      <a:lightRig rig="threePt" dir="t"/>
+    </dgm:scene3d>
+    <dgm:sp3d/>
+    <dgm:txPr/>
+    <dgm:style>
+      <a:lnRef idx="2">
+        <a:scrgbClr r="0" g="0" b="0"/>
+      </a:lnRef>
+      <a:fillRef idx="1">
+        <a:scrgbClr r="0" g="0" b="0"/>
+      </a:fillRef>
+      <a:effectRef idx="0">
+        <a:scrgbClr r="0" g="0" b="0"/>
+      </a:effectRef>
+      <a:fontRef idx="minor"/>
+    </dgm:style>
+  </dgm:styleLbl>
+  <dgm:styleLbl name="bgShp">
+    <dgm:scene3d>
+      <a:camera prst="orthographicFront"/>
+      <a:lightRig rig="threePt" dir="t"/>
+    </dgm:scene3d>
+    <dgm:sp3d/>
+    <dgm:txPr/>
+    <dgm:style>
+      <a:lnRef idx="0">
+        <a:scrgbClr r="0" g="0" b="0"/>
+      </a:lnRef>
+      <a:fillRef idx="1">
+        <a:scrgbClr r="0" g="0" b="0"/>
+      </a:fillRef>
+      <a:effectRef idx="0">
+        <a:scrgbClr r="0" g="0" b="0"/>
+      </a:effectRef>
+      <a:fontRef idx="minor"/>
+    </dgm:style>
+  </dgm:styleLbl>
+  <dgm:styleLbl name="dkBgShp">
+    <dgm:scene3d>
+      <a:camera prst="orthographicFront"/>
+      <a:lightRig rig="threePt" dir="t"/>
+    </dgm:scene3d>
+    <dgm:sp3d/>
+    <dgm:txPr/>
+    <dgm:style>
+      <a:lnRef idx="0">
+        <a:scrgbClr r="0" g="0" b="0"/>
+      </a:lnRef>
+      <a:fillRef idx="1">
+        <a:scrgbClr r="0" g="0" b="0"/>
+      </a:fillRef>
+      <a:effectRef idx="0">
+        <a:scrgbClr r="0" g="0" b="0"/>
+      </a:effectRef>
+      <a:fontRef idx="minor"/>
+    </dgm:style>
+  </dgm:styleLbl>
+  <dgm:styleLbl name="trBgShp">
+    <dgm:scene3d>
+      <a:camera prst="orthographicFront"/>
+      <a:lightRig rig="threePt" dir="t"/>
+    </dgm:scene3d>
+    <dgm:sp3d/>
+    <dgm:txPr/>
+    <dgm:style>
+      <a:lnRef idx="0">
+        <a:scrgbClr r="0" g="0" b="0"/>
+      </a:lnRef>
+      <a:fillRef idx="1">
+        <a:scrgbClr r="0" g="0" b="0"/>
+      </a:fillRef>
+      <a:effectRef idx="0">
+        <a:scrgbClr r="0" g="0" b="0"/>
+      </a:effectRef>
+      <a:fontRef idx="minor"/>
+    </dgm:style>
+  </dgm:styleLbl>
+  <dgm:styleLbl name="fgShp">
+    <dgm:scene3d>
+      <a:camera prst="orthographicFront"/>
+      <a:lightRig rig="threePt" dir="t"/>
+    </dgm:scene3d>
+    <dgm:sp3d/>
+    <dgm:txPr/>
+    <dgm:style>
+      <a:lnRef idx="2">
+        <a:scrgbClr r="0" g="0" b="0"/>
+      </a:lnRef>
+      <a:fillRef idx="1">
+        <a:scrgbClr r="0" g="0" b="0"/>
+      </a:fillRef>
+      <a:effectRef idx="0">
+        <a:scrgbClr r="0" g="0" b="0"/>
+      </a:effectRef>
+      <a:fontRef idx="minor"/>
+    </dgm:style>
+  </dgm:styleLbl>
+  <dgm:styleLbl name="revTx">
+    <dgm:scene3d>
+      <a:camera prst="orthographicFront"/>
+      <a:lightRig rig="threePt" dir="t"/>
+    </dgm:scene3d>
+    <dgm:sp3d/>
+    <dgm:txPr/>
+    <dgm:style>
+      <a:lnRef idx="0">
+        <a:scrgbClr r="0" g="0" b="0"/>
+      </a:lnRef>
+      <a:fillRef idx="0">
+        <a:scrgbClr r="0" g="0" b="0"/>
+      </a:fillRef>
+      <a:effectRef idx="0">
+        <a:scrgbClr r="0" g="0" b="0"/>
+      </a:effectRef>
+      <a:fontRef idx="minor"/>
+    </dgm:style>
+  </dgm:styleLbl>
+</dgm:styleDef>
+</file>
+
 <file path=ppt/notesMasters/notesMaster1.xml><?xml version="1.0" encoding="utf-8"?>
 <p:notesMaster xmlns:a="http://schemas.openxmlformats.org/drawingml/2006/main" xmlns:r="http://schemas.openxmlformats.org/officeDocument/2006/relationships" xmlns:p="http://schemas.openxmlformats.org/presentationml/2006/main">
   <p:cSld>
@@ -4359,7 +7293,7 @@
           <a:p>
             <a:fld id="{172127B3-E5E5-40F1-92A3-7307A1251CC8}" type="datetimeFigureOut">
               <a:rPr lang="en-GB" smtClean="0"/>
-              <a:t>03/01/2021</a:t>
+              <a:t>06/01/2021</a:t>
             </a:fld>
             <a:endParaRPr lang="en-GB" dirty="0"/>
           </a:p>
@@ -4772,7 +7706,13 @@
           <a:p>
             <a:r>
               <a:rPr lang="en-GB" dirty="0"/>
-              <a:t>-The penultimate section is to apply this method to real data. Based off the cross validation approach used to predicting unseen data this method can be applied to real data, this could either be for data used by Uieda &amp; Barbosa in their 2017 paper for South America or other data sparse continents such as Africa or Antarctica.</a:t>
+              <a:t>-tesseroids, large area cannot assume to be flat. Adds realistic Earth curvature to model</a:t>
+            </a:r>
+          </a:p>
+          <a:p>
+            <a:r>
+              <a:rPr lang="en-GB" dirty="0"/>
+              <a:t>-add citation for slab2</a:t>
             </a:r>
           </a:p>
         </p:txBody>
@@ -4794,7 +7734,7 @@
           <a:p>
             <a:fld id="{7EAA9362-EC89-4C48-B34C-2143CC6AF10E}" type="slidenum">
               <a:rPr lang="en-GB" smtClean="0"/>
-              <a:t>12</a:t>
+              <a:t>11</a:t>
             </a:fld>
             <a:endParaRPr lang="en-GB" dirty="0"/>
           </a:p>
@@ -4803,7 +7743,7 @@
     </p:spTree>
     <p:extLst>
       <p:ext uri="{BB962C8B-B14F-4D97-AF65-F5344CB8AC3E}">
-        <p14:creationId xmlns:p14="http://schemas.microsoft.com/office/powerpoint/2010/main" val="156972304"/>
+        <p14:creationId xmlns:p14="http://schemas.microsoft.com/office/powerpoint/2010/main" val="2675063422"/>
       </p:ext>
     </p:extLst>
   </p:cSld>
@@ -4859,25 +7799,7 @@
           <a:p>
             <a:r>
               <a:rPr lang="en-GB" dirty="0"/>
-              <a:t>-The final step and added extra is to model the effect of a subducting slab. The Uieda &amp; Barbosa model does not account for subducting Nazca plate under South America it just estimates it.</a:t>
-            </a:r>
-          </a:p>
-          <a:p>
-            <a:r>
-              <a:rPr lang="en-GB" dirty="0"/>
-              <a:t>-To do this I would use Slab2 which will help model the effect of this subducting slab.</a:t>
-            </a:r>
-          </a:p>
-          <a:p>
-            <a:r>
-              <a:rPr lang="en-GB" dirty="0"/>
-              <a:t>-In order to use this to model the slab then the crust and lithosphere thickness would need to be known beforehand, priori data, and as the rest of the code uses tesseroids the Slab2 model would need to be adjusted to take this into account.</a:t>
-            </a:r>
-          </a:p>
-          <a:p>
-            <a:r>
-              <a:rPr lang="en-GB" dirty="0"/>
-              <a:t>-Finally to see how much of an effect this has on the overall result I’ll calculate how much it contributes to the uncertainty of Moho depth.</a:t>
+              <a:t>-re-read Szwillus paper</a:t>
             </a:r>
           </a:p>
         </p:txBody>
@@ -4899,7 +7821,7 @@
           <a:p>
             <a:fld id="{7EAA9362-EC89-4C48-B34C-2143CC6AF10E}" type="slidenum">
               <a:rPr lang="en-GB" smtClean="0"/>
-              <a:t>13</a:t>
+              <a:t>12</a:t>
             </a:fld>
             <a:endParaRPr lang="en-GB" dirty="0"/>
           </a:p>
@@ -4908,7 +7830,7 @@
     </p:spTree>
     <p:extLst>
       <p:ext uri="{BB962C8B-B14F-4D97-AF65-F5344CB8AC3E}">
-        <p14:creationId xmlns:p14="http://schemas.microsoft.com/office/powerpoint/2010/main" val="2675063422"/>
+        <p14:creationId xmlns:p14="http://schemas.microsoft.com/office/powerpoint/2010/main" val="3061973645"/>
       </p:ext>
     </p:extLst>
   </p:cSld>
@@ -4964,19 +7886,13 @@
           <a:p>
             <a:r>
               <a:rPr lang="en-GB" dirty="0"/>
-              <a:t>-many people have produced Moho models of the continent of South America however few have actually included uncertainty estimates, something that has already been mentioned in the introduction to the problem.</a:t>
+              <a:t>-In many papers such as Van der Meijde (2013a) (model= GMSA12) a multiple density contrast is used and splits South America up into 14 geologically distinct</a:t>
             </a:r>
           </a:p>
           <a:p>
             <a:r>
               <a:rPr lang="en-GB" dirty="0"/>
-              <a:t>-Szwillus included uncertainty estimates in their model of South America by using the residual topography and interpolation and that model can be seen on the left.</a:t>
-            </a:r>
-          </a:p>
-          <a:p>
-            <a:r>
-              <a:rPr lang="en-GB" dirty="0"/>
-              <a:t>-Even though some papers such as Szwillus have tried to estimate uncertainty however almost none have used this approach of using hold out cross-validation.</a:t>
+              <a:t>-Haas (2020) has also used this approach, seismic tomography to separate densities</a:t>
             </a:r>
           </a:p>
         </p:txBody>
@@ -4998,7 +7914,7 @@
           <a:p>
             <a:fld id="{7EAA9362-EC89-4C48-B34C-2143CC6AF10E}" type="slidenum">
               <a:rPr lang="en-GB" smtClean="0"/>
-              <a:t>14</a:t>
+              <a:t>13</a:t>
             </a:fld>
             <a:endParaRPr lang="en-GB" dirty="0"/>
           </a:p>
@@ -5007,7 +7923,7 @@
     </p:spTree>
     <p:extLst>
       <p:ext uri="{BB962C8B-B14F-4D97-AF65-F5344CB8AC3E}">
-        <p14:creationId xmlns:p14="http://schemas.microsoft.com/office/powerpoint/2010/main" val="3061973645"/>
+        <p14:creationId xmlns:p14="http://schemas.microsoft.com/office/powerpoint/2010/main" val="3561385872"/>
       </p:ext>
     </p:extLst>
   </p:cSld>
@@ -5063,19 +7979,7 @@
           <a:p>
             <a:r>
               <a:rPr lang="en-GB" dirty="0"/>
-              <a:t>-one avenue that could be explored is adding a variable density contrast to the code.</a:t>
-            </a:r>
-          </a:p>
-          <a:p>
-            <a:r>
-              <a:rPr lang="en-GB" dirty="0"/>
-              <a:t>-A single density contrast is used for many papers as it leads to an easier code even though the geological aspect isn’t technically correct.</a:t>
-            </a:r>
-          </a:p>
-          <a:p>
-            <a:r>
-              <a:rPr lang="en-GB" dirty="0"/>
-              <a:t>-In many papers such as Van der Meijde (2013a) (model= GMSA12) a multiple density contrast is used and splits South America up into 14 geologically distinct areas and created a model based of these differences. So implementing this approach to the code could reduce the overall error and uncertainty of the model estimates.</a:t>
+              <a:t>Just a list of references</a:t>
             </a:r>
           </a:p>
         </p:txBody>
@@ -5106,7 +8010,7 @@
     </p:spTree>
     <p:extLst>
       <p:ext uri="{BB962C8B-B14F-4D97-AF65-F5344CB8AC3E}">
-        <p14:creationId xmlns:p14="http://schemas.microsoft.com/office/powerpoint/2010/main" val="3561385872"/>
+        <p14:creationId xmlns:p14="http://schemas.microsoft.com/office/powerpoint/2010/main" val="303268984"/>
       </p:ext>
     </p:extLst>
   </p:cSld>
@@ -5160,10 +8064,7 @@
           <a:bodyPr/>
           <a:lstStyle/>
           <a:p>
-            <a:r>
-              <a:rPr lang="en-GB" dirty="0"/>
-              <a:t>Just a list of references</a:t>
-            </a:r>
+            <a:endParaRPr lang="en-GB" dirty="0"/>
           </a:p>
         </p:txBody>
       </p:sp>
@@ -5193,94 +8094,7 @@
     </p:spTree>
     <p:extLst>
       <p:ext uri="{BB962C8B-B14F-4D97-AF65-F5344CB8AC3E}">
-        <p14:creationId xmlns:p14="http://schemas.microsoft.com/office/powerpoint/2010/main" val="303268984"/>
-      </p:ext>
-    </p:extLst>
-  </p:cSld>
-  <p:clrMapOvr>
-    <a:masterClrMapping/>
-  </p:clrMapOvr>
-</p:notes>
-</file>
-
-<file path=ppt/notesSlides/notesSlide15.xml><?xml version="1.0" encoding="utf-8"?>
-<p:notes xmlns:a="http://schemas.openxmlformats.org/drawingml/2006/main" xmlns:r="http://schemas.openxmlformats.org/officeDocument/2006/relationships" xmlns:p="http://schemas.openxmlformats.org/presentationml/2006/main">
-  <p:cSld>
-    <p:spTree>
-      <p:nvGrpSpPr>
-        <p:cNvPr id="1" name=""/>
-        <p:cNvGrpSpPr/>
-        <p:nvPr/>
-      </p:nvGrpSpPr>
-      <p:grpSpPr>
-        <a:xfrm>
-          <a:off x="0" y="0"/>
-          <a:ext cx="0" cy="0"/>
-          <a:chOff x="0" y="0"/>
-          <a:chExt cx="0" cy="0"/>
-        </a:xfrm>
-      </p:grpSpPr>
-      <p:sp>
-        <p:nvSpPr>
-          <p:cNvPr id="2" name="Slide Image Placeholder 1"/>
-          <p:cNvSpPr>
-            <a:spLocks noGrp="1" noRot="1" noChangeAspect="1"/>
-          </p:cNvSpPr>
-          <p:nvPr>
-            <p:ph type="sldImg"/>
-          </p:nvPr>
-        </p:nvSpPr>
-        <p:spPr/>
-      </p:sp>
-      <p:sp>
-        <p:nvSpPr>
-          <p:cNvPr id="3" name="Notes Placeholder 2"/>
-          <p:cNvSpPr>
-            <a:spLocks noGrp="1"/>
-          </p:cNvSpPr>
-          <p:nvPr>
-            <p:ph type="body" idx="1"/>
-          </p:nvPr>
-        </p:nvSpPr>
-        <p:spPr/>
-        <p:txBody>
-          <a:bodyPr/>
-          <a:lstStyle/>
-          <a:p>
-            <a:r>
-              <a:rPr lang="en-GB" dirty="0"/>
-              <a:t>Any Questions?/Discussion time</a:t>
-            </a:r>
-          </a:p>
-        </p:txBody>
-      </p:sp>
-      <p:sp>
-        <p:nvSpPr>
-          <p:cNvPr id="4" name="Slide Number Placeholder 3"/>
-          <p:cNvSpPr>
-            <a:spLocks noGrp="1"/>
-          </p:cNvSpPr>
-          <p:nvPr>
-            <p:ph type="sldNum" sz="quarter" idx="5"/>
-          </p:nvPr>
-        </p:nvSpPr>
-        <p:spPr/>
-        <p:txBody>
-          <a:bodyPr/>
-          <a:lstStyle/>
-          <a:p>
-            <a:fld id="{7EAA9362-EC89-4C48-B34C-2143CC6AF10E}" type="slidenum">
-              <a:rPr lang="en-GB" smtClean="0"/>
-              <a:t>17</a:t>
-            </a:fld>
-            <a:endParaRPr lang="en-GB" dirty="0"/>
-          </a:p>
-        </p:txBody>
-      </p:sp>
-    </p:spTree>
-    <p:extLst>
-      <p:ext uri="{BB962C8B-B14F-4D97-AF65-F5344CB8AC3E}">
-        <p14:creationId xmlns:p14="http://schemas.microsoft.com/office/powerpoint/2010/main" val="1696550806"/>
+        <p14:creationId xmlns:p14="http://schemas.microsoft.com/office/powerpoint/2010/main" val="3565004543"/>
       </p:ext>
     </p:extLst>
   </p:cSld>
@@ -5334,10 +8148,30 @@
           <a:bodyPr/>
           <a:lstStyle/>
           <a:p>
-            <a:r>
-              <a:rPr lang="en-GB" dirty="0"/>
-              <a:t>This presentation will cover everything about this project including: an introduction to the problem, the background work already completed, what still needs to be done, how the rest of the project will be completed, and where this project fits into current research and the future work that can be done following this project.</a:t>
-            </a:r>
+            <a:pPr marL="0" marR="0" lvl="0" indent="0" algn="l" defTabSz="914400" rtl="0" eaLnBrk="1" fontAlgn="auto" latinLnBrk="0" hangingPunct="1">
+              <a:lnSpc>
+                <a:spcPct val="100000"/>
+              </a:lnSpc>
+              <a:spcBef>
+                <a:spcPts val="0"/>
+              </a:spcBef>
+              <a:spcAft>
+                <a:spcPts val="0"/>
+              </a:spcAft>
+              <a:buClrTx/>
+              <a:buSzTx/>
+              <a:buFontTx/>
+              <a:buNone/>
+              <a:tabLst/>
+              <a:defRPr/>
+            </a:pPr>
+            <a:endParaRPr lang="en-GB" b="0" i="0" dirty="0">
+              <a:solidFill>
+                <a:srgbClr val="000000"/>
+              </a:solidFill>
+              <a:effectLst/>
+              <a:latin typeface="Linux Libertine"/>
+            </a:endParaRPr>
           </a:p>
         </p:txBody>
       </p:sp>
@@ -5367,7 +8201,7 @@
     </p:spTree>
     <p:extLst>
       <p:ext uri="{BB962C8B-B14F-4D97-AF65-F5344CB8AC3E}">
-        <p14:creationId xmlns:p14="http://schemas.microsoft.com/office/powerpoint/2010/main" val="3565004543"/>
+        <p14:creationId xmlns:p14="http://schemas.microsoft.com/office/powerpoint/2010/main" val="3363141838"/>
       </p:ext>
     </p:extLst>
   </p:cSld>
@@ -5421,208 +8255,9 @@
           <a:bodyPr/>
           <a:lstStyle/>
           <a:p>
-            <a:pPr marL="0" marR="0" lvl="0" indent="0" algn="l" defTabSz="914400" rtl="0" eaLnBrk="1" fontAlgn="auto" latinLnBrk="0" hangingPunct="1">
-              <a:lnSpc>
-                <a:spcPct val="100000"/>
-              </a:lnSpc>
-              <a:spcBef>
-                <a:spcPts val="0"/>
-              </a:spcBef>
-              <a:spcAft>
-                <a:spcPts val="0"/>
-              </a:spcAft>
-              <a:buClrTx/>
-              <a:buSzTx/>
-              <a:buFontTx/>
-              <a:buNone/>
-              <a:tabLst/>
-              <a:defRPr/>
-            </a:pPr>
             <a:r>
               <a:rPr lang="en-GB" dirty="0"/>
-              <a:t>-The Moho or </a:t>
-            </a:r>
-            <a:r>
-              <a:rPr lang="en-GB" b="0" i="0" dirty="0">
-                <a:solidFill>
-                  <a:srgbClr val="000000"/>
-                </a:solidFill>
-                <a:effectLst/>
-                <a:latin typeface="Linux Libertine"/>
-              </a:rPr>
-              <a:t>Mohorovičić discontinuity is part of an inverse problem mainly due to its depth beneath the surface meaning that this boundary cannot be physically observed.</a:t>
-            </a:r>
-          </a:p>
-          <a:p>
-            <a:pPr marL="0" marR="0" lvl="0" indent="0" algn="l" defTabSz="914400" rtl="0" eaLnBrk="1" fontAlgn="auto" latinLnBrk="0" hangingPunct="1">
-              <a:lnSpc>
-                <a:spcPct val="100000"/>
-              </a:lnSpc>
-              <a:spcBef>
-                <a:spcPts val="0"/>
-              </a:spcBef>
-              <a:spcAft>
-                <a:spcPts val="0"/>
-              </a:spcAft>
-              <a:buClrTx/>
-              <a:buSzTx/>
-              <a:buFontTx/>
-              <a:buNone/>
-              <a:tabLst/>
-              <a:defRPr/>
-            </a:pPr>
-            <a:r>
-              <a:rPr lang="en-GB" b="0" i="0" dirty="0">
-                <a:solidFill>
-                  <a:srgbClr val="000000"/>
-                </a:solidFill>
-                <a:effectLst/>
-                <a:latin typeface="Linux Libertine"/>
-              </a:rPr>
-              <a:t>-Hence people have resulted in using gravitational, seismological or isostatic data from surveys to estimate this boundary.</a:t>
-            </a:r>
-          </a:p>
-          <a:p>
-            <a:pPr marL="0" marR="0" lvl="0" indent="0" algn="l" defTabSz="914400" rtl="0" eaLnBrk="1" fontAlgn="auto" latinLnBrk="0" hangingPunct="1">
-              <a:lnSpc>
-                <a:spcPct val="100000"/>
-              </a:lnSpc>
-              <a:spcBef>
-                <a:spcPts val="0"/>
-              </a:spcBef>
-              <a:spcAft>
-                <a:spcPts val="0"/>
-              </a:spcAft>
-              <a:buClrTx/>
-              <a:buSzTx/>
-              <a:buFontTx/>
-              <a:buNone/>
-              <a:tabLst/>
-              <a:defRPr/>
-            </a:pPr>
-            <a:r>
-              <a:rPr lang="en-GB" b="0" i="0" dirty="0">
-                <a:solidFill>
-                  <a:srgbClr val="000000"/>
-                </a:solidFill>
-                <a:effectLst/>
-                <a:latin typeface="Linux Libertine"/>
-              </a:rPr>
-              <a:t>-</a:t>
-            </a:r>
-            <a:r>
-              <a:rPr lang="en-GB" sz="1200" dirty="0"/>
-              <a:t>Most models published achieve similar estimates for the Moho however none include uncertainties of these estimates so its difficult to justify if these values are a true representation of the moho.</a:t>
-            </a:r>
-          </a:p>
-          <a:p>
-            <a:pPr marL="0" marR="0" lvl="0" indent="0" algn="l" defTabSz="914400" rtl="0" eaLnBrk="1" fontAlgn="auto" latinLnBrk="0" hangingPunct="1">
-              <a:lnSpc>
-                <a:spcPct val="100000"/>
-              </a:lnSpc>
-              <a:spcBef>
-                <a:spcPts val="0"/>
-              </a:spcBef>
-              <a:spcAft>
-                <a:spcPts val="0"/>
-              </a:spcAft>
-              <a:buClrTx/>
-              <a:buSzTx/>
-              <a:buFontTx/>
-              <a:buNone/>
-              <a:tabLst/>
-              <a:defRPr/>
-            </a:pPr>
-            <a:endParaRPr lang="en-GB" b="0" i="0" dirty="0">
-              <a:solidFill>
-                <a:srgbClr val="000000"/>
-              </a:solidFill>
-              <a:effectLst/>
-              <a:latin typeface="Linux Libertine"/>
-            </a:endParaRPr>
-          </a:p>
-          <a:p>
-            <a:pPr marL="0" marR="0" lvl="0" indent="0" algn="l" defTabSz="914400" rtl="0" eaLnBrk="1" fontAlgn="auto" latinLnBrk="0" hangingPunct="1">
-              <a:lnSpc>
-                <a:spcPct val="100000"/>
-              </a:lnSpc>
-              <a:spcBef>
-                <a:spcPts val="0"/>
-              </a:spcBef>
-              <a:spcAft>
-                <a:spcPts val="0"/>
-              </a:spcAft>
-              <a:buClrTx/>
-              <a:buSzTx/>
-              <a:buFontTx/>
-              <a:buNone/>
-              <a:tabLst/>
-              <a:defRPr/>
-            </a:pPr>
-            <a:endParaRPr lang="en-GB" b="0" i="0" dirty="0">
-              <a:solidFill>
-                <a:srgbClr val="000000"/>
-              </a:solidFill>
-              <a:effectLst/>
-              <a:latin typeface="Linux Libertine"/>
-            </a:endParaRPr>
-          </a:p>
-          <a:p>
-            <a:pPr marL="0" marR="0" lvl="0" indent="0" algn="l" defTabSz="914400" rtl="0" eaLnBrk="1" fontAlgn="auto" latinLnBrk="0" hangingPunct="1">
-              <a:lnSpc>
-                <a:spcPct val="100000"/>
-              </a:lnSpc>
-              <a:spcBef>
-                <a:spcPts val="0"/>
-              </a:spcBef>
-              <a:spcAft>
-                <a:spcPts val="0"/>
-              </a:spcAft>
-              <a:buClrTx/>
-              <a:buSzTx/>
-              <a:buFontTx/>
-              <a:buNone/>
-              <a:tabLst/>
-              <a:defRPr/>
-            </a:pPr>
-            <a:r>
-              <a:rPr lang="en-GB" b="0" i="0" dirty="0">
-                <a:solidFill>
-                  <a:srgbClr val="000000"/>
-                </a:solidFill>
-                <a:effectLst/>
-                <a:latin typeface="Linux Libertine"/>
-              </a:rPr>
-              <a:t>Notes: say full moho name then refer to it as just moho from then on</a:t>
-            </a:r>
-          </a:p>
-          <a:p>
-            <a:pPr marL="0" marR="0" lvl="0" indent="0" algn="l" defTabSz="914400" rtl="0" eaLnBrk="1" fontAlgn="auto" latinLnBrk="0" hangingPunct="1">
-              <a:lnSpc>
-                <a:spcPct val="100000"/>
-              </a:lnSpc>
-              <a:spcBef>
-                <a:spcPts val="0"/>
-              </a:spcBef>
-              <a:spcAft>
-                <a:spcPts val="0"/>
-              </a:spcAft>
-              <a:buClrTx/>
-              <a:buSzTx/>
-              <a:buFontTx/>
-              <a:buNone/>
-              <a:tabLst/>
-              <a:defRPr/>
-            </a:pPr>
-            <a:r>
-              <a:rPr lang="en-GB" b="0" i="0" dirty="0">
-                <a:solidFill>
-                  <a:srgbClr val="000000"/>
-                </a:solidFill>
-                <a:effectLst/>
-                <a:latin typeface="Linux Libertine"/>
-              </a:rPr>
-              <a:t>Diagram of the Moho</a:t>
+              <a:t>-project is non-linear</a:t>
             </a:r>
           </a:p>
         </p:txBody>
@@ -5644,7 +8279,7 @@
           <a:p>
             <a:fld id="{7EAA9362-EC89-4C48-B34C-2143CC6AF10E}" type="slidenum">
               <a:rPr lang="en-GB" smtClean="0"/>
-              <a:t>3</a:t>
+              <a:t>4</a:t>
             </a:fld>
             <a:endParaRPr lang="en-GB" dirty="0"/>
           </a:p>
@@ -5653,7 +8288,7 @@
     </p:spTree>
     <p:extLst>
       <p:ext uri="{BB962C8B-B14F-4D97-AF65-F5344CB8AC3E}">
-        <p14:creationId xmlns:p14="http://schemas.microsoft.com/office/powerpoint/2010/main" val="3363141838"/>
+        <p14:creationId xmlns:p14="http://schemas.microsoft.com/office/powerpoint/2010/main" val="2870209578"/>
       </p:ext>
     </p:extLst>
   </p:cSld>
@@ -5709,7 +8344,7 @@
           <a:p>
             <a:r>
               <a:rPr lang="en-GB" dirty="0"/>
-              <a:t>-I have been working on this project since August of 2020 and since then I have learnt how to use the GitHub website which is where all the code and files for this project are stored. Have competed extensive reading on and around the field for which this has also helped me write a literature review of the current state of the field. Alongside this I have studied the basics of geophysical inversion in the form of both linear and non-linear problems for which this project will be the latter of the two.</a:t>
+              <a:t>-Here I have created a Gantt chart or timeline for this project, as mentioned in the previous slide all the things I have already done are shown on this chart. And what I intend to do is too along with a timeframe of when these things will be completed. The question marks indicate a section that may or may not be competed and is time dependent. This will not take anything away from the project if not done but will be the cherry on the cake if it is and works.</a:t>
             </a:r>
           </a:p>
         </p:txBody>
@@ -5740,7 +8375,7 @@
     </p:spTree>
     <p:extLst>
       <p:ext uri="{BB962C8B-B14F-4D97-AF65-F5344CB8AC3E}">
-        <p14:creationId xmlns:p14="http://schemas.microsoft.com/office/powerpoint/2010/main" val="2870209578"/>
+        <p14:creationId xmlns:p14="http://schemas.microsoft.com/office/powerpoint/2010/main" val="807520676"/>
       </p:ext>
     </p:extLst>
   </p:cSld>
@@ -5794,10 +8429,7 @@
           <a:bodyPr/>
           <a:lstStyle/>
           <a:p>
-            <a:r>
-              <a:rPr lang="en-GB" dirty="0"/>
-              <a:t>-Here I have created a Gantt chart or timeline for this project, as mentioned in the previous slide all the things I have already done are shown on this chart. And what I intend to do is too along with a timeframe of when these things will be completed. The question marks indicate a section that may or may not be competed and is time dependent. This will not take anything away from the project if not done but will be the cherry on the cake if it is and works.</a:t>
-            </a:r>
+            <a:endParaRPr lang="en-GB" dirty="0"/>
           </a:p>
         </p:txBody>
       </p:sp>
@@ -5818,7 +8450,7 @@
           <a:p>
             <a:fld id="{7EAA9362-EC89-4C48-B34C-2143CC6AF10E}" type="slidenum">
               <a:rPr lang="en-GB" smtClean="0"/>
-              <a:t>7</a:t>
+              <a:t>6</a:t>
             </a:fld>
             <a:endParaRPr lang="en-GB" dirty="0"/>
           </a:p>
@@ -5827,7 +8459,7 @@
     </p:spTree>
     <p:extLst>
       <p:ext uri="{BB962C8B-B14F-4D97-AF65-F5344CB8AC3E}">
-        <p14:creationId xmlns:p14="http://schemas.microsoft.com/office/powerpoint/2010/main" val="807520676"/>
+        <p14:creationId xmlns:p14="http://schemas.microsoft.com/office/powerpoint/2010/main" val="1840528425"/>
       </p:ext>
     </p:extLst>
   </p:cSld>
@@ -5881,10 +8513,7 @@
           <a:bodyPr/>
           <a:lstStyle/>
           <a:p>
-            <a:r>
-              <a:rPr lang="en-GB" dirty="0"/>
-              <a:t>-I will now take you through a step by step approach of what is left to do for this project breaking down each step into its individual constituents. Here is a list of everything that needs to be completed and is taken straight from the chart on the previous slide. To begin with the next step is setting up and running the inversion from Uieda &amp; Barbosa (2017).</a:t>
-            </a:r>
+            <a:endParaRPr lang="en-GB" dirty="0"/>
           </a:p>
         </p:txBody>
       </p:sp>
@@ -5905,7 +8534,7 @@
           <a:p>
             <a:fld id="{7EAA9362-EC89-4C48-B34C-2143CC6AF10E}" type="slidenum">
               <a:rPr lang="en-GB" smtClean="0"/>
-              <a:t>8</a:t>
+              <a:t>7</a:t>
             </a:fld>
             <a:endParaRPr lang="en-GB" dirty="0"/>
           </a:p>
@@ -5914,7 +8543,7 @@
     </p:spTree>
     <p:extLst>
       <p:ext uri="{BB962C8B-B14F-4D97-AF65-F5344CB8AC3E}">
-        <p14:creationId xmlns:p14="http://schemas.microsoft.com/office/powerpoint/2010/main" val="1840528425"/>
+        <p14:creationId xmlns:p14="http://schemas.microsoft.com/office/powerpoint/2010/main" val="1272761204"/>
       </p:ext>
     </p:extLst>
   </p:cSld>
@@ -5970,7 +8599,13 @@
           <a:p>
             <a:r>
               <a:rPr lang="en-GB" dirty="0"/>
-              <a:t>-Setting up and running this code should be pretty straight forward as everything is already written, one challenge that may have to be overcome is the age of the code. With this code being over 3 years old now some minor changes may need to be made as a result of python updates editing how functions and specific code is used, but again this shouldn’t take long and in theory will be straight forward.</a:t>
+              <a:t>Cross validation in general is using a testing set to get a model and then inputting unseen data into this model and seeing how well the method predicts the output. Cross validation will help point out under/overfitting and any bias in the data. </a:t>
+            </a:r>
+          </a:p>
+          <a:p>
+            <a:r>
+              <a:rPr lang="en-GB" dirty="0"/>
+              <a:t>Add figure about cross validation</a:t>
             </a:r>
           </a:p>
         </p:txBody>
@@ -5992,7 +8627,7 @@
           <a:p>
             <a:fld id="{7EAA9362-EC89-4C48-B34C-2143CC6AF10E}" type="slidenum">
               <a:rPr lang="en-GB" smtClean="0"/>
-              <a:t>9</a:t>
+              <a:t>8</a:t>
             </a:fld>
             <a:endParaRPr lang="en-GB" dirty="0"/>
           </a:p>
@@ -6001,7 +8636,7 @@
     </p:spTree>
     <p:extLst>
       <p:ext uri="{BB962C8B-B14F-4D97-AF65-F5344CB8AC3E}">
-        <p14:creationId xmlns:p14="http://schemas.microsoft.com/office/powerpoint/2010/main" val="1272761204"/>
+        <p14:creationId xmlns:p14="http://schemas.microsoft.com/office/powerpoint/2010/main" val="2247063845"/>
       </p:ext>
     </p:extLst>
   </p:cSld>
@@ -6057,13 +8692,13 @@
           <a:p>
             <a:r>
               <a:rPr lang="en-GB" dirty="0"/>
-              <a:t>-The next step is to implement a cross validation approach, in particular hold out cross validation, to error estimation. Cross validation in general is using a testing set to get a model and then inputting unseen data into this model and seeing how well the method predicts the output. Cross validation will help point out under/overfitting and any bias in the data. The cross validation approach I will be using in this project is comparing gravitational estimates from GOCE satellite data to seismic point estimates and calculate and then minimise the mean square error.</a:t>
+              <a:t>-Non-uniqueness comes into effect here as multiple models with different mass anomalies can produce the same final result</a:t>
             </a:r>
           </a:p>
           <a:p>
             <a:r>
               <a:rPr lang="en-GB" dirty="0"/>
-              <a:t>-If we had seismic data that spanned the whole continent of South America then there wouldn’t be any need for a gravitational/mixed method approach, this is why this method is being trailed in South America and not say Europe.</a:t>
+              <a:t>-Shallow moho produces same result as positive density anomaly</a:t>
             </a:r>
           </a:p>
         </p:txBody>
@@ -6085,7 +8720,7 @@
           <a:p>
             <a:fld id="{7EAA9362-EC89-4C48-B34C-2143CC6AF10E}" type="slidenum">
               <a:rPr lang="en-GB" smtClean="0"/>
-              <a:t>10</a:t>
+              <a:t>9</a:t>
             </a:fld>
             <a:endParaRPr lang="en-GB" dirty="0"/>
           </a:p>
@@ -6094,7 +8729,7 @@
     </p:spTree>
     <p:extLst>
       <p:ext uri="{BB962C8B-B14F-4D97-AF65-F5344CB8AC3E}">
-        <p14:creationId xmlns:p14="http://schemas.microsoft.com/office/powerpoint/2010/main" val="2247063845"/>
+        <p14:creationId xmlns:p14="http://schemas.microsoft.com/office/powerpoint/2010/main" val="1912294401"/>
       </p:ext>
     </p:extLst>
   </p:cSld>
@@ -6150,19 +8785,7 @@
           <a:p>
             <a:r>
               <a:rPr lang="en-GB" dirty="0"/>
-              <a:t>-The next step is to modify the CRUST1.0 synthetic model to include unmodelled source/s. The code from Uieda &amp; Barbosa includes random noise in the data, however didn’t include unmodelled sources as they are completely unknown. Based off the results of their model it is clear that there are one or more unmodelled masses which will be added into the code as a form of either sedimentary basins or underplating.</a:t>
-            </a:r>
-          </a:p>
-          <a:p>
-            <a:r>
-              <a:rPr lang="en-GB" dirty="0"/>
-              <a:t>-The location of the mass anomaly will be difficult to pinpoint so will have to use a trial and error approach to this problem to estimate the rough area where the source may be.</a:t>
-            </a:r>
-          </a:p>
-          <a:p>
-            <a:r>
-              <a:rPr lang="en-GB" dirty="0"/>
-              <a:t>-Non-uniqueness comes into effect here as multiple models with different mass anomalies can produce the same final result. So it will be difficult to pick one result over others if the exact same model is produced.</a:t>
+              <a:t>-what to do if don’t get good results (add)</a:t>
             </a:r>
           </a:p>
         </p:txBody>
@@ -6184,7 +8807,7 @@
           <a:p>
             <a:fld id="{7EAA9362-EC89-4C48-B34C-2143CC6AF10E}" type="slidenum">
               <a:rPr lang="en-GB" smtClean="0"/>
-              <a:t>11</a:t>
+              <a:t>10</a:t>
             </a:fld>
             <a:endParaRPr lang="en-GB" dirty="0"/>
           </a:p>
@@ -6193,7 +8816,7 @@
     </p:spTree>
     <p:extLst>
       <p:ext uri="{BB962C8B-B14F-4D97-AF65-F5344CB8AC3E}">
-        <p14:creationId xmlns:p14="http://schemas.microsoft.com/office/powerpoint/2010/main" val="1912294401"/>
+        <p14:creationId xmlns:p14="http://schemas.microsoft.com/office/powerpoint/2010/main" val="156972304"/>
       </p:ext>
     </p:extLst>
   </p:cSld>
@@ -6427,9 +9050,9 @@
           <a:bodyPr/>
           <a:lstStyle/>
           <a:p>
-            <a:fld id="{BCA63630-026A-4A37-9847-3D195A57E959}" type="datetime2">
+            <a:fld id="{19C2B4D7-0A31-431F-AAE4-A778F1109871}" type="datetime2">
               <a:rPr lang="en-GB" smtClean="0"/>
-              <a:t>Sunday, 03 January 2021</a:t>
+              <a:t>Wednesday, 06 January 2021</a:t>
             </a:fld>
             <a:endParaRPr lang="en-GB" dirty="0"/>
           </a:p>
@@ -6635,9 +9258,9 @@
           <a:bodyPr/>
           <a:lstStyle/>
           <a:p>
-            <a:fld id="{87FEA104-0C4A-409B-97F0-8ABB1D57CC53}" type="datetime2">
+            <a:fld id="{FDEE86F3-EA96-4F75-AA88-68FBC54007B6}" type="datetime2">
               <a:rPr lang="en-GB" smtClean="0"/>
-              <a:t>Sunday, 03 January 2021</a:t>
+              <a:t>Wednesday, 06 January 2021</a:t>
             </a:fld>
             <a:endParaRPr lang="en-GB" dirty="0"/>
           </a:p>
@@ -6891,9 +9514,9 @@
           <a:bodyPr/>
           <a:lstStyle/>
           <a:p>
-            <a:fld id="{D22B6D78-FE4D-45BF-9119-02D40D9950FD}" type="datetime2">
+            <a:fld id="{4F395FF8-B2C3-4C93-8687-5D0F49E0D928}" type="datetime2">
               <a:rPr lang="en-GB" smtClean="0"/>
-              <a:t>Sunday, 03 January 2021</a:t>
+              <a:t>Wednesday, 06 January 2021</a:t>
             </a:fld>
             <a:endParaRPr lang="en-GB" dirty="0"/>
           </a:p>
@@ -7065,9 +9688,9 @@
           <a:bodyPr/>
           <a:lstStyle/>
           <a:p>
-            <a:fld id="{8151D8C0-3DD5-4535-98F3-D95057847FC0}" type="datetime2">
+            <a:fld id="{B828F84D-00FC-42E1-AA29-30F340A77692}" type="datetime2">
               <a:rPr lang="en-GB" smtClean="0"/>
-              <a:t>Sunday, 03 January 2021</a:t>
+              <a:t>Wednesday, 06 January 2021</a:t>
             </a:fld>
             <a:endParaRPr lang="en-GB" dirty="0"/>
           </a:p>
@@ -7408,9 +10031,9 @@
           <a:bodyPr/>
           <a:lstStyle/>
           <a:p>
-            <a:fld id="{404A5D68-3EC2-47A4-93BD-6D7E218B6A34}" type="datetime2">
+            <a:fld id="{432ABAD4-DB3A-4977-B772-FCC78845B1E0}" type="datetime2">
               <a:rPr lang="en-GB" smtClean="0"/>
-              <a:t>Sunday, 03 January 2021</a:t>
+              <a:t>Wednesday, 06 January 2021</a:t>
             </a:fld>
             <a:endParaRPr lang="en-GB" dirty="0"/>
           </a:p>
@@ -7683,9 +10306,9 @@
           <a:bodyPr/>
           <a:lstStyle/>
           <a:p>
-            <a:fld id="{AFC11AD4-6817-4F90-8962-6C96BF2E2A16}" type="datetime2">
+            <a:fld id="{3257C03B-DE88-43FD-9919-F0C89570470D}" type="datetime2">
               <a:rPr lang="en-GB" smtClean="0"/>
-              <a:t>Sunday, 03 January 2021</a:t>
+              <a:t>Wednesday, 06 January 2021</a:t>
             </a:fld>
             <a:endParaRPr lang="en-GB" dirty="0"/>
           </a:p>
@@ -8062,9 +10685,9 @@
           <a:bodyPr/>
           <a:lstStyle/>
           <a:p>
-            <a:fld id="{4CD477E4-1A78-4400-9F5F-FD9DBEA8E3CD}" type="datetime2">
+            <a:fld id="{1DBA1FC3-05E6-4EF9-9039-A8D11C04E6CC}" type="datetime2">
               <a:rPr lang="en-GB" smtClean="0"/>
-              <a:t>Sunday, 03 January 2021</a:t>
+              <a:t>Wednesday, 06 January 2021</a:t>
             </a:fld>
             <a:endParaRPr lang="en-GB" dirty="0"/>
           </a:p>
@@ -8180,9 +10803,9 @@
           <a:bodyPr/>
           <a:lstStyle/>
           <a:p>
-            <a:fld id="{3733618A-3E65-4300-BE05-D557F046AF11}" type="datetime2">
+            <a:fld id="{0DC09D13-8186-46F3-A394-48B42DA038A7}" type="datetime2">
               <a:rPr lang="en-GB" smtClean="0"/>
-              <a:t>Sunday, 03 January 2021</a:t>
+              <a:t>Wednesday, 06 January 2021</a:t>
             </a:fld>
             <a:endParaRPr lang="en-GB" dirty="0"/>
           </a:p>
@@ -8351,9 +10974,9 @@
           <a:bodyPr/>
           <a:lstStyle/>
           <a:p>
-            <a:fld id="{FEEA47AE-6A2D-43A9-B492-805EDFD2D3E3}" type="datetime2">
+            <a:fld id="{DB47114D-5B9E-4B6A-B5AA-32F604004EFC}" type="datetime2">
               <a:rPr lang="en-GB" smtClean="0"/>
-              <a:t>Sunday, 03 January 2021</a:t>
+              <a:t>Wednesday, 06 January 2021</a:t>
             </a:fld>
             <a:endParaRPr lang="en-GB" dirty="0"/>
           </a:p>
@@ -8705,9 +11328,9 @@
             </a:lvl1pPr>
           </a:lstStyle>
           <a:p>
-            <a:fld id="{6E7FE856-CE68-46B2-9094-3D6DAAF26A95}" type="datetime2">
+            <a:fld id="{4D0327D3-363A-46A4-B5C5-ED1A520FC12F}" type="datetime2">
               <a:rPr lang="en-GB" smtClean="0"/>
-              <a:t>Sunday, 03 January 2021</a:t>
+              <a:t>Wednesday, 06 January 2021</a:t>
             </a:fld>
             <a:endParaRPr lang="en-GB" dirty="0"/>
           </a:p>
@@ -9086,9 +11709,9 @@
           <a:bodyPr/>
           <a:lstStyle/>
           <a:p>
-            <a:fld id="{1B3BDC65-B2D6-4C10-B282-06CBD67E576D}" type="datetime2">
+            <a:fld id="{5CBF9F8E-A384-4F62-8D48-075A34754A6E}" type="datetime2">
               <a:rPr lang="en-GB" smtClean="0"/>
-              <a:t>Sunday, 03 January 2021</a:t>
+              <a:t>Wednesday, 06 January 2021</a:t>
             </a:fld>
             <a:endParaRPr lang="en-GB" dirty="0"/>
           </a:p>
@@ -9373,9 +11996,9 @@
             </a:lvl1pPr>
           </a:lstStyle>
           <a:p>
-            <a:fld id="{159A7B11-A0D0-4A6F-B37E-7FBD6F51031E}" type="datetime2">
+            <a:fld id="{39F50EDD-1AD2-4BFD-B670-4F9C3C7319BE}" type="datetime2">
               <a:rPr lang="en-GB" smtClean="0"/>
-              <a:t>Sunday, 03 January 2021</a:t>
+              <a:t>Wednesday, 06 January 2021</a:t>
             </a:fld>
             <a:endParaRPr lang="en-GB" dirty="0"/>
           </a:p>
@@ -9900,6 +12523,36 @@
           <a:chExt cx="0" cy="0"/>
         </a:xfrm>
       </p:grpSpPr>
+      <p:pic>
+        <p:nvPicPr>
+          <p:cNvPr id="4" name="Picture 3">
+            <a:extLst>
+              <a:ext uri="{FF2B5EF4-FFF2-40B4-BE49-F238E27FC236}">
+                <a16:creationId xmlns:a16="http://schemas.microsoft.com/office/drawing/2014/main" id="{A754909E-5375-4246-BBAA-E5001BB58296}"/>
+              </a:ext>
+            </a:extLst>
+          </p:cNvPr>
+          <p:cNvPicPr>
+            <a:picLocks noChangeAspect="1"/>
+          </p:cNvPicPr>
+          <p:nvPr/>
+        </p:nvPicPr>
+        <p:blipFill>
+          <a:blip r:embed="rId3"/>
+          <a:stretch>
+            <a:fillRect/>
+          </a:stretch>
+        </p:blipFill>
+        <p:spPr>
+          <a:xfrm>
+            <a:off x="8489245" y="194151"/>
+            <a:ext cx="3420533" cy="868585"/>
+          </a:xfrm>
+          <a:prstGeom prst="rect">
+            <a:avLst/>
+          </a:prstGeom>
+        </p:spPr>
+      </p:pic>
       <p:sp>
         <p:nvSpPr>
           <p:cNvPr id="2" name="Title 1">
@@ -9992,7 +12645,15 @@
           <a:p>
             <a:r>
               <a:rPr lang="en-GB" dirty="0"/>
-              <a:t>Supervised by Leonardo Uieda</a:t>
+              <a:t>Supervised by </a:t>
+            </a:r>
+            <a:r>
+              <a:rPr lang="en-GB" dirty="0" err="1"/>
+              <a:t>Dr.</a:t>
+            </a:r>
+            <a:r>
+              <a:rPr lang="en-GB" dirty="0"/>
+              <a:t> Leonardo Uieda</a:t>
             </a:r>
           </a:p>
           <a:p>
@@ -10038,7 +12699,7 @@
           <p:cNvPr id="2" name="Title 1">
             <a:extLst>
               <a:ext uri="{FF2B5EF4-FFF2-40B4-BE49-F238E27FC236}">
-                <a16:creationId xmlns:a16="http://schemas.microsoft.com/office/drawing/2014/main" id="{1621BFED-765B-4E55-BC2D-911109301AAD}"/>
+                <a16:creationId xmlns:a16="http://schemas.microsoft.com/office/drawing/2014/main" id="{8F324A69-E77D-4C86-9DBF-D4EA389396EF}"/>
               </a:ext>
             </a:extLst>
           </p:cNvPr>
@@ -10056,7 +12717,7 @@
           <a:p>
             <a:r>
               <a:rPr lang="en-GB" dirty="0"/>
-              <a:t>How the rest of the project will be completed - a step by step approach</a:t>
+              <a:t>Applying methodology</a:t>
             </a:r>
           </a:p>
         </p:txBody>
@@ -10066,7 +12727,7 @@
           <p:cNvPr id="3" name="Content Placeholder 2">
             <a:extLst>
               <a:ext uri="{FF2B5EF4-FFF2-40B4-BE49-F238E27FC236}">
-                <a16:creationId xmlns:a16="http://schemas.microsoft.com/office/drawing/2014/main" id="{211E339B-EA75-4511-BD75-F026672F00E4}"/>
+                <a16:creationId xmlns:a16="http://schemas.microsoft.com/office/drawing/2014/main" id="{71A45AE1-2638-4F63-B49D-651AFC8FA21C}"/>
               </a:ext>
             </a:extLst>
           </p:cNvPr>
@@ -10084,7 +12745,7 @@
           <a:p>
             <a:r>
               <a:rPr lang="en-GB" sz="2400" dirty="0"/>
-              <a:t>Implement a cross validation approach to error estimation:</a:t>
+              <a:t>Apply methodology to real data:</a:t>
             </a:r>
           </a:p>
           <a:p>
@@ -10094,7 +12755,7 @@
             </a:pPr>
             <a:r>
               <a:rPr lang="en-GB" sz="2400" dirty="0"/>
-              <a:t>Add cross validation into code.</a:t>
+              <a:t>Based off success of hold out cross-validation method can apply method to real data</a:t>
             </a:r>
           </a:p>
           <a:p>
@@ -10104,7 +12765,7 @@
             </a:pPr>
             <a:r>
               <a:rPr lang="en-GB" sz="2400" dirty="0"/>
-              <a:t>Cross validation is simply using a testing set which is a small sample of the whole data and seeing how well it predicts new data</a:t>
+              <a:t>For instance can use South American data that Uieda &amp; Barbosa (2017) used</a:t>
             </a:r>
           </a:p>
           <a:p>
@@ -10114,7 +12775,7 @@
             </a:pPr>
             <a:r>
               <a:rPr lang="en-GB" sz="2400" dirty="0"/>
-              <a:t>Cross validation- compare gravitational estimates to seismic point estimates</a:t>
+              <a:t>If cross-validation doesn’t work then will just have a Moho depth model.</a:t>
             </a:r>
           </a:p>
           <a:p>
@@ -10124,12 +12785,8 @@
             </a:pPr>
             <a:r>
               <a:rPr lang="en-GB" sz="2400" dirty="0"/>
-              <a:t>Do not have seismic estimates for whole continent</a:t>
-            </a:r>
-            <a:endParaRPr lang="en-GB" dirty="0"/>
-          </a:p>
-          <a:p>
-            <a:endParaRPr lang="en-GB" dirty="0"/>
+              <a:t>Or can look deeper into modelling subducting slab</a:t>
+            </a:r>
           </a:p>
         </p:txBody>
       </p:sp>
@@ -10138,7 +12795,7 @@
           <p:cNvPr id="4" name="Slide Number Placeholder 3">
             <a:extLst>
               <a:ext uri="{FF2B5EF4-FFF2-40B4-BE49-F238E27FC236}">
-                <a16:creationId xmlns:a16="http://schemas.microsoft.com/office/drawing/2014/main" id="{D18027E2-AFC5-492C-AF1F-203FA7F0A2D9}"/>
+                <a16:creationId xmlns:a16="http://schemas.microsoft.com/office/drawing/2014/main" id="{A2681BDD-54C9-4A00-8C3F-2ADCBB69AE43}"/>
               </a:ext>
             </a:extLst>
           </p:cNvPr>
@@ -10165,7 +12822,7 @@
     </p:spTree>
     <p:extLst>
       <p:ext uri="{BB962C8B-B14F-4D97-AF65-F5344CB8AC3E}">
-        <p14:creationId xmlns:p14="http://schemas.microsoft.com/office/powerpoint/2010/main" val="2454661672"/>
+        <p14:creationId xmlns:p14="http://schemas.microsoft.com/office/powerpoint/2010/main" val="545139458"/>
       </p:ext>
     </p:extLst>
   </p:cSld>
@@ -10176,265 +12833,6 @@
 </file>
 
 <file path=ppt/slides/slide11.xml><?xml version="1.0" encoding="utf-8"?>
-<p:sld xmlns:a="http://schemas.openxmlformats.org/drawingml/2006/main" xmlns:r="http://schemas.openxmlformats.org/officeDocument/2006/relationships" xmlns:p="http://schemas.openxmlformats.org/presentationml/2006/main">
-  <p:cSld>
-    <p:bg>
-      <p:bgPr>
-        <a:solidFill>
-          <a:schemeClr val="bg1"/>
-        </a:solidFill>
-        <a:effectLst/>
-      </p:bgPr>
-    </p:bg>
-    <p:spTree>
-      <p:nvGrpSpPr>
-        <p:cNvPr id="1" name=""/>
-        <p:cNvGrpSpPr/>
-        <p:nvPr/>
-      </p:nvGrpSpPr>
-      <p:grpSpPr>
-        <a:xfrm>
-          <a:off x="0" y="0"/>
-          <a:ext cx="0" cy="0"/>
-          <a:chOff x="0" y="0"/>
-          <a:chExt cx="0" cy="0"/>
-        </a:xfrm>
-      </p:grpSpPr>
-      <p:sp>
-        <p:nvSpPr>
-          <p:cNvPr id="2" name="Title 1">
-            <a:extLst>
-              <a:ext uri="{FF2B5EF4-FFF2-40B4-BE49-F238E27FC236}">
-                <a16:creationId xmlns:a16="http://schemas.microsoft.com/office/drawing/2014/main" id="{4557F48B-95C0-4247-B266-C826A9468BA4}"/>
-              </a:ext>
-            </a:extLst>
-          </p:cNvPr>
-          <p:cNvSpPr>
-            <a:spLocks noGrp="1"/>
-          </p:cNvSpPr>
-          <p:nvPr>
-            <p:ph type="title"/>
-          </p:nvPr>
-        </p:nvSpPr>
-        <p:spPr>
-          <a:xfrm>
-            <a:off x="1097280" y="286603"/>
-            <a:ext cx="10058400" cy="1450757"/>
-          </a:xfrm>
-        </p:spPr>
-        <p:txBody>
-          <a:bodyPr>
-            <a:normAutofit/>
-          </a:bodyPr>
-          <a:lstStyle/>
-          <a:p>
-            <a:r>
-              <a:rPr lang="en-GB" dirty="0"/>
-              <a:t>How the rest of the project will be completed - a step by step approach</a:t>
-            </a:r>
-          </a:p>
-        </p:txBody>
-      </p:sp>
-      <p:sp>
-        <p:nvSpPr>
-          <p:cNvPr id="3" name="Content Placeholder 2">
-            <a:extLst>
-              <a:ext uri="{FF2B5EF4-FFF2-40B4-BE49-F238E27FC236}">
-                <a16:creationId xmlns:a16="http://schemas.microsoft.com/office/drawing/2014/main" id="{79EA0941-F7F0-425B-AF3D-28B64EFF3AB9}"/>
-              </a:ext>
-            </a:extLst>
-          </p:cNvPr>
-          <p:cNvSpPr>
-            <a:spLocks noGrp="1"/>
-          </p:cNvSpPr>
-          <p:nvPr>
-            <p:ph idx="1"/>
-          </p:nvPr>
-        </p:nvSpPr>
-        <p:spPr>
-          <a:xfrm>
-            <a:off x="1097280" y="1845734"/>
-            <a:ext cx="5518010" cy="4023360"/>
-          </a:xfrm>
-        </p:spPr>
-        <p:txBody>
-          <a:bodyPr>
-            <a:normAutofit/>
-          </a:bodyPr>
-          <a:lstStyle/>
-          <a:p>
-            <a:r>
-              <a:rPr lang="en-GB" dirty="0"/>
-              <a:t>Modify the CRUST1.0 synthetic model to include unmodelled source/s:</a:t>
-            </a:r>
-          </a:p>
-          <a:p>
-            <a:pPr>
-              <a:buFont typeface="Wingdings" panose="05000000000000000000" pitchFamily="2" charset="2"/>
-              <a:buChar char="§"/>
-            </a:pPr>
-            <a:r>
-              <a:rPr lang="en-GB" dirty="0"/>
-              <a:t>Code from Uieda &amp; Barbosa includes random noise in data</a:t>
-            </a:r>
-          </a:p>
-          <a:p>
-            <a:pPr>
-              <a:buFont typeface="Wingdings" panose="05000000000000000000" pitchFamily="2" charset="2"/>
-              <a:buChar char="§"/>
-            </a:pPr>
-            <a:r>
-              <a:rPr lang="en-GB" dirty="0"/>
-              <a:t>didn’t include unmodelled sources</a:t>
-            </a:r>
-          </a:p>
-          <a:p>
-            <a:pPr>
-              <a:buFont typeface="Wingdings" panose="05000000000000000000" pitchFamily="2" charset="2"/>
-              <a:buChar char="§"/>
-            </a:pPr>
-            <a:r>
-              <a:rPr lang="en-GB" dirty="0"/>
-              <a:t>Modify code to include one or more unmodelled sources</a:t>
-            </a:r>
-          </a:p>
-          <a:p>
-            <a:pPr>
-              <a:buFont typeface="Wingdings" panose="05000000000000000000" pitchFamily="2" charset="2"/>
-              <a:buChar char="§"/>
-            </a:pPr>
-            <a:r>
-              <a:rPr lang="en-GB" dirty="0"/>
-              <a:t>Location of mass anomaly is difficult to pinpoint so will use trial and error</a:t>
-            </a:r>
-          </a:p>
-        </p:txBody>
-      </p:sp>
-      <p:pic>
-        <p:nvPicPr>
-          <p:cNvPr id="5" name="Picture 4" descr="Map&#10;&#10;Description automatically generated">
-            <a:extLst>
-              <a:ext uri="{FF2B5EF4-FFF2-40B4-BE49-F238E27FC236}">
-                <a16:creationId xmlns:a16="http://schemas.microsoft.com/office/drawing/2014/main" id="{DA178A7C-127A-4404-B75A-53F83553458E}"/>
-              </a:ext>
-            </a:extLst>
-          </p:cNvPr>
-          <p:cNvPicPr>
-            <a:picLocks noChangeAspect="1"/>
-          </p:cNvPicPr>
-          <p:nvPr/>
-        </p:nvPicPr>
-        <p:blipFill>
-          <a:blip r:embed="rId3"/>
-          <a:stretch>
-            <a:fillRect/>
-          </a:stretch>
-        </p:blipFill>
-        <p:spPr>
-          <a:xfrm>
-            <a:off x="7062330" y="1938765"/>
-            <a:ext cx="4032390" cy="2802510"/>
-          </a:xfrm>
-          <a:prstGeom prst="rect">
-            <a:avLst/>
-          </a:prstGeom>
-        </p:spPr>
-      </p:pic>
-      <p:sp>
-        <p:nvSpPr>
-          <p:cNvPr id="4" name="Slide Number Placeholder 3">
-            <a:extLst>
-              <a:ext uri="{FF2B5EF4-FFF2-40B4-BE49-F238E27FC236}">
-                <a16:creationId xmlns:a16="http://schemas.microsoft.com/office/drawing/2014/main" id="{BBC9A48F-DD50-4DF5-8A55-DC2C70581EA7}"/>
-              </a:ext>
-            </a:extLst>
-          </p:cNvPr>
-          <p:cNvSpPr>
-            <a:spLocks noGrp="1"/>
-          </p:cNvSpPr>
-          <p:nvPr>
-            <p:ph type="sldNum" sz="quarter" idx="12"/>
-          </p:nvPr>
-        </p:nvSpPr>
-        <p:spPr>
-          <a:xfrm>
-            <a:off x="9900458" y="6459785"/>
-            <a:ext cx="1312025" cy="365125"/>
-          </a:xfrm>
-        </p:spPr>
-        <p:txBody>
-          <a:bodyPr>
-            <a:normAutofit/>
-          </a:bodyPr>
-          <a:lstStyle/>
-          <a:p>
-            <a:pPr>
-              <a:spcAft>
-                <a:spcPts val="600"/>
-              </a:spcAft>
-            </a:pPr>
-            <a:fld id="{D503D24F-27AF-4A5C-81D9-D96757ADB19D}" type="slidenum">
-              <a:rPr lang="en-GB" smtClean="0"/>
-              <a:pPr>
-                <a:spcAft>
-                  <a:spcPts val="600"/>
-                </a:spcAft>
-              </a:pPr>
-              <a:t>11</a:t>
-            </a:fld>
-            <a:endParaRPr lang="en-GB"/>
-          </a:p>
-        </p:txBody>
-      </p:sp>
-      <p:sp>
-        <p:nvSpPr>
-          <p:cNvPr id="6" name="TextBox 5">
-            <a:extLst>
-              <a:ext uri="{FF2B5EF4-FFF2-40B4-BE49-F238E27FC236}">
-                <a16:creationId xmlns:a16="http://schemas.microsoft.com/office/drawing/2014/main" id="{CA5A6C9E-2D13-4FB5-8001-F117A01D062C}"/>
-              </a:ext>
-            </a:extLst>
-          </p:cNvPr>
-          <p:cNvSpPr txBox="1"/>
-          <p:nvPr/>
-        </p:nvSpPr>
-        <p:spPr>
-          <a:xfrm>
-            <a:off x="7055556" y="4730044"/>
-            <a:ext cx="4039164" cy="584775"/>
-          </a:xfrm>
-          <a:prstGeom prst="rect">
-            <a:avLst/>
-          </a:prstGeom>
-          <a:noFill/>
-        </p:spPr>
-        <p:txBody>
-          <a:bodyPr wrap="square" rtlCol="0">
-            <a:spAutoFit/>
-          </a:bodyPr>
-          <a:lstStyle/>
-          <a:p>
-            <a:r>
-              <a:rPr lang="en-GB" sz="800" dirty="0"/>
-              <a:t>Figure 4- A model of the gravity residuals and differences between seismic and gravity estimates from Uieda &amp; Barbosa(2017). Uieda, L. and Barbosa, V.C., 2017. Fast nonlinear gravity inversion in spherical coordinates with application to the South American Moho. Geophysical Journal International, 208(1), pp.162-176.</a:t>
-            </a:r>
-          </a:p>
-        </p:txBody>
-      </p:sp>
-    </p:spTree>
-    <p:extLst>
-      <p:ext uri="{BB962C8B-B14F-4D97-AF65-F5344CB8AC3E}">
-        <p14:creationId xmlns:p14="http://schemas.microsoft.com/office/powerpoint/2010/main" val="1856645086"/>
-      </p:ext>
-    </p:extLst>
-  </p:cSld>
-  <p:clrMapOvr>
-    <a:masterClrMapping/>
-  </p:clrMapOvr>
-</p:sld>
-</file>
-
-<file path=ppt/slides/slide12.xml><?xml version="1.0" encoding="utf-8"?>
 <p:sld xmlns:a="http://schemas.openxmlformats.org/drawingml/2006/main" xmlns:r="http://schemas.openxmlformats.org/officeDocument/2006/relationships" xmlns:p="http://schemas.openxmlformats.org/presentationml/2006/main">
   <p:cSld>
     <p:spTree>
@@ -10456,152 +12854,6 @@
           <p:cNvPr id="2" name="Title 1">
             <a:extLst>
               <a:ext uri="{FF2B5EF4-FFF2-40B4-BE49-F238E27FC236}">
-                <a16:creationId xmlns:a16="http://schemas.microsoft.com/office/drawing/2014/main" id="{8F324A69-E77D-4C86-9DBF-D4EA389396EF}"/>
-              </a:ext>
-            </a:extLst>
-          </p:cNvPr>
-          <p:cNvSpPr>
-            <a:spLocks noGrp="1"/>
-          </p:cNvSpPr>
-          <p:nvPr>
-            <p:ph type="title"/>
-          </p:nvPr>
-        </p:nvSpPr>
-        <p:spPr/>
-        <p:txBody>
-          <a:bodyPr/>
-          <a:lstStyle/>
-          <a:p>
-            <a:r>
-              <a:rPr lang="en-GB" dirty="0"/>
-              <a:t>How the rest of the project will be completed - a step by step approach</a:t>
-            </a:r>
-          </a:p>
-        </p:txBody>
-      </p:sp>
-      <p:sp>
-        <p:nvSpPr>
-          <p:cNvPr id="3" name="Content Placeholder 2">
-            <a:extLst>
-              <a:ext uri="{FF2B5EF4-FFF2-40B4-BE49-F238E27FC236}">
-                <a16:creationId xmlns:a16="http://schemas.microsoft.com/office/drawing/2014/main" id="{71A45AE1-2638-4F63-B49D-651AFC8FA21C}"/>
-              </a:ext>
-            </a:extLst>
-          </p:cNvPr>
-          <p:cNvSpPr>
-            <a:spLocks noGrp="1"/>
-          </p:cNvSpPr>
-          <p:nvPr>
-            <p:ph idx="1"/>
-          </p:nvPr>
-        </p:nvSpPr>
-        <p:spPr/>
-        <p:txBody>
-          <a:bodyPr/>
-          <a:lstStyle/>
-          <a:p>
-            <a:r>
-              <a:rPr lang="en-GB" sz="2400" dirty="0"/>
-              <a:t>Apply methodology to real data:</a:t>
-            </a:r>
-          </a:p>
-          <a:p>
-            <a:pPr>
-              <a:buFont typeface="Wingdings" panose="05000000000000000000" pitchFamily="2" charset="2"/>
-              <a:buChar char="§"/>
-            </a:pPr>
-            <a:r>
-              <a:rPr lang="en-GB" sz="2400" dirty="0"/>
-              <a:t>Based off success of hold out cross-validation method can apply method to real data.</a:t>
-            </a:r>
-          </a:p>
-          <a:p>
-            <a:pPr>
-              <a:buFont typeface="Wingdings" panose="05000000000000000000" pitchFamily="2" charset="2"/>
-              <a:buChar char="§"/>
-            </a:pPr>
-            <a:r>
-              <a:rPr lang="en-GB" sz="2400" dirty="0"/>
-              <a:t>For instance can use South American data that Uieda &amp; Barbosa (2017) used</a:t>
-            </a:r>
-          </a:p>
-          <a:p>
-            <a:pPr>
-              <a:buFont typeface="Wingdings" panose="05000000000000000000" pitchFamily="2" charset="2"/>
-              <a:buChar char="§"/>
-            </a:pPr>
-            <a:r>
-              <a:rPr lang="en-GB" sz="2400" dirty="0"/>
-              <a:t>Or could use new data sets such as Africa or Antarctica</a:t>
-            </a:r>
-            <a:endParaRPr lang="en-GB" dirty="0"/>
-          </a:p>
-        </p:txBody>
-      </p:sp>
-      <p:sp>
-        <p:nvSpPr>
-          <p:cNvPr id="4" name="Slide Number Placeholder 3">
-            <a:extLst>
-              <a:ext uri="{FF2B5EF4-FFF2-40B4-BE49-F238E27FC236}">
-                <a16:creationId xmlns:a16="http://schemas.microsoft.com/office/drawing/2014/main" id="{A2681BDD-54C9-4A00-8C3F-2ADCBB69AE43}"/>
-              </a:ext>
-            </a:extLst>
-          </p:cNvPr>
-          <p:cNvSpPr>
-            <a:spLocks noGrp="1"/>
-          </p:cNvSpPr>
-          <p:nvPr>
-            <p:ph type="sldNum" sz="quarter" idx="12"/>
-          </p:nvPr>
-        </p:nvSpPr>
-        <p:spPr/>
-        <p:txBody>
-          <a:bodyPr/>
-          <a:lstStyle/>
-          <a:p>
-            <a:fld id="{D503D24F-27AF-4A5C-81D9-D96757ADB19D}" type="slidenum">
-              <a:rPr lang="en-GB" smtClean="0"/>
-              <a:t>12</a:t>
-            </a:fld>
-            <a:endParaRPr lang="en-GB" dirty="0"/>
-          </a:p>
-        </p:txBody>
-      </p:sp>
-    </p:spTree>
-    <p:extLst>
-      <p:ext uri="{BB962C8B-B14F-4D97-AF65-F5344CB8AC3E}">
-        <p14:creationId xmlns:p14="http://schemas.microsoft.com/office/powerpoint/2010/main" val="545139458"/>
-      </p:ext>
-    </p:extLst>
-  </p:cSld>
-  <p:clrMapOvr>
-    <a:masterClrMapping/>
-  </p:clrMapOvr>
-</p:sld>
-</file>
-
-<file path=ppt/slides/slide13.xml><?xml version="1.0" encoding="utf-8"?>
-<p:sld xmlns:a="http://schemas.openxmlformats.org/drawingml/2006/main" xmlns:r="http://schemas.openxmlformats.org/officeDocument/2006/relationships" xmlns:p="http://schemas.openxmlformats.org/presentationml/2006/main">
-  <p:cSld>
-    <p:spTree>
-      <p:nvGrpSpPr>
-        <p:cNvPr id="1" name=""/>
-        <p:cNvGrpSpPr/>
-        <p:nvPr/>
-      </p:nvGrpSpPr>
-      <p:grpSpPr>
-        <a:xfrm>
-          <a:off x="0" y="0"/>
-          <a:ext cx="0" cy="0"/>
-          <a:chOff x="0" y="0"/>
-          <a:chExt cx="0" cy="0"/>
-        </a:xfrm>
-      </p:grpSpPr>
-      <p:sp>
-        <p:nvSpPr>
-          <p:cNvPr id="2" name="Title 1">
-            <a:extLst>
-              <a:ext uri="{FF2B5EF4-FFF2-40B4-BE49-F238E27FC236}">
                 <a16:creationId xmlns:a16="http://schemas.microsoft.com/office/drawing/2014/main" id="{31F374F8-8F20-436A-803D-90934B5D406A}"/>
               </a:ext>
             </a:extLst>
@@ -10620,7 +12872,7 @@
           <a:p>
             <a:r>
               <a:rPr lang="en-GB" dirty="0"/>
-              <a:t>How the rest of the project will be completed - a step by step approach</a:t>
+              <a:t>Model effect of a subducting slab</a:t>
             </a:r>
           </a:p>
         </p:txBody>
@@ -10719,7 +12971,7 @@
           <a:p>
             <a:fld id="{D503D24F-27AF-4A5C-81D9-D96757ADB19D}" type="slidenum">
               <a:rPr lang="en-GB" smtClean="0"/>
-              <a:t>13</a:t>
+              <a:t>11</a:t>
             </a:fld>
             <a:endParaRPr lang="en-GB" dirty="0"/>
           </a:p>
@@ -10738,7 +12990,7 @@
 </p:sld>
 </file>
 
-<file path=ppt/slides/slide14.xml><?xml version="1.0" encoding="utf-8"?>
+<file path=ppt/slides/slide12.xml><?xml version="1.0" encoding="utf-8"?>
 <p:sld xmlns:a="http://schemas.openxmlformats.org/drawingml/2006/main" xmlns:r="http://schemas.openxmlformats.org/officeDocument/2006/relationships" xmlns:p="http://schemas.openxmlformats.org/presentationml/2006/main">
   <p:cSld>
     <p:bg>
@@ -10958,7 +13210,7 @@
             </a:pPr>
             <a:r>
               <a:rPr lang="en-GB" sz="2400" dirty="0"/>
-              <a:t>few have included uncertainty estimates</a:t>
+              <a:t>Few have included uncertainty estimates</a:t>
             </a:r>
           </a:p>
           <a:p>
@@ -11184,7 +13436,7 @@
                     <a:sysClr val="windowText" lastClr="000000"/>
                   </a:solidFill>
                 </a:rPr>
-                <a:t>Figure 4- Uncertainty estimates of South America based off residual topography and interpolation. </a:t>
+                <a:t>Figure 6- Uncertainty estimates of South America based off residual topography and interpolation. </a:t>
               </a:r>
               <a:r>
                 <a:rPr lang="en-GB" sz="800" dirty="0">
@@ -11233,7 +13485,7 @@
           <a:p>
             <a:fld id="{D503D24F-27AF-4A5C-81D9-D96757ADB19D}" type="slidenum">
               <a:rPr lang="en-GB" smtClean="0"/>
-              <a:t>14</a:t>
+              <a:t>12</a:t>
             </a:fld>
             <a:endParaRPr lang="en-GB" dirty="0"/>
           </a:p>
@@ -11243,6 +13495,346 @@
     <p:extLst>
       <p:ext uri="{BB962C8B-B14F-4D97-AF65-F5344CB8AC3E}">
         <p14:creationId xmlns:p14="http://schemas.microsoft.com/office/powerpoint/2010/main" val="3148413592"/>
+      </p:ext>
+    </p:extLst>
+  </p:cSld>
+  <p:clrMapOvr>
+    <a:masterClrMapping/>
+  </p:clrMapOvr>
+</p:sld>
+</file>
+
+<file path=ppt/slides/slide13.xml><?xml version="1.0" encoding="utf-8"?>
+<p:sld xmlns:a="http://schemas.openxmlformats.org/drawingml/2006/main" xmlns:r="http://schemas.openxmlformats.org/officeDocument/2006/relationships" xmlns:p="http://schemas.openxmlformats.org/presentationml/2006/main">
+  <p:cSld>
+    <p:spTree>
+      <p:nvGrpSpPr>
+        <p:cNvPr id="1" name=""/>
+        <p:cNvGrpSpPr/>
+        <p:nvPr/>
+      </p:nvGrpSpPr>
+      <p:grpSpPr>
+        <a:xfrm>
+          <a:off x="0" y="0"/>
+          <a:ext cx="0" cy="0"/>
+          <a:chOff x="0" y="0"/>
+          <a:chExt cx="0" cy="0"/>
+        </a:xfrm>
+      </p:grpSpPr>
+      <p:sp>
+        <p:nvSpPr>
+          <p:cNvPr id="2" name="Title 1">
+            <a:extLst>
+              <a:ext uri="{FF2B5EF4-FFF2-40B4-BE49-F238E27FC236}">
+                <a16:creationId xmlns:a16="http://schemas.microsoft.com/office/drawing/2014/main" id="{D827B948-36D0-4ADA-9C48-AD8CD404F18B}"/>
+              </a:ext>
+            </a:extLst>
+          </p:cNvPr>
+          <p:cNvSpPr>
+            <a:spLocks noGrp="1"/>
+          </p:cNvSpPr>
+          <p:nvPr>
+            <p:ph type="title"/>
+          </p:nvPr>
+        </p:nvSpPr>
+        <p:spPr/>
+        <p:txBody>
+          <a:bodyPr/>
+          <a:lstStyle/>
+          <a:p>
+            <a:r>
+              <a:rPr lang="en-GB" dirty="0"/>
+              <a:t>Possible future work</a:t>
+            </a:r>
+          </a:p>
+        </p:txBody>
+      </p:sp>
+      <p:sp>
+        <p:nvSpPr>
+          <p:cNvPr id="3" name="Content Placeholder 2">
+            <a:extLst>
+              <a:ext uri="{FF2B5EF4-FFF2-40B4-BE49-F238E27FC236}">
+                <a16:creationId xmlns:a16="http://schemas.microsoft.com/office/drawing/2014/main" id="{8C95E9D2-737B-4340-AF1E-6051C986625C}"/>
+              </a:ext>
+            </a:extLst>
+          </p:cNvPr>
+          <p:cNvSpPr>
+            <a:spLocks noGrp="1"/>
+          </p:cNvSpPr>
+          <p:nvPr>
+            <p:ph idx="1"/>
+          </p:nvPr>
+        </p:nvSpPr>
+        <p:spPr/>
+        <p:txBody>
+          <a:bodyPr/>
+          <a:lstStyle/>
+          <a:p>
+            <a:pPr>
+              <a:buFont typeface="Wingdings" panose="05000000000000000000" pitchFamily="2" charset="2"/>
+              <a:buChar char="§"/>
+            </a:pPr>
+            <a:r>
+              <a:rPr lang="en-GB" sz="2400" dirty="0"/>
+              <a:t>Adding a variable density contrast</a:t>
+            </a:r>
+          </a:p>
+          <a:p>
+            <a:pPr>
+              <a:buFont typeface="Wingdings" panose="05000000000000000000" pitchFamily="2" charset="2"/>
+              <a:buChar char="§"/>
+            </a:pPr>
+            <a:r>
+              <a:rPr lang="en-GB" sz="2400" dirty="0"/>
+              <a:t>In many papers a single density contrast is used for South America which isn’t geologically correct but does make coding easier</a:t>
+            </a:r>
+          </a:p>
+          <a:p>
+            <a:pPr>
+              <a:buFont typeface="Wingdings" panose="05000000000000000000" pitchFamily="2" charset="2"/>
+              <a:buChar char="§"/>
+            </a:pPr>
+            <a:r>
+              <a:rPr lang="en-GB" sz="2400" dirty="0"/>
+              <a:t>Can implement multiple density contrasts </a:t>
+            </a:r>
+          </a:p>
+          <a:p>
+            <a:pPr>
+              <a:buFont typeface="Wingdings" panose="05000000000000000000" pitchFamily="2" charset="2"/>
+              <a:buChar char="§"/>
+            </a:pPr>
+            <a:r>
+              <a:rPr lang="en-GB" sz="2400" dirty="0"/>
+              <a:t>May change how the unmodelled masses are estimated as well as reduce overall error</a:t>
+            </a:r>
+          </a:p>
+          <a:p>
+            <a:pPr>
+              <a:buFont typeface="Wingdings" panose="05000000000000000000" pitchFamily="2" charset="2"/>
+              <a:buChar char="§"/>
+            </a:pPr>
+            <a:endParaRPr lang="en-GB" sz="2400" dirty="0"/>
+          </a:p>
+          <a:p>
+            <a:pPr>
+              <a:buFont typeface="Wingdings" panose="05000000000000000000" pitchFamily="2" charset="2"/>
+              <a:buChar char="§"/>
+            </a:pPr>
+            <a:endParaRPr lang="en-GB" dirty="0"/>
+          </a:p>
+          <a:p>
+            <a:pPr>
+              <a:buFont typeface="Wingdings" panose="05000000000000000000" pitchFamily="2" charset="2"/>
+              <a:buChar char="§"/>
+            </a:pPr>
+            <a:endParaRPr lang="en-GB" dirty="0"/>
+          </a:p>
+        </p:txBody>
+      </p:sp>
+      <p:sp>
+        <p:nvSpPr>
+          <p:cNvPr id="4" name="Slide Number Placeholder 3">
+            <a:extLst>
+              <a:ext uri="{FF2B5EF4-FFF2-40B4-BE49-F238E27FC236}">
+                <a16:creationId xmlns:a16="http://schemas.microsoft.com/office/drawing/2014/main" id="{4A051920-D46D-49D1-BEB2-0E4A81B9505A}"/>
+              </a:ext>
+            </a:extLst>
+          </p:cNvPr>
+          <p:cNvSpPr>
+            <a:spLocks noGrp="1"/>
+          </p:cNvSpPr>
+          <p:nvPr>
+            <p:ph type="sldNum" sz="quarter" idx="12"/>
+          </p:nvPr>
+        </p:nvSpPr>
+        <p:spPr/>
+        <p:txBody>
+          <a:bodyPr/>
+          <a:lstStyle/>
+          <a:p>
+            <a:fld id="{D503D24F-27AF-4A5C-81D9-D96757ADB19D}" type="slidenum">
+              <a:rPr lang="en-GB" smtClean="0"/>
+              <a:t>13</a:t>
+            </a:fld>
+            <a:endParaRPr lang="en-GB" dirty="0"/>
+          </a:p>
+        </p:txBody>
+      </p:sp>
+    </p:spTree>
+    <p:extLst>
+      <p:ext uri="{BB962C8B-B14F-4D97-AF65-F5344CB8AC3E}">
+        <p14:creationId xmlns:p14="http://schemas.microsoft.com/office/powerpoint/2010/main" val="3956381226"/>
+      </p:ext>
+    </p:extLst>
+  </p:cSld>
+  <p:clrMapOvr>
+    <a:masterClrMapping/>
+  </p:clrMapOvr>
+</p:sld>
+</file>
+
+<file path=ppt/slides/slide14.xml><?xml version="1.0" encoding="utf-8"?>
+<p:sld xmlns:a="http://schemas.openxmlformats.org/drawingml/2006/main" xmlns:r="http://schemas.openxmlformats.org/officeDocument/2006/relationships" xmlns:p="http://schemas.openxmlformats.org/presentationml/2006/main">
+  <p:cSld>
+    <p:spTree>
+      <p:nvGrpSpPr>
+        <p:cNvPr id="1" name=""/>
+        <p:cNvGrpSpPr/>
+        <p:nvPr/>
+      </p:nvGrpSpPr>
+      <p:grpSpPr>
+        <a:xfrm>
+          <a:off x="0" y="0"/>
+          <a:ext cx="0" cy="0"/>
+          <a:chOff x="0" y="0"/>
+          <a:chExt cx="0" cy="0"/>
+        </a:xfrm>
+      </p:grpSpPr>
+      <p:sp>
+        <p:nvSpPr>
+          <p:cNvPr id="2" name="Title 1">
+            <a:extLst>
+              <a:ext uri="{FF2B5EF4-FFF2-40B4-BE49-F238E27FC236}">
+                <a16:creationId xmlns:a16="http://schemas.microsoft.com/office/drawing/2014/main" id="{407C7439-5489-4923-99E6-6D6AA3360B8B}"/>
+              </a:ext>
+            </a:extLst>
+          </p:cNvPr>
+          <p:cNvSpPr>
+            <a:spLocks noGrp="1"/>
+          </p:cNvSpPr>
+          <p:nvPr>
+            <p:ph type="title"/>
+          </p:nvPr>
+        </p:nvSpPr>
+        <p:spPr/>
+        <p:txBody>
+          <a:bodyPr/>
+          <a:lstStyle/>
+          <a:p>
+            <a:r>
+              <a:rPr lang="en-GB" dirty="0"/>
+              <a:t>Final Remarks</a:t>
+            </a:r>
+          </a:p>
+        </p:txBody>
+      </p:sp>
+      <p:sp>
+        <p:nvSpPr>
+          <p:cNvPr id="3" name="Content Placeholder 2">
+            <a:extLst>
+              <a:ext uri="{FF2B5EF4-FFF2-40B4-BE49-F238E27FC236}">
+                <a16:creationId xmlns:a16="http://schemas.microsoft.com/office/drawing/2014/main" id="{B2FA808E-93AA-4755-B8F2-1446C284A52E}"/>
+              </a:ext>
+            </a:extLst>
+          </p:cNvPr>
+          <p:cNvSpPr>
+            <a:spLocks noGrp="1"/>
+          </p:cNvSpPr>
+          <p:nvPr>
+            <p:ph idx="1"/>
+          </p:nvPr>
+        </p:nvSpPr>
+        <p:spPr/>
+        <p:txBody>
+          <a:bodyPr/>
+          <a:lstStyle/>
+          <a:p>
+            <a:pPr>
+              <a:buFont typeface="Wingdings" panose="05000000000000000000" pitchFamily="2" charset="2"/>
+              <a:buChar char="§"/>
+            </a:pPr>
+            <a:r>
+              <a:rPr lang="en-GB" dirty="0"/>
+              <a:t>Modelling Moho depth through Inversion</a:t>
+            </a:r>
+          </a:p>
+          <a:p>
+            <a:pPr>
+              <a:buFont typeface="Wingdings" panose="05000000000000000000" pitchFamily="2" charset="2"/>
+              <a:buChar char="§"/>
+            </a:pPr>
+            <a:r>
+              <a:rPr lang="en-GB" dirty="0"/>
+              <a:t>Hardly any models include uncertainty estimates</a:t>
+            </a:r>
+          </a:p>
+          <a:p>
+            <a:pPr>
+              <a:buFont typeface="Wingdings" panose="05000000000000000000" pitchFamily="2" charset="2"/>
+              <a:buChar char="§"/>
+            </a:pPr>
+            <a:r>
+              <a:rPr lang="en-GB" dirty="0"/>
+              <a:t>Trying to estimate uncertainty from seismic point estimates</a:t>
+            </a:r>
+          </a:p>
+          <a:p>
+            <a:pPr>
+              <a:buFont typeface="Wingdings" panose="05000000000000000000" pitchFamily="2" charset="2"/>
+              <a:buChar char="§"/>
+            </a:pPr>
+            <a:r>
+              <a:rPr lang="en-GB" dirty="0"/>
+              <a:t>Trying to reduce effect of gravity residuals by adding unmodelled masses</a:t>
+            </a:r>
+          </a:p>
+          <a:p>
+            <a:pPr>
+              <a:buFont typeface="Wingdings" panose="05000000000000000000" pitchFamily="2" charset="2"/>
+              <a:buChar char="§"/>
+            </a:pPr>
+            <a:endParaRPr lang="en-GB" dirty="0"/>
+          </a:p>
+          <a:p>
+            <a:pPr>
+              <a:buFont typeface="Wingdings" panose="05000000000000000000" pitchFamily="2" charset="2"/>
+              <a:buChar char="§"/>
+            </a:pPr>
+            <a:endParaRPr lang="en-GB" dirty="0"/>
+          </a:p>
+          <a:p>
+            <a:pPr>
+              <a:buFont typeface="Wingdings" panose="05000000000000000000" pitchFamily="2" charset="2"/>
+              <a:buChar char="§"/>
+            </a:pPr>
+            <a:endParaRPr lang="en-GB" dirty="0"/>
+          </a:p>
+        </p:txBody>
+      </p:sp>
+      <p:sp>
+        <p:nvSpPr>
+          <p:cNvPr id="4" name="Slide Number Placeholder 3">
+            <a:extLst>
+              <a:ext uri="{FF2B5EF4-FFF2-40B4-BE49-F238E27FC236}">
+                <a16:creationId xmlns:a16="http://schemas.microsoft.com/office/drawing/2014/main" id="{67D8EBE7-0E39-47E4-895A-F3715B71F5D9}"/>
+              </a:ext>
+            </a:extLst>
+          </p:cNvPr>
+          <p:cNvSpPr>
+            <a:spLocks noGrp="1"/>
+          </p:cNvSpPr>
+          <p:nvPr>
+            <p:ph type="sldNum" sz="quarter" idx="12"/>
+          </p:nvPr>
+        </p:nvSpPr>
+        <p:spPr/>
+        <p:txBody>
+          <a:bodyPr/>
+          <a:lstStyle/>
+          <a:p>
+            <a:fld id="{D503D24F-27AF-4A5C-81D9-D96757ADB19D}" type="slidenum">
+              <a:rPr lang="en-GB" smtClean="0"/>
+              <a:t>14</a:t>
+            </a:fld>
+            <a:endParaRPr lang="en-GB" dirty="0"/>
+          </a:p>
+        </p:txBody>
+      </p:sp>
+    </p:spTree>
+    <p:extLst>
+      <p:ext uri="{BB962C8B-B14F-4D97-AF65-F5344CB8AC3E}">
+        <p14:creationId xmlns:p14="http://schemas.microsoft.com/office/powerpoint/2010/main" val="2894442954"/>
       </p:ext>
     </p:extLst>
   </p:cSld>
@@ -11274,176 +13866,6 @@
           <p:cNvPr id="2" name="Title 1">
             <a:extLst>
               <a:ext uri="{FF2B5EF4-FFF2-40B4-BE49-F238E27FC236}">
-                <a16:creationId xmlns:a16="http://schemas.microsoft.com/office/drawing/2014/main" id="{D827B948-36D0-4ADA-9C48-AD8CD404F18B}"/>
-              </a:ext>
-            </a:extLst>
-          </p:cNvPr>
-          <p:cNvSpPr>
-            <a:spLocks noGrp="1"/>
-          </p:cNvSpPr>
-          <p:nvPr>
-            <p:ph type="title"/>
-          </p:nvPr>
-        </p:nvSpPr>
-        <p:spPr/>
-        <p:txBody>
-          <a:bodyPr/>
-          <a:lstStyle/>
-          <a:p>
-            <a:r>
-              <a:rPr lang="en-GB" dirty="0"/>
-              <a:t>Possible future work that can be carried out from this project</a:t>
-            </a:r>
-          </a:p>
-        </p:txBody>
-      </p:sp>
-      <p:sp>
-        <p:nvSpPr>
-          <p:cNvPr id="3" name="Content Placeholder 2">
-            <a:extLst>
-              <a:ext uri="{FF2B5EF4-FFF2-40B4-BE49-F238E27FC236}">
-                <a16:creationId xmlns:a16="http://schemas.microsoft.com/office/drawing/2014/main" id="{8C95E9D2-737B-4340-AF1E-6051C986625C}"/>
-              </a:ext>
-            </a:extLst>
-          </p:cNvPr>
-          <p:cNvSpPr>
-            <a:spLocks noGrp="1"/>
-          </p:cNvSpPr>
-          <p:nvPr>
-            <p:ph idx="1"/>
-          </p:nvPr>
-        </p:nvSpPr>
-        <p:spPr/>
-        <p:txBody>
-          <a:bodyPr/>
-          <a:lstStyle/>
-          <a:p>
-            <a:pPr>
-              <a:buFont typeface="Wingdings" panose="05000000000000000000" pitchFamily="2" charset="2"/>
-              <a:buChar char="§"/>
-            </a:pPr>
-            <a:r>
-              <a:rPr lang="en-GB" sz="2400" dirty="0"/>
-              <a:t>Adding a variable density contrast</a:t>
-            </a:r>
-          </a:p>
-          <a:p>
-            <a:pPr>
-              <a:buFont typeface="Wingdings" panose="05000000000000000000" pitchFamily="2" charset="2"/>
-              <a:buChar char="§"/>
-            </a:pPr>
-            <a:r>
-              <a:rPr lang="en-GB" sz="2400" dirty="0"/>
-              <a:t>In many papers a single density contrast is used for South America which isn’t geologically correct but does make coding easier</a:t>
-            </a:r>
-          </a:p>
-          <a:p>
-            <a:pPr>
-              <a:buFont typeface="Wingdings" panose="05000000000000000000" pitchFamily="2" charset="2"/>
-              <a:buChar char="§"/>
-            </a:pPr>
-            <a:r>
-              <a:rPr lang="en-GB" sz="2400" dirty="0"/>
-              <a:t>Can implement multiple density contrasts </a:t>
-            </a:r>
-          </a:p>
-          <a:p>
-            <a:pPr>
-              <a:buFont typeface="Wingdings" panose="05000000000000000000" pitchFamily="2" charset="2"/>
-              <a:buChar char="§"/>
-            </a:pPr>
-            <a:r>
-              <a:rPr lang="en-GB" sz="2400" dirty="0"/>
-              <a:t>May change how the unmodelled masses are estimated as well as reduce overall error</a:t>
-            </a:r>
-          </a:p>
-          <a:p>
-            <a:pPr>
-              <a:buFont typeface="Wingdings" panose="05000000000000000000" pitchFamily="2" charset="2"/>
-              <a:buChar char="§"/>
-            </a:pPr>
-            <a:endParaRPr lang="en-GB" sz="2400" dirty="0"/>
-          </a:p>
-          <a:p>
-            <a:pPr>
-              <a:buFont typeface="Wingdings" panose="05000000000000000000" pitchFamily="2" charset="2"/>
-              <a:buChar char="§"/>
-            </a:pPr>
-            <a:endParaRPr lang="en-GB" dirty="0"/>
-          </a:p>
-          <a:p>
-            <a:pPr>
-              <a:buFont typeface="Wingdings" panose="05000000000000000000" pitchFamily="2" charset="2"/>
-              <a:buChar char="§"/>
-            </a:pPr>
-            <a:endParaRPr lang="en-GB" dirty="0"/>
-          </a:p>
-        </p:txBody>
-      </p:sp>
-      <p:sp>
-        <p:nvSpPr>
-          <p:cNvPr id="4" name="Slide Number Placeholder 3">
-            <a:extLst>
-              <a:ext uri="{FF2B5EF4-FFF2-40B4-BE49-F238E27FC236}">
-                <a16:creationId xmlns:a16="http://schemas.microsoft.com/office/drawing/2014/main" id="{4A051920-D46D-49D1-BEB2-0E4A81B9505A}"/>
-              </a:ext>
-            </a:extLst>
-          </p:cNvPr>
-          <p:cNvSpPr>
-            <a:spLocks noGrp="1"/>
-          </p:cNvSpPr>
-          <p:nvPr>
-            <p:ph type="sldNum" sz="quarter" idx="12"/>
-          </p:nvPr>
-        </p:nvSpPr>
-        <p:spPr/>
-        <p:txBody>
-          <a:bodyPr/>
-          <a:lstStyle/>
-          <a:p>
-            <a:fld id="{D503D24F-27AF-4A5C-81D9-D96757ADB19D}" type="slidenum">
-              <a:rPr lang="en-GB" smtClean="0"/>
-              <a:t>15</a:t>
-            </a:fld>
-            <a:endParaRPr lang="en-GB" dirty="0"/>
-          </a:p>
-        </p:txBody>
-      </p:sp>
-    </p:spTree>
-    <p:extLst>
-      <p:ext uri="{BB962C8B-B14F-4D97-AF65-F5344CB8AC3E}">
-        <p14:creationId xmlns:p14="http://schemas.microsoft.com/office/powerpoint/2010/main" val="3956381226"/>
-      </p:ext>
-    </p:extLst>
-  </p:cSld>
-  <p:clrMapOvr>
-    <a:masterClrMapping/>
-  </p:clrMapOvr>
-</p:sld>
-</file>
-
-<file path=ppt/slides/slide16.xml><?xml version="1.0" encoding="utf-8"?>
-<p:sld xmlns:a="http://schemas.openxmlformats.org/drawingml/2006/main" xmlns:r="http://schemas.openxmlformats.org/officeDocument/2006/relationships" xmlns:p="http://schemas.openxmlformats.org/presentationml/2006/main">
-  <p:cSld>
-    <p:spTree>
-      <p:nvGrpSpPr>
-        <p:cNvPr id="1" name=""/>
-        <p:cNvGrpSpPr/>
-        <p:nvPr/>
-      </p:nvGrpSpPr>
-      <p:grpSpPr>
-        <a:xfrm>
-          <a:off x="0" y="0"/>
-          <a:ext cx="0" cy="0"/>
-          <a:chOff x="0" y="0"/>
-          <a:chExt cx="0" cy="0"/>
-        </a:xfrm>
-      </p:grpSpPr>
-      <p:sp>
-        <p:nvSpPr>
-          <p:cNvPr id="2" name="Title 1">
-            <a:extLst>
-              <a:ext uri="{FF2B5EF4-FFF2-40B4-BE49-F238E27FC236}">
                 <a16:creationId xmlns:a16="http://schemas.microsoft.com/office/drawing/2014/main" id="{FB4DB073-F172-40E6-B32E-205D2CFE8C62}"/>
               </a:ext>
             </a:extLst>
@@ -11609,7 +14031,7 @@
           <a:p>
             <a:fld id="{D503D24F-27AF-4A5C-81D9-D96757ADB19D}" type="slidenum">
               <a:rPr lang="en-GB" smtClean="0"/>
-              <a:t>16</a:t>
+              <a:t>15</a:t>
             </a:fld>
             <a:endParaRPr lang="en-GB" dirty="0"/>
           </a:p>
@@ -11628,250 +14050,7 @@
 </p:sld>
 </file>
 
-<file path=ppt/slides/slide17.xml><?xml version="1.0" encoding="utf-8"?>
-<p:sld xmlns:a="http://schemas.openxmlformats.org/drawingml/2006/main" xmlns:r="http://schemas.openxmlformats.org/officeDocument/2006/relationships" xmlns:p="http://schemas.openxmlformats.org/presentationml/2006/main">
-  <p:cSld>
-    <p:spTree>
-      <p:nvGrpSpPr>
-        <p:cNvPr id="1" name=""/>
-        <p:cNvGrpSpPr/>
-        <p:nvPr/>
-      </p:nvGrpSpPr>
-      <p:grpSpPr>
-        <a:xfrm>
-          <a:off x="0" y="0"/>
-          <a:ext cx="0" cy="0"/>
-          <a:chOff x="0" y="0"/>
-          <a:chExt cx="0" cy="0"/>
-        </a:xfrm>
-      </p:grpSpPr>
-      <p:sp>
-        <p:nvSpPr>
-          <p:cNvPr id="2" name="Title 1">
-            <a:extLst>
-              <a:ext uri="{FF2B5EF4-FFF2-40B4-BE49-F238E27FC236}">
-                <a16:creationId xmlns:a16="http://schemas.microsoft.com/office/drawing/2014/main" id="{17F21A11-65A7-4E6D-B33B-483C3BCF32F0}"/>
-              </a:ext>
-            </a:extLst>
-          </p:cNvPr>
-          <p:cNvSpPr>
-            <a:spLocks noGrp="1"/>
-          </p:cNvSpPr>
-          <p:nvPr>
-            <p:ph type="title"/>
-          </p:nvPr>
-        </p:nvSpPr>
-        <p:spPr/>
-        <p:txBody>
-          <a:bodyPr/>
-          <a:lstStyle/>
-          <a:p>
-            <a:r>
-              <a:rPr lang="en-GB" dirty="0"/>
-              <a:t>Discussion/Questions?</a:t>
-            </a:r>
-          </a:p>
-        </p:txBody>
-      </p:sp>
-      <p:sp>
-        <p:nvSpPr>
-          <p:cNvPr id="3" name="Slide Number Placeholder 2">
-            <a:extLst>
-              <a:ext uri="{FF2B5EF4-FFF2-40B4-BE49-F238E27FC236}">
-                <a16:creationId xmlns:a16="http://schemas.microsoft.com/office/drawing/2014/main" id="{DDD38522-2CF6-4B82-8B20-1926702D2573}"/>
-              </a:ext>
-            </a:extLst>
-          </p:cNvPr>
-          <p:cNvSpPr>
-            <a:spLocks noGrp="1"/>
-          </p:cNvSpPr>
-          <p:nvPr>
-            <p:ph type="sldNum" sz="quarter" idx="12"/>
-          </p:nvPr>
-        </p:nvSpPr>
-        <p:spPr/>
-        <p:txBody>
-          <a:bodyPr/>
-          <a:lstStyle/>
-          <a:p>
-            <a:fld id="{D503D24F-27AF-4A5C-81D9-D96757ADB19D}" type="slidenum">
-              <a:rPr lang="en-GB" smtClean="0"/>
-              <a:t>17</a:t>
-            </a:fld>
-            <a:endParaRPr lang="en-GB" dirty="0"/>
-          </a:p>
-        </p:txBody>
-      </p:sp>
-    </p:spTree>
-    <p:extLst>
-      <p:ext uri="{BB962C8B-B14F-4D97-AF65-F5344CB8AC3E}">
-        <p14:creationId xmlns:p14="http://schemas.microsoft.com/office/powerpoint/2010/main" val="3573823274"/>
-      </p:ext>
-    </p:extLst>
-  </p:cSld>
-  <p:clrMapOvr>
-    <a:masterClrMapping/>
-  </p:clrMapOvr>
-</p:sld>
-</file>
-
-<file path=ppt/slides/slide18.xml><?xml version="1.0" encoding="utf-8"?>
-<p:sld xmlns:a="http://schemas.openxmlformats.org/drawingml/2006/main" xmlns:r="http://schemas.openxmlformats.org/officeDocument/2006/relationships" xmlns:p="http://schemas.openxmlformats.org/presentationml/2006/main">
-  <p:cSld>
-    <p:spTree>
-      <p:nvGrpSpPr>
-        <p:cNvPr id="1" name=""/>
-        <p:cNvGrpSpPr/>
-        <p:nvPr/>
-      </p:nvGrpSpPr>
-      <p:grpSpPr>
-        <a:xfrm>
-          <a:off x="0" y="0"/>
-          <a:ext cx="0" cy="0"/>
-          <a:chOff x="0" y="0"/>
-          <a:chExt cx="0" cy="0"/>
-        </a:xfrm>
-      </p:grpSpPr>
-      <p:sp>
-        <p:nvSpPr>
-          <p:cNvPr id="2" name="Title 1">
-            <a:extLst>
-              <a:ext uri="{FF2B5EF4-FFF2-40B4-BE49-F238E27FC236}">
-                <a16:creationId xmlns:a16="http://schemas.microsoft.com/office/drawing/2014/main" id="{95ED474E-1490-4CDF-881C-92D76D1DC44B}"/>
-              </a:ext>
-            </a:extLst>
-          </p:cNvPr>
-          <p:cNvSpPr>
-            <a:spLocks noGrp="1"/>
-          </p:cNvSpPr>
-          <p:nvPr>
-            <p:ph type="title"/>
-          </p:nvPr>
-        </p:nvSpPr>
-        <p:spPr/>
-        <p:txBody>
-          <a:bodyPr/>
-          <a:lstStyle/>
-          <a:p>
-            <a:r>
-              <a:rPr lang="en-GB" dirty="0"/>
-              <a:t>Notes to add</a:t>
-            </a:r>
-          </a:p>
-        </p:txBody>
-      </p:sp>
-      <p:sp>
-        <p:nvSpPr>
-          <p:cNvPr id="3" name="Slide Number Placeholder 2">
-            <a:extLst>
-              <a:ext uri="{FF2B5EF4-FFF2-40B4-BE49-F238E27FC236}">
-                <a16:creationId xmlns:a16="http://schemas.microsoft.com/office/drawing/2014/main" id="{89AD6F1D-36B2-42CF-B8E8-65EB2F15DED6}"/>
-              </a:ext>
-            </a:extLst>
-          </p:cNvPr>
-          <p:cNvSpPr>
-            <a:spLocks noGrp="1"/>
-          </p:cNvSpPr>
-          <p:nvPr>
-            <p:ph type="sldNum" sz="quarter" idx="12"/>
-          </p:nvPr>
-        </p:nvSpPr>
-        <p:spPr/>
-        <p:txBody>
-          <a:bodyPr/>
-          <a:lstStyle/>
-          <a:p>
-            <a:fld id="{D503D24F-27AF-4A5C-81D9-D96757ADB19D}" type="slidenum">
-              <a:rPr lang="en-GB" smtClean="0"/>
-              <a:t>18</a:t>
-            </a:fld>
-            <a:endParaRPr lang="en-GB" dirty="0"/>
-          </a:p>
-        </p:txBody>
-      </p:sp>
-      <p:sp>
-        <p:nvSpPr>
-          <p:cNvPr id="4" name="TextBox 3">
-            <a:extLst>
-              <a:ext uri="{FF2B5EF4-FFF2-40B4-BE49-F238E27FC236}">
-                <a16:creationId xmlns:a16="http://schemas.microsoft.com/office/drawing/2014/main" id="{0D71A63C-6EBE-40B9-BE6E-1AB1632C9567}"/>
-              </a:ext>
-            </a:extLst>
-          </p:cNvPr>
-          <p:cNvSpPr txBox="1"/>
-          <p:nvPr/>
-        </p:nvSpPr>
-        <p:spPr>
-          <a:xfrm>
-            <a:off x="1097280" y="2054578"/>
-            <a:ext cx="10115203" cy="1200329"/>
-          </a:xfrm>
-          <a:prstGeom prst="rect">
-            <a:avLst/>
-          </a:prstGeom>
-          <a:noFill/>
-        </p:spPr>
-        <p:txBody>
-          <a:bodyPr wrap="square" rtlCol="0">
-            <a:spAutoFit/>
-          </a:bodyPr>
-          <a:lstStyle/>
-          <a:p>
-            <a:pPr marL="285750" indent="-285750">
-              <a:buFont typeface="Wingdings" panose="05000000000000000000" pitchFamily="2" charset="2"/>
-              <a:buChar char="§"/>
-            </a:pPr>
-            <a:r>
-              <a:rPr lang="en-GB" dirty="0"/>
-              <a:t>Take out sentences really short bullet points</a:t>
-            </a:r>
-          </a:p>
-          <a:p>
-            <a:pPr marL="285750" indent="-285750">
-              <a:buFont typeface="Wingdings" panose="05000000000000000000" pitchFamily="2" charset="2"/>
-              <a:buChar char="§"/>
-            </a:pPr>
-            <a:r>
-              <a:rPr lang="en-GB" dirty="0"/>
-              <a:t>Add lit rev stuff</a:t>
-            </a:r>
-          </a:p>
-          <a:p>
-            <a:pPr marL="285750" indent="-285750">
-              <a:buFont typeface="Wingdings" panose="05000000000000000000" pitchFamily="2" charset="2"/>
-              <a:buChar char="§"/>
-            </a:pPr>
-            <a:r>
-              <a:rPr lang="en-GB" dirty="0"/>
-              <a:t>Leos lectures stuff</a:t>
-            </a:r>
-          </a:p>
-          <a:p>
-            <a:pPr marL="285750" indent="-285750">
-              <a:buFont typeface="Wingdings" panose="05000000000000000000" pitchFamily="2" charset="2"/>
-              <a:buChar char="§"/>
-            </a:pPr>
-            <a:r>
-              <a:rPr lang="en-GB" dirty="0"/>
-              <a:t>Explain what Tesseroid use means- large area so cannot consider surface to be flat.</a:t>
-            </a:r>
-          </a:p>
-        </p:txBody>
-      </p:sp>
-    </p:spTree>
-    <p:extLst>
-      <p:ext uri="{BB962C8B-B14F-4D97-AF65-F5344CB8AC3E}">
-        <p14:creationId xmlns:p14="http://schemas.microsoft.com/office/powerpoint/2010/main" val="1779281672"/>
-      </p:ext>
-    </p:extLst>
-  </p:cSld>
-  <p:clrMapOvr>
-    <a:masterClrMapping/>
-  </p:clrMapOvr>
-</p:sld>
-</file>
-
-<file path=ppt/slides/slide2.xml><?xml version="1.0" encoding="utf-8"?>
+<file path=ppt/slides/slide16.xml><?xml version="1.0" encoding="utf-8"?>
 <p:sld xmlns:a="http://schemas.openxmlformats.org/drawingml/2006/main" xmlns:r="http://schemas.openxmlformats.org/officeDocument/2006/relationships" xmlns:p="http://schemas.openxmlformats.org/presentationml/2006/main">
   <p:cSld>
     <p:bg>
@@ -11985,7 +14164,7 @@
           <a:p>
             <a:fld id="{D503D24F-27AF-4A5C-81D9-D96757ADB19D}" type="slidenum">
               <a:rPr lang="en-GB" smtClean="0"/>
-              <a:t>2</a:t>
+              <a:t>16</a:t>
             </a:fld>
             <a:endParaRPr lang="en-GB" dirty="0"/>
           </a:p>
@@ -12004,7 +14183,7 @@
 </p:sld>
 </file>
 
-<file path=ppt/slides/slide3.xml><?xml version="1.0" encoding="utf-8"?>
+<file path=ppt/slides/slide2.xml><?xml version="1.0" encoding="utf-8"?>
 <p:sld xmlns:a="http://schemas.openxmlformats.org/drawingml/2006/main" xmlns:r="http://schemas.openxmlformats.org/officeDocument/2006/relationships" xmlns:p="http://schemas.openxmlformats.org/presentationml/2006/main">
   <p:cSld>
     <p:bg>
@@ -12288,29 +14467,6 @@
                   <a:schemeClr val="tx1"/>
                 </a:solidFill>
               </a:rPr>
-              <a:t>C</a:t>
-            </a:r>
-            <a:r>
-              <a:rPr lang="en-GB" sz="1800" b="0" i="0" dirty="0">
-                <a:solidFill>
-                  <a:schemeClr val="tx1"/>
-                </a:solidFill>
-                <a:effectLst/>
-              </a:rPr>
-              <a:t>annot be modelled by observation alone</a:t>
-            </a:r>
-          </a:p>
-          <a:p>
-            <a:pPr>
-              <a:buFont typeface="Wingdings" panose="05000000000000000000" pitchFamily="2" charset="2"/>
-              <a:buChar char="§"/>
-            </a:pPr>
-            <a:r>
-              <a:rPr lang="en-GB" sz="1800" dirty="0">
-                <a:solidFill>
-                  <a:schemeClr val="tx1"/>
-                </a:solidFill>
-              </a:rPr>
               <a:t>Needs data to estimate boundary</a:t>
             </a:r>
           </a:p>
@@ -12518,7 +14674,7 @@
                   <a:spcPts val="600"/>
                 </a:spcAft>
               </a:pPr>
-              <a:t>3</a:t>
+              <a:t>2</a:t>
             </a:fld>
             <a:endParaRPr lang="en-GB"/>
           </a:p>
@@ -12604,6 +14760,89 @@
           </a:p>
         </p:txBody>
       </p:sp>
+      <p:cxnSp>
+        <p:nvCxnSpPr>
+          <p:cNvPr id="8" name="Straight Arrow Connector 7">
+            <a:extLst>
+              <a:ext uri="{FF2B5EF4-FFF2-40B4-BE49-F238E27FC236}">
+                <a16:creationId xmlns:a16="http://schemas.microsoft.com/office/drawing/2014/main" id="{1A9F363E-736F-4FAD-8EC1-19D8B2AA71E7}"/>
+              </a:ext>
+            </a:extLst>
+          </p:cNvPr>
+          <p:cNvCxnSpPr>
+            <a:cxnSpLocks/>
+          </p:cNvCxnSpPr>
+          <p:nvPr/>
+        </p:nvCxnSpPr>
+        <p:spPr>
+          <a:xfrm>
+            <a:off x="1772356" y="1060691"/>
+            <a:ext cx="948266" cy="734242"/>
+          </a:xfrm>
+          <a:prstGeom prst="straightConnector1">
+            <a:avLst/>
+          </a:prstGeom>
+          <a:ln w="47625" cap="flat" cmpd="sng" algn="ctr">
+            <a:solidFill>
+              <a:schemeClr val="accent2"/>
+            </a:solidFill>
+            <a:prstDash val="solid"/>
+            <a:round/>
+            <a:headEnd type="none" w="med" len="med"/>
+            <a:tailEnd type="arrow" w="med" len="med"/>
+          </a:ln>
+        </p:spPr>
+        <p:style>
+          <a:lnRef idx="0">
+            <a:scrgbClr r="0" g="0" b="0"/>
+          </a:lnRef>
+          <a:fillRef idx="0">
+            <a:scrgbClr r="0" g="0" b="0"/>
+          </a:fillRef>
+          <a:effectRef idx="0">
+            <a:scrgbClr r="0" g="0" b="0"/>
+          </a:effectRef>
+          <a:fontRef idx="minor">
+            <a:schemeClr val="tx1"/>
+          </a:fontRef>
+        </p:style>
+      </p:cxnSp>
+      <p:sp>
+        <p:nvSpPr>
+          <p:cNvPr id="13" name="TextBox 12">
+            <a:extLst>
+              <a:ext uri="{FF2B5EF4-FFF2-40B4-BE49-F238E27FC236}">
+                <a16:creationId xmlns:a16="http://schemas.microsoft.com/office/drawing/2014/main" id="{06D9DC84-A5E5-4B70-8BFF-2233F0687C18}"/>
+              </a:ext>
+            </a:extLst>
+          </p:cNvPr>
+          <p:cNvSpPr txBox="1"/>
+          <p:nvPr/>
+        </p:nvSpPr>
+        <p:spPr>
+          <a:xfrm>
+            <a:off x="285656" y="759574"/>
+            <a:ext cx="1704622" cy="369332"/>
+          </a:xfrm>
+          <a:prstGeom prst="rect">
+            <a:avLst/>
+          </a:prstGeom>
+          <a:noFill/>
+        </p:spPr>
+        <p:txBody>
+          <a:bodyPr wrap="square" rtlCol="0">
+            <a:spAutoFit/>
+          </a:bodyPr>
+          <a:lstStyle/>
+          <a:p>
+            <a:pPr algn="r"/>
+            <a:r>
+              <a:rPr lang="en-GB" dirty="0"/>
+              <a:t>Moho</a:t>
+            </a:r>
+          </a:p>
+        </p:txBody>
+      </p:sp>
     </p:spTree>
     <p:extLst>
       <p:ext uri="{BB962C8B-B14F-4D97-AF65-F5344CB8AC3E}">
@@ -12617,7 +14856,7 @@
 </p:sld>
 </file>
 
-<file path=ppt/slides/slide4.xml><?xml version="1.0" encoding="utf-8"?>
+<file path=ppt/slides/slide3.xml><?xml version="1.0" encoding="utf-8"?>
 <p:sld xmlns:a="http://schemas.openxmlformats.org/drawingml/2006/main" xmlns:r="http://schemas.openxmlformats.org/officeDocument/2006/relationships" xmlns:p="http://schemas.openxmlformats.org/presentationml/2006/main">
   <p:cSld>
     <p:spTree>
@@ -12662,379 +14901,14 @@
           </a:p>
         </p:txBody>
       </p:sp>
-      <p:sp>
-        <p:nvSpPr>
-          <p:cNvPr id="3" name="Content Placeholder 2">
-            <a:extLst>
-              <a:ext uri="{FF2B5EF4-FFF2-40B4-BE49-F238E27FC236}">
-                <a16:creationId xmlns:a16="http://schemas.microsoft.com/office/drawing/2014/main" id="{A17F15CC-D86C-4D70-A848-CD0111D5805C}"/>
-              </a:ext>
-            </a:extLst>
-          </p:cNvPr>
-          <p:cNvSpPr>
-            <a:spLocks noGrp="1"/>
-          </p:cNvSpPr>
-          <p:nvPr>
-            <p:ph idx="1"/>
-          </p:nvPr>
-        </p:nvSpPr>
-        <p:spPr>
-          <a:xfrm>
-            <a:off x="1097281" y="1845734"/>
-            <a:ext cx="4286250" cy="4023360"/>
-          </a:xfrm>
-        </p:spPr>
-        <p:txBody>
-          <a:bodyPr/>
-          <a:lstStyle/>
-          <a:p>
-            <a:r>
-              <a:rPr lang="en-GB" dirty="0"/>
-              <a:t>What actually is inversion?</a:t>
-            </a:r>
-          </a:p>
-          <a:p>
-            <a:pPr>
-              <a:buFont typeface="Wingdings" panose="05000000000000000000" pitchFamily="2" charset="2"/>
-              <a:buChar char="§"/>
-            </a:pPr>
-            <a:r>
-              <a:rPr lang="en-GB" dirty="0"/>
-              <a:t>Using data to interpret a physical property</a:t>
-            </a:r>
-          </a:p>
-          <a:p>
-            <a:pPr>
-              <a:buFont typeface="Wingdings" panose="05000000000000000000" pitchFamily="2" charset="2"/>
-              <a:buChar char="§"/>
-            </a:pPr>
-            <a:r>
-              <a:rPr lang="en-GB" dirty="0"/>
-              <a:t>This project uses seismic and gravitational to estimate Moho</a:t>
-            </a:r>
-          </a:p>
-        </p:txBody>
-      </p:sp>
-      <p:sp>
-        <p:nvSpPr>
-          <p:cNvPr id="4" name="Slide Number Placeholder 3">
-            <a:extLst>
-              <a:ext uri="{FF2B5EF4-FFF2-40B4-BE49-F238E27FC236}">
-                <a16:creationId xmlns:a16="http://schemas.microsoft.com/office/drawing/2014/main" id="{C841546A-B33C-4A7E-9C2D-78A51F2E3830}"/>
-              </a:ext>
-            </a:extLst>
-          </p:cNvPr>
-          <p:cNvSpPr>
-            <a:spLocks noGrp="1"/>
-          </p:cNvSpPr>
-          <p:nvPr>
-            <p:ph type="sldNum" sz="quarter" idx="12"/>
-          </p:nvPr>
-        </p:nvSpPr>
-        <p:spPr/>
-        <p:txBody>
-          <a:bodyPr/>
-          <a:lstStyle/>
-          <a:p>
-            <a:fld id="{D503D24F-27AF-4A5C-81D9-D96757ADB19D}" type="slidenum">
-              <a:rPr lang="en-GB" smtClean="0"/>
-              <a:t>4</a:t>
-            </a:fld>
-            <a:endParaRPr lang="en-GB" dirty="0"/>
-          </a:p>
-        </p:txBody>
-      </p:sp>
-      <p:pic>
-        <p:nvPicPr>
-          <p:cNvPr id="5" name="Picture 4">
-            <a:extLst>
-              <a:ext uri="{FF2B5EF4-FFF2-40B4-BE49-F238E27FC236}">
-                <a16:creationId xmlns:a16="http://schemas.microsoft.com/office/drawing/2014/main" id="{7C00028E-EA46-4CE3-9D92-673580F48DFA}"/>
-              </a:ext>
-            </a:extLst>
-          </p:cNvPr>
-          <p:cNvPicPr>
-            <a:picLocks noChangeAspect="1"/>
-          </p:cNvPicPr>
-          <p:nvPr/>
-        </p:nvPicPr>
-        <p:blipFill>
-          <a:blip r:embed="rId2"/>
-          <a:stretch>
-            <a:fillRect/>
-          </a:stretch>
-        </p:blipFill>
-        <p:spPr>
-          <a:xfrm>
-            <a:off x="5383531" y="1845734"/>
-            <a:ext cx="5367587" cy="3816951"/>
-          </a:xfrm>
-          <a:prstGeom prst="rect">
-            <a:avLst/>
-          </a:prstGeom>
-        </p:spPr>
-      </p:pic>
-      <p:sp>
-        <p:nvSpPr>
-          <p:cNvPr id="6" name="TextBox 5">
-            <a:extLst>
-              <a:ext uri="{FF2B5EF4-FFF2-40B4-BE49-F238E27FC236}">
-                <a16:creationId xmlns:a16="http://schemas.microsoft.com/office/drawing/2014/main" id="{D0490B95-1927-4CDA-9B07-18A19C6351DF}"/>
-              </a:ext>
-            </a:extLst>
-          </p:cNvPr>
-          <p:cNvSpPr txBox="1"/>
-          <p:nvPr/>
-        </p:nvSpPr>
-        <p:spPr>
-          <a:xfrm>
-            <a:off x="5383531" y="5667022"/>
-            <a:ext cx="5374780" cy="461665"/>
-          </a:xfrm>
-          <a:prstGeom prst="rect">
-            <a:avLst/>
-          </a:prstGeom>
-          <a:noFill/>
-        </p:spPr>
-        <p:txBody>
-          <a:bodyPr wrap="square" rtlCol="0">
-            <a:spAutoFit/>
-          </a:bodyPr>
-          <a:lstStyle/>
-          <a:p>
-            <a:r>
-              <a:rPr lang="en-GB" sz="800" dirty="0"/>
-              <a:t>Figure 2- A flow chart explaining geophysical inversion. (F. Jones, 2007, Inversion concepts: Introducing geophysical inversion, UBC Geophysical Inversion Facility, viewed 3 January 2021 &lt;https://www.eoas.ubc.ca/research/ubcgif/iag/tutorials/invn-concepts/index.htm&gt;</a:t>
-            </a:r>
-          </a:p>
-        </p:txBody>
-      </p:sp>
-    </p:spTree>
-    <p:extLst>
-      <p:ext uri="{BB962C8B-B14F-4D97-AF65-F5344CB8AC3E}">
-        <p14:creationId xmlns:p14="http://schemas.microsoft.com/office/powerpoint/2010/main" val="4018118372"/>
-      </p:ext>
-    </p:extLst>
-  </p:cSld>
-  <p:clrMapOvr>
-    <a:masterClrMapping/>
-  </p:clrMapOvr>
-</p:sld>
-</file>
-
-<file path=ppt/slides/slide5.xml><?xml version="1.0" encoding="utf-8"?>
-<p:sld xmlns:a="http://schemas.openxmlformats.org/drawingml/2006/main" xmlns:r="http://schemas.openxmlformats.org/officeDocument/2006/relationships" xmlns:p="http://schemas.openxmlformats.org/presentationml/2006/main">
-  <p:cSld>
-    <p:spTree>
-      <p:nvGrpSpPr>
-        <p:cNvPr id="1" name=""/>
-        <p:cNvGrpSpPr/>
-        <p:nvPr/>
-      </p:nvGrpSpPr>
-      <p:grpSpPr>
-        <a:xfrm>
-          <a:off x="0" y="0"/>
-          <a:ext cx="0" cy="0"/>
-          <a:chOff x="0" y="0"/>
-          <a:chExt cx="0" cy="0"/>
-        </a:xfrm>
-      </p:grpSpPr>
-      <p:sp>
-        <p:nvSpPr>
-          <p:cNvPr id="2" name="Title 1">
-            <a:extLst>
-              <a:ext uri="{FF2B5EF4-FFF2-40B4-BE49-F238E27FC236}">
-                <a16:creationId xmlns:a16="http://schemas.microsoft.com/office/drawing/2014/main" id="{9C2E9537-376C-4664-B188-409F1E264EE5}"/>
-              </a:ext>
-            </a:extLst>
-          </p:cNvPr>
-          <p:cNvSpPr>
-            <a:spLocks noGrp="1"/>
-          </p:cNvSpPr>
-          <p:nvPr>
-            <p:ph type="title"/>
-          </p:nvPr>
-        </p:nvSpPr>
-        <p:spPr/>
-        <p:txBody>
-          <a:bodyPr/>
-          <a:lstStyle/>
-          <a:p>
-            <a:r>
-              <a:rPr lang="en-GB" dirty="0"/>
-              <a:t>Background work already completed</a:t>
-            </a:r>
-          </a:p>
-        </p:txBody>
-      </p:sp>
-      <p:sp>
-        <p:nvSpPr>
-          <p:cNvPr id="3" name="Content Placeholder 2">
-            <a:extLst>
-              <a:ext uri="{FF2B5EF4-FFF2-40B4-BE49-F238E27FC236}">
-                <a16:creationId xmlns:a16="http://schemas.microsoft.com/office/drawing/2014/main" id="{03A9E5EF-A26B-4A90-9530-88D227D00236}"/>
-              </a:ext>
-            </a:extLst>
-          </p:cNvPr>
-          <p:cNvSpPr>
-            <a:spLocks noGrp="1"/>
-          </p:cNvSpPr>
-          <p:nvPr>
-            <p:ph idx="1"/>
-          </p:nvPr>
-        </p:nvSpPr>
-        <p:spPr/>
-        <p:txBody>
-          <a:bodyPr>
-            <a:normAutofit/>
-          </a:bodyPr>
-          <a:lstStyle/>
-          <a:p>
-            <a:pPr marL="0" indent="0">
-              <a:buNone/>
-            </a:pPr>
-            <a:r>
-              <a:rPr lang="en-GB" sz="2400" dirty="0"/>
-              <a:t>Been working on this project since August 2020 and since then have:</a:t>
-            </a:r>
-          </a:p>
-          <a:p>
-            <a:pPr>
-              <a:buFont typeface="Wingdings" panose="05000000000000000000" pitchFamily="2" charset="2"/>
-              <a:buChar char="§"/>
-            </a:pPr>
-            <a:r>
-              <a:rPr lang="en-GB" sz="2400" dirty="0"/>
-              <a:t>Learnt how to use the GitHub website</a:t>
-            </a:r>
-          </a:p>
-          <a:p>
-            <a:pPr>
-              <a:buFont typeface="Wingdings" panose="05000000000000000000" pitchFamily="2" charset="2"/>
-              <a:buChar char="§"/>
-            </a:pPr>
-            <a:r>
-              <a:rPr lang="en-GB" sz="2400" dirty="0"/>
-              <a:t>Background reading on the field</a:t>
-            </a:r>
-          </a:p>
-          <a:p>
-            <a:pPr>
-              <a:buFont typeface="Wingdings" panose="05000000000000000000" pitchFamily="2" charset="2"/>
-              <a:buChar char="§"/>
-            </a:pPr>
-            <a:r>
-              <a:rPr lang="en-GB" sz="2400" dirty="0"/>
-              <a:t>Studied basics of geophysical inversion (linear and non-linear)</a:t>
-            </a:r>
-          </a:p>
-          <a:p>
-            <a:pPr>
-              <a:buFont typeface="Wingdings" panose="05000000000000000000" pitchFamily="2" charset="2"/>
-              <a:buChar char="§"/>
-            </a:pPr>
-            <a:r>
-              <a:rPr lang="en-GB" sz="2400" dirty="0"/>
-              <a:t>A literature review of the current state of the field</a:t>
-            </a:r>
-          </a:p>
-        </p:txBody>
-      </p:sp>
-      <p:sp>
-        <p:nvSpPr>
-          <p:cNvPr id="4" name="Slide Number Placeholder 3">
-            <a:extLst>
-              <a:ext uri="{FF2B5EF4-FFF2-40B4-BE49-F238E27FC236}">
-                <a16:creationId xmlns:a16="http://schemas.microsoft.com/office/drawing/2014/main" id="{102EC742-6B45-46E7-835F-F45505CAF870}"/>
-              </a:ext>
-            </a:extLst>
-          </p:cNvPr>
-          <p:cNvSpPr>
-            <a:spLocks noGrp="1"/>
-          </p:cNvSpPr>
-          <p:nvPr>
-            <p:ph type="sldNum" sz="quarter" idx="12"/>
-          </p:nvPr>
-        </p:nvSpPr>
-        <p:spPr/>
-        <p:txBody>
-          <a:bodyPr/>
-          <a:lstStyle/>
-          <a:p>
-            <a:fld id="{D503D24F-27AF-4A5C-81D9-D96757ADB19D}" type="slidenum">
-              <a:rPr lang="en-GB" smtClean="0"/>
-              <a:t>5</a:t>
-            </a:fld>
-            <a:endParaRPr lang="en-GB" dirty="0"/>
-          </a:p>
-        </p:txBody>
-      </p:sp>
-    </p:spTree>
-    <p:extLst>
-      <p:ext uri="{BB962C8B-B14F-4D97-AF65-F5344CB8AC3E}">
-        <p14:creationId xmlns:p14="http://schemas.microsoft.com/office/powerpoint/2010/main" val="444053975"/>
-      </p:ext>
-    </p:extLst>
-  </p:cSld>
-  <p:clrMapOvr>
-    <a:masterClrMapping/>
-  </p:clrMapOvr>
-</p:sld>
-</file>
-
-<file path=ppt/slides/slide6.xml><?xml version="1.0" encoding="utf-8"?>
-<p:sld xmlns:a="http://schemas.openxmlformats.org/drawingml/2006/main" xmlns:r="http://schemas.openxmlformats.org/officeDocument/2006/relationships" xmlns:p="http://schemas.openxmlformats.org/presentationml/2006/main">
-  <p:cSld>
-    <p:spTree>
-      <p:nvGrpSpPr>
-        <p:cNvPr id="1" name=""/>
-        <p:cNvGrpSpPr/>
-        <p:nvPr/>
-      </p:nvGrpSpPr>
-      <p:grpSpPr>
-        <a:xfrm>
-          <a:off x="0" y="0"/>
-          <a:ext cx="0" cy="0"/>
-          <a:chOff x="0" y="0"/>
-          <a:chExt cx="0" cy="0"/>
-        </a:xfrm>
-      </p:grpSpPr>
-      <p:sp>
-        <p:nvSpPr>
-          <p:cNvPr id="2" name="Title 1">
-            <a:extLst>
-              <a:ext uri="{FF2B5EF4-FFF2-40B4-BE49-F238E27FC236}">
-                <a16:creationId xmlns:a16="http://schemas.microsoft.com/office/drawing/2014/main" id="{B58DC134-AF2E-477E-98F8-02F590A4122F}"/>
-              </a:ext>
-            </a:extLst>
-          </p:cNvPr>
-          <p:cNvSpPr>
-            <a:spLocks noGrp="1"/>
-          </p:cNvSpPr>
-          <p:nvPr>
-            <p:ph type="title"/>
-          </p:nvPr>
-        </p:nvSpPr>
-        <p:spPr/>
-        <p:txBody>
-          <a:bodyPr/>
-          <a:lstStyle/>
-          <a:p>
-            <a:r>
-              <a:rPr lang="en-GB" dirty="0"/>
-              <a:t>Background work already completed</a:t>
-            </a:r>
-          </a:p>
-        </p:txBody>
-      </p:sp>
-      <mc:AlternateContent xmlns:mc="http://schemas.openxmlformats.org/markup-compatibility/2006">
-        <mc:Choice xmlns:a14="http://schemas.microsoft.com/office/drawing/2010/main" Requires="a14">
+      <mc:AlternateContent xmlns:mc="http://schemas.openxmlformats.org/markup-compatibility/2006" xmlns:a14="http://schemas.microsoft.com/office/drawing/2010/main">
+        <mc:Choice Requires="a14">
           <p:sp>
             <p:nvSpPr>
               <p:cNvPr id="3" name="Content Placeholder 2">
                 <a:extLst>
                   <a:ext uri="{FF2B5EF4-FFF2-40B4-BE49-F238E27FC236}">
-                    <a16:creationId xmlns:a16="http://schemas.microsoft.com/office/drawing/2014/main" id="{36240FA2-74ED-4FE6-BE21-CD6A1A806AF3}"/>
+                    <a16:creationId xmlns:a16="http://schemas.microsoft.com/office/drawing/2014/main" id="{A17F15CC-D86C-4D70-A848-CD0111D5805C}"/>
                   </a:ext>
                 </a:extLst>
               </p:cNvPr>
@@ -13045,14 +14919,39 @@
                 <p:ph idx="1"/>
               </p:nvPr>
             </p:nvSpPr>
-            <p:spPr/>
+            <p:spPr>
+              <a:xfrm>
+                <a:off x="1097281" y="1845734"/>
+                <a:ext cx="4286250" cy="4023360"/>
+              </a:xfrm>
+            </p:spPr>
             <p:txBody>
               <a:bodyPr/>
               <a:lstStyle/>
               <a:p>
                 <a:r>
                   <a:rPr lang="en-GB" dirty="0"/>
-                  <a:t>What's the difference between a linear and non-linear inverse problem?</a:t>
+                  <a:t>What actually is inversion?</a:t>
+                </a:r>
+              </a:p>
+              <a:p>
+                <a:pPr>
+                  <a:buFont typeface="Wingdings" panose="05000000000000000000" pitchFamily="2" charset="2"/>
+                  <a:buChar char="§"/>
+                </a:pPr>
+                <a:r>
+                  <a:rPr lang="en-GB" dirty="0"/>
+                  <a:t>Using data to interpret a physical property</a:t>
+                </a:r>
+              </a:p>
+              <a:p>
+                <a:pPr>
+                  <a:buFont typeface="Wingdings" panose="05000000000000000000" pitchFamily="2" charset="2"/>
+                  <a:buChar char="§"/>
+                </a:pPr>
+                <a:r>
+                  <a:rPr lang="en-GB" dirty="0"/>
+                  <a:t>This project uses seismic and gravitational to estimate Moho</a:t>
                 </a:r>
               </a:p>
               <a:p>
@@ -13061,14 +14960,20 @@
                 </a:pPr>
                 <a:r>
                   <a:rPr lang="en-GB" dirty="0"/>
-                  <a:t> </a:t>
+                  <a:t>Non-linear vs. Linear inversion</a:t>
                 </a:r>
+              </a:p>
+              <a:p>
+                <a:pPr>
+                  <a:buFont typeface="Wingdings" panose="05000000000000000000" pitchFamily="2" charset="2"/>
+                  <a:buChar char="§"/>
+                </a:pPr>
                 <a14:m>
                   <m:oMath xmlns:m="http://schemas.openxmlformats.org/officeDocument/2006/math">
                     <m:sSub>
                       <m:sSubPr>
                         <m:ctrlPr>
-                          <a:rPr lang="en-GB" b="0" i="1" smtClean="0">
+                          <a:rPr lang="en-GB" i="1" smtClean="0">
                             <a:latin typeface="Cambria Math" panose="02040503050406030204" pitchFamily="18" charset="0"/>
                           </a:rPr>
                         </m:ctrlPr>
@@ -13122,9 +15027,16 @@
                     </m:r>
                   </m:oMath>
                 </a14:m>
+                <a:endParaRPr lang="en-GB" dirty="0"/>
+              </a:p>
+              <a:p>
+                <a:pPr>
+                  <a:buFont typeface="Wingdings" panose="05000000000000000000" pitchFamily="2" charset="2"/>
+                  <a:buChar char="§"/>
+                </a:pPr>
                 <a:r>
                   <a:rPr lang="en-GB" dirty="0"/>
-                  <a:t> </a:t>
+                  <a:t>F derivative is constant for linear</a:t>
                 </a:r>
               </a:p>
               <a:p>
@@ -13134,39 +15046,19 @@
                 </a:pPr>
                 <a:r>
                   <a:rPr lang="en-GB" dirty="0"/>
-                  <a:t>F value is constant= Linear</a:t>
-                </a:r>
-              </a:p>
-              <a:p>
-                <a:pPr>
-                  <a:buFont typeface="Wingdings" panose="05000000000000000000" pitchFamily="2" charset="2"/>
-                  <a:buChar char="§"/>
-                </a:pPr>
-                <a:r>
-                  <a:rPr lang="en-GB" dirty="0"/>
-                  <a:t>F value not constant= Non-linear</a:t>
-                </a:r>
-              </a:p>
-              <a:p>
-                <a:pPr>
-                  <a:buFont typeface="Wingdings" panose="05000000000000000000" pitchFamily="2" charset="2"/>
-                  <a:buChar char="§"/>
-                </a:pPr>
-                <a:r>
-                  <a:rPr lang="en-GB" dirty="0"/>
-                  <a:t>F value is forward map (square matrix)</a:t>
+                  <a:t>F derivative not constant for non-linear</a:t>
                 </a:r>
               </a:p>
             </p:txBody>
           </p:sp>
         </mc:Choice>
-        <mc:Fallback>
+        <mc:Fallback xmlns="">
           <p:sp>
             <p:nvSpPr>
               <p:cNvPr id="3" name="Content Placeholder 2">
                 <a:extLst>
                   <a:ext uri="{FF2B5EF4-FFF2-40B4-BE49-F238E27FC236}">
-                    <a16:creationId xmlns:a16="http://schemas.microsoft.com/office/drawing/2014/main" id="{36240FA2-74ED-4FE6-BE21-CD6A1A806AF3}"/>
+                    <a16:creationId xmlns:a16="http://schemas.microsoft.com/office/drawing/2014/main" id="{A17F15CC-D86C-4D70-A848-CD0111D5805C}"/>
                   </a:ext>
                 </a:extLst>
               </p:cNvPr>
@@ -13178,10 +15070,14 @@
               </p:nvPr>
             </p:nvSpPr>
             <p:spPr>
+              <a:xfrm>
+                <a:off x="1097281" y="1845734"/>
+                <a:ext cx="4286250" cy="4023360"/>
+              </a:xfrm>
               <a:blipFill>
                 <a:blip r:embed="rId2"/>
                 <a:stretch>
-                  <a:fillRect l="-1455" t="-1667"/>
+                  <a:fillRect l="-3556" t="-1667" r="-569"/>
                 </a:stretch>
               </a:blipFill>
             </p:spPr>
@@ -13205,7 +15101,7 @@
           <p:cNvPr id="4" name="Slide Number Placeholder 3">
             <a:extLst>
               <a:ext uri="{FF2B5EF4-FFF2-40B4-BE49-F238E27FC236}">
-                <a16:creationId xmlns:a16="http://schemas.microsoft.com/office/drawing/2014/main" id="{D1B20B46-5439-4708-A3FF-030E0805D107}"/>
+                <a16:creationId xmlns:a16="http://schemas.microsoft.com/office/drawing/2014/main" id="{C841546A-B33C-4A7E-9C2D-78A51F2E3830}"/>
               </a:ext>
             </a:extLst>
           </p:cNvPr>
@@ -13223,16 +15119,44 @@
           <a:p>
             <a:fld id="{D503D24F-27AF-4A5C-81D9-D96757ADB19D}" type="slidenum">
               <a:rPr lang="en-GB" smtClean="0"/>
-              <a:t>6</a:t>
+              <a:t>3</a:t>
             </a:fld>
             <a:endParaRPr lang="en-GB" dirty="0"/>
           </a:p>
         </p:txBody>
       </p:sp>
+      <p:graphicFrame>
+        <p:nvGraphicFramePr>
+          <p:cNvPr id="7" name="Diagram 6">
+            <a:extLst>
+              <a:ext uri="{FF2B5EF4-FFF2-40B4-BE49-F238E27FC236}">
+                <a16:creationId xmlns:a16="http://schemas.microsoft.com/office/drawing/2014/main" id="{728C6076-6210-4AA6-8DDA-4971AB5EB303}"/>
+              </a:ext>
+            </a:extLst>
+          </p:cNvPr>
+          <p:cNvGraphicFramePr/>
+          <p:nvPr>
+            <p:extLst>
+              <p:ext uri="{D42A27DB-BD31-4B8C-83A1-F6EECF244321}">
+                <p14:modId xmlns:p14="http://schemas.microsoft.com/office/powerpoint/2010/main" val="3550367466"/>
+              </p:ext>
+            </p:extLst>
+          </p:nvPr>
+        </p:nvGraphicFramePr>
+        <p:xfrm>
+          <a:off x="4393994" y="1845734"/>
+          <a:ext cx="6818489" cy="4398997"/>
+        </p:xfrm>
+        <a:graphic>
+          <a:graphicData uri="http://schemas.openxmlformats.org/drawingml/2006/diagram">
+            <dgm:relIds xmlns:dgm="http://schemas.openxmlformats.org/drawingml/2006/diagram" xmlns:r="http://schemas.openxmlformats.org/officeDocument/2006/relationships" r:dm="rId3" r:lo="rId4" r:qs="rId5" r:cs="rId6"/>
+          </a:graphicData>
+        </a:graphic>
+      </p:graphicFrame>
     </p:spTree>
     <p:extLst>
       <p:ext uri="{BB962C8B-B14F-4D97-AF65-F5344CB8AC3E}">
-        <p14:creationId xmlns:p14="http://schemas.microsoft.com/office/powerpoint/2010/main" val="3436143054"/>
+        <p14:creationId xmlns:p14="http://schemas.microsoft.com/office/powerpoint/2010/main" val="4018118372"/>
       </p:ext>
     </p:extLst>
   </p:cSld>
@@ -13242,7 +15166,167 @@
 </p:sld>
 </file>
 
-<file path=ppt/slides/slide7.xml><?xml version="1.0" encoding="utf-8"?>
+<file path=ppt/slides/slide4.xml><?xml version="1.0" encoding="utf-8"?>
+<p:sld xmlns:a="http://schemas.openxmlformats.org/drawingml/2006/main" xmlns:r="http://schemas.openxmlformats.org/officeDocument/2006/relationships" xmlns:p="http://schemas.openxmlformats.org/presentationml/2006/main">
+  <p:cSld>
+    <p:spTree>
+      <p:nvGrpSpPr>
+        <p:cNvPr id="1" name=""/>
+        <p:cNvGrpSpPr/>
+        <p:nvPr/>
+      </p:nvGrpSpPr>
+      <p:grpSpPr>
+        <a:xfrm>
+          <a:off x="0" y="0"/>
+          <a:ext cx="0" cy="0"/>
+          <a:chOff x="0" y="0"/>
+          <a:chExt cx="0" cy="0"/>
+        </a:xfrm>
+      </p:grpSpPr>
+      <p:sp>
+        <p:nvSpPr>
+          <p:cNvPr id="2" name="Title 1">
+            <a:extLst>
+              <a:ext uri="{FF2B5EF4-FFF2-40B4-BE49-F238E27FC236}">
+                <a16:creationId xmlns:a16="http://schemas.microsoft.com/office/drawing/2014/main" id="{9C2E9537-376C-4664-B188-409F1E264EE5}"/>
+              </a:ext>
+            </a:extLst>
+          </p:cNvPr>
+          <p:cNvSpPr>
+            <a:spLocks noGrp="1"/>
+          </p:cNvSpPr>
+          <p:nvPr>
+            <p:ph type="title"/>
+          </p:nvPr>
+        </p:nvSpPr>
+        <p:spPr/>
+        <p:txBody>
+          <a:bodyPr/>
+          <a:lstStyle/>
+          <a:p>
+            <a:r>
+              <a:rPr lang="en-GB" dirty="0"/>
+              <a:t>Background work already completed</a:t>
+            </a:r>
+          </a:p>
+        </p:txBody>
+      </p:sp>
+      <p:sp>
+        <p:nvSpPr>
+          <p:cNvPr id="3" name="Content Placeholder 2">
+            <a:extLst>
+              <a:ext uri="{FF2B5EF4-FFF2-40B4-BE49-F238E27FC236}">
+                <a16:creationId xmlns:a16="http://schemas.microsoft.com/office/drawing/2014/main" id="{03A9E5EF-A26B-4A90-9530-88D227D00236}"/>
+              </a:ext>
+            </a:extLst>
+          </p:cNvPr>
+          <p:cNvSpPr>
+            <a:spLocks noGrp="1"/>
+          </p:cNvSpPr>
+          <p:nvPr>
+            <p:ph idx="1"/>
+          </p:nvPr>
+        </p:nvSpPr>
+        <p:spPr/>
+        <p:txBody>
+          <a:bodyPr>
+            <a:normAutofit/>
+          </a:bodyPr>
+          <a:lstStyle/>
+          <a:p>
+            <a:pPr marL="0" indent="0">
+              <a:buNone/>
+            </a:pPr>
+            <a:r>
+              <a:rPr lang="en-GB" sz="2400" dirty="0"/>
+              <a:t>Have been working on this project since August 2020 and since then have:</a:t>
+            </a:r>
+          </a:p>
+          <a:p>
+            <a:pPr>
+              <a:buFont typeface="Wingdings" panose="05000000000000000000" pitchFamily="2" charset="2"/>
+              <a:buChar char="§"/>
+            </a:pPr>
+            <a:r>
+              <a:rPr lang="en-GB" sz="2400" dirty="0"/>
+              <a:t>Learnt how to use the GitHub website</a:t>
+            </a:r>
+          </a:p>
+          <a:p>
+            <a:pPr>
+              <a:buFont typeface="Wingdings" panose="05000000000000000000" pitchFamily="2" charset="2"/>
+              <a:buChar char="§"/>
+            </a:pPr>
+            <a:r>
+              <a:rPr lang="en-GB" sz="2400" dirty="0"/>
+              <a:t>Background reading on the field</a:t>
+            </a:r>
+          </a:p>
+          <a:p>
+            <a:pPr>
+              <a:buFont typeface="Wingdings" panose="05000000000000000000" pitchFamily="2" charset="2"/>
+              <a:buChar char="§"/>
+            </a:pPr>
+            <a:r>
+              <a:rPr lang="en-GB" sz="2400" dirty="0"/>
+              <a:t>Studied basics of geophysical inversion (linear and non-linear)</a:t>
+            </a:r>
+          </a:p>
+          <a:p>
+            <a:pPr>
+              <a:buFont typeface="Wingdings" panose="05000000000000000000" pitchFamily="2" charset="2"/>
+              <a:buChar char="§"/>
+            </a:pPr>
+            <a:r>
+              <a:rPr lang="en-GB" sz="2400" dirty="0"/>
+              <a:t>A literature review of the current state of the field</a:t>
+            </a:r>
+          </a:p>
+        </p:txBody>
+      </p:sp>
+      <p:sp>
+        <p:nvSpPr>
+          <p:cNvPr id="4" name="Slide Number Placeholder 3">
+            <a:extLst>
+              <a:ext uri="{FF2B5EF4-FFF2-40B4-BE49-F238E27FC236}">
+                <a16:creationId xmlns:a16="http://schemas.microsoft.com/office/drawing/2014/main" id="{102EC742-6B45-46E7-835F-F45505CAF870}"/>
+              </a:ext>
+            </a:extLst>
+          </p:cNvPr>
+          <p:cNvSpPr>
+            <a:spLocks noGrp="1"/>
+          </p:cNvSpPr>
+          <p:nvPr>
+            <p:ph type="sldNum" sz="quarter" idx="12"/>
+          </p:nvPr>
+        </p:nvSpPr>
+        <p:spPr/>
+        <p:txBody>
+          <a:bodyPr/>
+          <a:lstStyle/>
+          <a:p>
+            <a:fld id="{D503D24F-27AF-4A5C-81D9-D96757ADB19D}" type="slidenum">
+              <a:rPr lang="en-GB" smtClean="0"/>
+              <a:t>4</a:t>
+            </a:fld>
+            <a:endParaRPr lang="en-GB" dirty="0"/>
+          </a:p>
+        </p:txBody>
+      </p:sp>
+    </p:spTree>
+    <p:extLst>
+      <p:ext uri="{BB962C8B-B14F-4D97-AF65-F5344CB8AC3E}">
+        <p14:creationId xmlns:p14="http://schemas.microsoft.com/office/powerpoint/2010/main" val="444053975"/>
+      </p:ext>
+    </p:extLst>
+  </p:cSld>
+  <p:clrMapOvr>
+    <a:masterClrMapping/>
+  </p:clrMapOvr>
+</p:sld>
+</file>
+
+<file path=ppt/slides/slide5.xml><?xml version="1.0" encoding="utf-8"?>
 <p:sld xmlns:a="http://schemas.openxmlformats.org/drawingml/2006/main" xmlns:r="http://schemas.openxmlformats.org/officeDocument/2006/relationships" xmlns:p="http://schemas.openxmlformats.org/presentationml/2006/main">
   <p:cSld>
     <p:spTree>
@@ -13373,7 +15457,7 @@
           <a:p>
             <a:fld id="{D503D24F-27AF-4A5C-81D9-D96757ADB19D}" type="slidenum">
               <a:rPr lang="en-GB" smtClean="0"/>
-              <a:t>7</a:t>
+              <a:t>5</a:t>
             </a:fld>
             <a:endParaRPr lang="en-GB" dirty="0"/>
           </a:p>
@@ -13392,7 +15476,7 @@
 </p:sld>
 </file>
 
-<file path=ppt/slides/slide8.xml><?xml version="1.0" encoding="utf-8"?>
+<file path=ppt/slides/slide6.xml><?xml version="1.0" encoding="utf-8"?>
 <p:sld xmlns:a="http://schemas.openxmlformats.org/drawingml/2006/main" xmlns:r="http://schemas.openxmlformats.org/officeDocument/2006/relationships" xmlns:p="http://schemas.openxmlformats.org/presentationml/2006/main">
   <p:cSld>
     <p:spTree>
@@ -13432,7 +15516,7 @@
           <a:p>
             <a:r>
               <a:rPr lang="en-GB" dirty="0"/>
-              <a:t>How the rest of the project will be completed - a step by step approach</a:t>
+              <a:t>How the rest of the project will be completed</a:t>
             </a:r>
           </a:p>
         </p:txBody>
@@ -13540,7 +15624,7 @@
           <a:p>
             <a:fld id="{D503D24F-27AF-4A5C-81D9-D96757ADB19D}" type="slidenum">
               <a:rPr lang="en-GB" smtClean="0"/>
-              <a:t>8</a:t>
+              <a:t>6</a:t>
             </a:fld>
             <a:endParaRPr lang="en-GB" dirty="0"/>
           </a:p>
@@ -13559,7 +15643,7 @@
 </p:sld>
 </file>
 
-<file path=ppt/slides/slide9.xml><?xml version="1.0" encoding="utf-8"?>
+<file path=ppt/slides/slide7.xml><?xml version="1.0" encoding="utf-8"?>
 <p:sld xmlns:a="http://schemas.openxmlformats.org/drawingml/2006/main" xmlns:r="http://schemas.openxmlformats.org/officeDocument/2006/relationships" xmlns:p="http://schemas.openxmlformats.org/presentationml/2006/main">
   <p:cSld>
     <p:bg>
@@ -13673,9 +15757,10 @@
           <a:lstStyle/>
           <a:p>
             <a:r>
-              <a:rPr lang="en-GB" sz="3400"/>
-              <a:t>How the rest of the project will be completed - a step by step approach</a:t>
-            </a:r>
+              <a:rPr lang="en-GB" dirty="0"/>
+              <a:t>Setting up and running inversion</a:t>
+            </a:r>
+            <a:endParaRPr lang="en-GB" sz="3400" dirty="0"/>
           </a:p>
         </p:txBody>
       </p:sp>
@@ -13980,7 +16065,7 @@
                   <a:spcPts val="600"/>
                 </a:spcAft>
               </a:pPr>
-              <a:t>9</a:t>
+              <a:t>7</a:t>
             </a:fld>
             <a:endParaRPr lang="en-GB"/>
           </a:p>
@@ -14036,6 +16121,753 @@
     <p:extLst>
       <p:ext uri="{BB962C8B-B14F-4D97-AF65-F5344CB8AC3E}">
         <p14:creationId xmlns:p14="http://schemas.microsoft.com/office/powerpoint/2010/main" val="2047127013"/>
+      </p:ext>
+    </p:extLst>
+  </p:cSld>
+  <p:clrMapOvr>
+    <a:masterClrMapping/>
+  </p:clrMapOvr>
+</p:sld>
+</file>
+
+<file path=ppt/slides/slide8.xml><?xml version="1.0" encoding="utf-8"?>
+<p:sld xmlns:a="http://schemas.openxmlformats.org/drawingml/2006/main" xmlns:r="http://schemas.openxmlformats.org/officeDocument/2006/relationships" xmlns:p="http://schemas.openxmlformats.org/presentationml/2006/main">
+  <p:cSld>
+    <p:bg>
+      <p:bgPr>
+        <a:solidFill>
+          <a:schemeClr val="bg1"/>
+        </a:solidFill>
+        <a:effectLst/>
+      </p:bgPr>
+    </p:bg>
+    <p:spTree>
+      <p:nvGrpSpPr>
+        <p:cNvPr id="1" name=""/>
+        <p:cNvGrpSpPr/>
+        <p:nvPr/>
+      </p:nvGrpSpPr>
+      <p:grpSpPr>
+        <a:xfrm>
+          <a:off x="0" y="0"/>
+          <a:ext cx="0" cy="0"/>
+          <a:chOff x="0" y="0"/>
+          <a:chExt cx="0" cy="0"/>
+        </a:xfrm>
+      </p:grpSpPr>
+      <p:sp useBgFill="1">
+        <p:nvSpPr>
+          <p:cNvPr id="18" name="Rectangle 10">
+            <a:extLst>
+              <a:ext uri="{FF2B5EF4-FFF2-40B4-BE49-F238E27FC236}">
+                <a16:creationId xmlns:a16="http://schemas.microsoft.com/office/drawing/2014/main" id="{284B70D5-875B-433D-BDBD-1522A85D6C1D}"/>
+              </a:ext>
+              <a:ext uri="{C183D7F6-B498-43B3-948B-1728B52AA6E4}">
+                <adec:decorative xmlns:adec="http://schemas.microsoft.com/office/drawing/2017/decorative" val="1"/>
+              </a:ext>
+            </a:extLst>
+          </p:cNvPr>
+          <p:cNvSpPr>
+            <a:spLocks noGrp="1" noRot="1" noChangeAspect="1" noMove="1" noResize="1" noEditPoints="1" noAdjustHandles="1" noChangeArrowheads="1" noChangeShapeType="1" noTextEdit="1"/>
+          </p:cNvSpPr>
+          <p:nvPr>
+            <p:extLst>
+              <p:ext uri="{386F3935-93C4-4BCD-93E2-E3B085C9AB24}">
+                <p16:designElem xmlns:p16="http://schemas.microsoft.com/office/powerpoint/2015/main" val="1"/>
+              </p:ext>
+            </p:extLst>
+          </p:nvPr>
+        </p:nvSpPr>
+        <p:spPr>
+          <a:xfrm>
+            <a:off x="0" y="0"/>
+            <a:ext cx="12192001" cy="6334316"/>
+          </a:xfrm>
+          <a:prstGeom prst="rect">
+            <a:avLst/>
+          </a:prstGeom>
+          <a:ln>
+            <a:noFill/>
+          </a:ln>
+        </p:spPr>
+        <p:style>
+          <a:lnRef idx="2">
+            <a:schemeClr val="accent1">
+              <a:shade val="50000"/>
+            </a:schemeClr>
+          </a:lnRef>
+          <a:fillRef idx="1">
+            <a:schemeClr val="accent1"/>
+          </a:fillRef>
+          <a:effectRef idx="0">
+            <a:schemeClr val="accent1"/>
+          </a:effectRef>
+          <a:fontRef idx="minor">
+            <a:schemeClr val="lt1"/>
+          </a:fontRef>
+        </p:style>
+        <p:txBody>
+          <a:bodyPr rtlCol="0" anchor="ctr"/>
+          <a:lstStyle/>
+          <a:p>
+            <a:pPr algn="ctr"/>
+            <a:endParaRPr lang="en-US"/>
+          </a:p>
+        </p:txBody>
+      </p:sp>
+      <p:sp>
+        <p:nvSpPr>
+          <p:cNvPr id="2" name="Title 1">
+            <a:extLst>
+              <a:ext uri="{FF2B5EF4-FFF2-40B4-BE49-F238E27FC236}">
+                <a16:creationId xmlns:a16="http://schemas.microsoft.com/office/drawing/2014/main" id="{1621BFED-765B-4E55-BC2D-911109301AAD}"/>
+              </a:ext>
+            </a:extLst>
+          </p:cNvPr>
+          <p:cNvSpPr>
+            <a:spLocks noGrp="1"/>
+          </p:cNvSpPr>
+          <p:nvPr>
+            <p:ph type="title"/>
+          </p:nvPr>
+        </p:nvSpPr>
+        <p:spPr>
+          <a:xfrm>
+            <a:off x="7859485" y="634946"/>
+            <a:ext cx="3690257" cy="1450757"/>
+          </a:xfrm>
+        </p:spPr>
+        <p:txBody>
+          <a:bodyPr>
+            <a:normAutofit/>
+          </a:bodyPr>
+          <a:lstStyle/>
+          <a:p>
+            <a:r>
+              <a:rPr lang="en-GB" sz="4400"/>
+              <a:t>Implement a cross validation</a:t>
+            </a:r>
+          </a:p>
+        </p:txBody>
+      </p:sp>
+      <p:pic>
+        <p:nvPicPr>
+          <p:cNvPr id="6" name="Picture 5" descr="Graphical user interface&#10;&#10;Description automatically generated">
+            <a:extLst>
+              <a:ext uri="{FF2B5EF4-FFF2-40B4-BE49-F238E27FC236}">
+                <a16:creationId xmlns:a16="http://schemas.microsoft.com/office/drawing/2014/main" id="{649FDE97-4B16-46A5-A8EA-FFF4AD8A8AEF}"/>
+              </a:ext>
+            </a:extLst>
+          </p:cNvPr>
+          <p:cNvPicPr>
+            <a:picLocks noChangeAspect="1"/>
+          </p:cNvPicPr>
+          <p:nvPr/>
+        </p:nvPicPr>
+        <p:blipFill>
+          <a:blip r:embed="rId3"/>
+          <a:stretch>
+            <a:fillRect/>
+          </a:stretch>
+        </p:blipFill>
+        <p:spPr>
+          <a:xfrm>
+            <a:off x="633999" y="1889412"/>
+            <a:ext cx="6909801" cy="2815744"/>
+          </a:xfrm>
+          <a:prstGeom prst="rect">
+            <a:avLst/>
+          </a:prstGeom>
+        </p:spPr>
+      </p:pic>
+      <p:cxnSp>
+        <p:nvCxnSpPr>
+          <p:cNvPr id="19" name="Straight Connector 12">
+            <a:extLst>
+              <a:ext uri="{FF2B5EF4-FFF2-40B4-BE49-F238E27FC236}">
+                <a16:creationId xmlns:a16="http://schemas.microsoft.com/office/drawing/2014/main" id="{C947DF4A-614C-4B4C-8B80-E5B9D8E8CFED}"/>
+              </a:ext>
+              <a:ext uri="{C183D7F6-B498-43B3-948B-1728B52AA6E4}">
+                <adec:decorative xmlns:adec="http://schemas.microsoft.com/office/drawing/2017/decorative" val="1"/>
+              </a:ext>
+            </a:extLst>
+          </p:cNvPr>
+          <p:cNvCxnSpPr>
+            <a:cxnSpLocks noGrp="1" noRot="1" noChangeAspect="1" noMove="1" noResize="1" noEditPoints="1" noAdjustHandles="1" noChangeArrowheads="1" noChangeShapeType="1"/>
+          </p:cNvCxnSpPr>
+          <p:nvPr>
+            <p:extLst>
+              <p:ext uri="{386F3935-93C4-4BCD-93E2-E3B085C9AB24}">
+                <p16:designElem xmlns:p16="http://schemas.microsoft.com/office/powerpoint/2015/main" val="1"/>
+              </p:ext>
+            </p:extLst>
+          </p:nvPr>
+        </p:nvCxnSpPr>
+        <p:spPr>
+          <a:xfrm>
+            <a:off x="7892143" y="2085703"/>
+            <a:ext cx="3566160" cy="0"/>
+          </a:xfrm>
+          <a:prstGeom prst="line">
+            <a:avLst/>
+          </a:prstGeom>
+          <a:ln w="6350">
+            <a:solidFill>
+              <a:schemeClr val="tx1">
+                <a:lumMod val="50000"/>
+                <a:lumOff val="50000"/>
+                <a:alpha val="90000"/>
+              </a:schemeClr>
+            </a:solidFill>
+          </a:ln>
+        </p:spPr>
+        <p:style>
+          <a:lnRef idx="1">
+            <a:schemeClr val="accent1"/>
+          </a:lnRef>
+          <a:fillRef idx="0">
+            <a:schemeClr val="accent1"/>
+          </a:fillRef>
+          <a:effectRef idx="0">
+            <a:schemeClr val="accent1"/>
+          </a:effectRef>
+          <a:fontRef idx="minor">
+            <a:schemeClr val="tx1"/>
+          </a:fontRef>
+        </p:style>
+      </p:cxnSp>
+      <p:sp>
+        <p:nvSpPr>
+          <p:cNvPr id="3" name="Content Placeholder 2">
+            <a:extLst>
+              <a:ext uri="{FF2B5EF4-FFF2-40B4-BE49-F238E27FC236}">
+                <a16:creationId xmlns:a16="http://schemas.microsoft.com/office/drawing/2014/main" id="{211E339B-EA75-4511-BD75-F026672F00E4}"/>
+              </a:ext>
+            </a:extLst>
+          </p:cNvPr>
+          <p:cNvSpPr>
+            <a:spLocks noGrp="1"/>
+          </p:cNvSpPr>
+          <p:nvPr>
+            <p:ph idx="1"/>
+          </p:nvPr>
+        </p:nvSpPr>
+        <p:spPr>
+          <a:xfrm>
+            <a:off x="7859485" y="2198914"/>
+            <a:ext cx="3690257" cy="3670180"/>
+          </a:xfrm>
+        </p:spPr>
+        <p:txBody>
+          <a:bodyPr>
+            <a:normAutofit/>
+          </a:bodyPr>
+          <a:lstStyle/>
+          <a:p>
+            <a:r>
+              <a:rPr lang="en-GB" sz="1700"/>
+              <a:t>Implement a cross validation approach to error estimation:</a:t>
+            </a:r>
+          </a:p>
+          <a:p>
+            <a:pPr>
+              <a:buFont typeface="Wingdings" panose="05000000000000000000" pitchFamily="2" charset="2"/>
+              <a:buChar char="§"/>
+            </a:pPr>
+            <a:r>
+              <a:rPr lang="en-GB" sz="1700"/>
+              <a:t>Add cross validation into code</a:t>
+            </a:r>
+          </a:p>
+          <a:p>
+            <a:pPr>
+              <a:buFont typeface="Wingdings" panose="05000000000000000000" pitchFamily="2" charset="2"/>
+              <a:buChar char="§"/>
+            </a:pPr>
+            <a:r>
+              <a:rPr lang="en-GB" sz="1700"/>
+              <a:t>Cross validation is simply using a testing set which is a small sample of the whole data and seeing how well it predicts new data</a:t>
+            </a:r>
+          </a:p>
+          <a:p>
+            <a:pPr>
+              <a:buFont typeface="Wingdings" panose="05000000000000000000" pitchFamily="2" charset="2"/>
+              <a:buChar char="§"/>
+            </a:pPr>
+            <a:r>
+              <a:rPr lang="en-GB" sz="1700"/>
+              <a:t>Cross validation- compare gravitational estimates to seismic point estimates</a:t>
+            </a:r>
+          </a:p>
+          <a:p>
+            <a:pPr>
+              <a:buFont typeface="Wingdings" panose="05000000000000000000" pitchFamily="2" charset="2"/>
+              <a:buChar char="§"/>
+            </a:pPr>
+            <a:r>
+              <a:rPr lang="en-GB" sz="1700"/>
+              <a:t>Do not have seismic estimates for whole continent</a:t>
+            </a:r>
+          </a:p>
+          <a:p>
+            <a:endParaRPr lang="en-GB" sz="1700"/>
+          </a:p>
+        </p:txBody>
+      </p:sp>
+      <p:sp>
+        <p:nvSpPr>
+          <p:cNvPr id="20" name="Rectangle 14">
+            <a:extLst>
+              <a:ext uri="{FF2B5EF4-FFF2-40B4-BE49-F238E27FC236}">
+                <a16:creationId xmlns:a16="http://schemas.microsoft.com/office/drawing/2014/main" id="{1E299956-A9E7-4FC1-A0B1-D590CA9730E8}"/>
+              </a:ext>
+              <a:ext uri="{C183D7F6-B498-43B3-948B-1728B52AA6E4}">
+                <adec:decorative xmlns:adec="http://schemas.microsoft.com/office/drawing/2017/decorative" val="1"/>
+              </a:ext>
+            </a:extLst>
+          </p:cNvPr>
+          <p:cNvSpPr>
+            <a:spLocks noGrp="1" noRot="1" noChangeAspect="1" noMove="1" noResize="1" noEditPoints="1" noAdjustHandles="1" noChangeArrowheads="1" noChangeShapeType="1" noTextEdit="1"/>
+          </p:cNvSpPr>
+          <p:nvPr>
+            <p:extLst>
+              <p:ext uri="{386F3935-93C4-4BCD-93E2-E3B085C9AB24}">
+                <p16:designElem xmlns:p16="http://schemas.microsoft.com/office/powerpoint/2015/main" val="1"/>
+              </p:ext>
+            </p:extLst>
+          </p:nvPr>
+        </p:nvSpPr>
+        <p:spPr>
+          <a:xfrm>
+            <a:off x="15" y="6334316"/>
+            <a:ext cx="12191985" cy="66484"/>
+          </a:xfrm>
+          <a:prstGeom prst="rect">
+            <a:avLst/>
+          </a:prstGeom>
+          <a:solidFill>
+            <a:schemeClr val="accent1"/>
+          </a:solidFill>
+          <a:ln>
+            <a:noFill/>
+          </a:ln>
+        </p:spPr>
+        <p:style>
+          <a:lnRef idx="2">
+            <a:schemeClr val="accent1">
+              <a:shade val="50000"/>
+            </a:schemeClr>
+          </a:lnRef>
+          <a:fillRef idx="1">
+            <a:schemeClr val="accent1"/>
+          </a:fillRef>
+          <a:effectRef idx="0">
+            <a:schemeClr val="accent1"/>
+          </a:effectRef>
+          <a:fontRef idx="minor">
+            <a:schemeClr val="lt1"/>
+          </a:fontRef>
+        </p:style>
+      </p:sp>
+      <p:sp>
+        <p:nvSpPr>
+          <p:cNvPr id="17" name="Rectangle 16">
+            <a:extLst>
+              <a:ext uri="{FF2B5EF4-FFF2-40B4-BE49-F238E27FC236}">
+                <a16:creationId xmlns:a16="http://schemas.microsoft.com/office/drawing/2014/main" id="{17FC539C-B783-4B03-9F9E-D13430F3F64F}"/>
+              </a:ext>
+              <a:ext uri="{C183D7F6-B498-43B3-948B-1728B52AA6E4}">
+                <adec:decorative xmlns:adec="http://schemas.microsoft.com/office/drawing/2017/decorative" val="1"/>
+              </a:ext>
+            </a:extLst>
+          </p:cNvPr>
+          <p:cNvSpPr>
+            <a:spLocks noGrp="1" noRot="1" noChangeAspect="1" noMove="1" noResize="1" noEditPoints="1" noAdjustHandles="1" noChangeArrowheads="1" noChangeShapeType="1" noTextEdit="1"/>
+          </p:cNvSpPr>
+          <p:nvPr>
+            <p:extLst>
+              <p:ext uri="{386F3935-93C4-4BCD-93E2-E3B085C9AB24}">
+                <p16:designElem xmlns:p16="http://schemas.microsoft.com/office/powerpoint/2015/main" val="1"/>
+              </p:ext>
+            </p:extLst>
+          </p:nvPr>
+        </p:nvSpPr>
+        <p:spPr>
+          <a:xfrm>
+            <a:off x="1" y="6400800"/>
+            <a:ext cx="12192000" cy="457200"/>
+          </a:xfrm>
+          <a:prstGeom prst="rect">
+            <a:avLst/>
+          </a:prstGeom>
+          <a:solidFill>
+            <a:schemeClr val="accent2"/>
+          </a:solidFill>
+          <a:ln>
+            <a:noFill/>
+          </a:ln>
+        </p:spPr>
+        <p:style>
+          <a:lnRef idx="2">
+            <a:schemeClr val="accent1">
+              <a:shade val="50000"/>
+            </a:schemeClr>
+          </a:lnRef>
+          <a:fillRef idx="1">
+            <a:schemeClr val="accent1"/>
+          </a:fillRef>
+          <a:effectRef idx="0">
+            <a:schemeClr val="accent1"/>
+          </a:effectRef>
+          <a:fontRef idx="minor">
+            <a:schemeClr val="lt1"/>
+          </a:fontRef>
+        </p:style>
+      </p:sp>
+      <p:sp>
+        <p:nvSpPr>
+          <p:cNvPr id="4" name="Slide Number Placeholder 3">
+            <a:extLst>
+              <a:ext uri="{FF2B5EF4-FFF2-40B4-BE49-F238E27FC236}">
+                <a16:creationId xmlns:a16="http://schemas.microsoft.com/office/drawing/2014/main" id="{D18027E2-AFC5-492C-AF1F-203FA7F0A2D9}"/>
+              </a:ext>
+            </a:extLst>
+          </p:cNvPr>
+          <p:cNvSpPr>
+            <a:spLocks noGrp="1"/>
+          </p:cNvSpPr>
+          <p:nvPr>
+            <p:ph type="sldNum" sz="quarter" idx="12"/>
+          </p:nvPr>
+        </p:nvSpPr>
+        <p:spPr>
+          <a:xfrm>
+            <a:off x="9900458" y="6459785"/>
+            <a:ext cx="1312025" cy="365125"/>
+          </a:xfrm>
+        </p:spPr>
+        <p:txBody>
+          <a:bodyPr>
+            <a:normAutofit/>
+          </a:bodyPr>
+          <a:lstStyle/>
+          <a:p>
+            <a:pPr>
+              <a:spcAft>
+                <a:spcPts val="600"/>
+              </a:spcAft>
+            </a:pPr>
+            <a:fld id="{D503D24F-27AF-4A5C-81D9-D96757ADB19D}" type="slidenum">
+              <a:rPr lang="en-GB" smtClean="0"/>
+              <a:pPr>
+                <a:spcAft>
+                  <a:spcPts val="600"/>
+                </a:spcAft>
+              </a:pPr>
+              <a:t>8</a:t>
+            </a:fld>
+            <a:endParaRPr lang="en-GB"/>
+          </a:p>
+        </p:txBody>
+      </p:sp>
+      <p:sp>
+        <p:nvSpPr>
+          <p:cNvPr id="7" name="TextBox 6">
+            <a:extLst>
+              <a:ext uri="{FF2B5EF4-FFF2-40B4-BE49-F238E27FC236}">
+                <a16:creationId xmlns:a16="http://schemas.microsoft.com/office/drawing/2014/main" id="{58B13076-9494-4A00-8DFC-3C41ED90F585}"/>
+              </a:ext>
+            </a:extLst>
+          </p:cNvPr>
+          <p:cNvSpPr txBox="1"/>
+          <p:nvPr/>
+        </p:nvSpPr>
+        <p:spPr>
+          <a:xfrm>
+            <a:off x="642258" y="4707467"/>
+            <a:ext cx="6898720" cy="338554"/>
+          </a:xfrm>
+          <a:prstGeom prst="rect">
+            <a:avLst/>
+          </a:prstGeom>
+          <a:noFill/>
+        </p:spPr>
+        <p:txBody>
+          <a:bodyPr wrap="square" rtlCol="0">
+            <a:spAutoFit/>
+          </a:bodyPr>
+          <a:lstStyle/>
+          <a:p>
+            <a:r>
+              <a:rPr lang="en-GB" sz="800" dirty="0"/>
+              <a:t>Figure 4- A diagram displaying how cross-validation works with a data set. Lukas Feick, 2019, Evaluating Model Performance by Building Cross-Validation from Scratch, viewed 5 January 2021, &lt;https://www.r-bloggers.com/2019/10/evaluating-model-performance-by-building-cross-validation-from-scratch/&gt;</a:t>
+            </a:r>
+          </a:p>
+        </p:txBody>
+      </p:sp>
+    </p:spTree>
+    <p:extLst>
+      <p:ext uri="{BB962C8B-B14F-4D97-AF65-F5344CB8AC3E}">
+        <p14:creationId xmlns:p14="http://schemas.microsoft.com/office/powerpoint/2010/main" val="2454661672"/>
+      </p:ext>
+    </p:extLst>
+  </p:cSld>
+  <p:clrMapOvr>
+    <a:masterClrMapping/>
+  </p:clrMapOvr>
+</p:sld>
+</file>
+
+<file path=ppt/slides/slide9.xml><?xml version="1.0" encoding="utf-8"?>
+<p:sld xmlns:a="http://schemas.openxmlformats.org/drawingml/2006/main" xmlns:r="http://schemas.openxmlformats.org/officeDocument/2006/relationships" xmlns:p="http://schemas.openxmlformats.org/presentationml/2006/main">
+  <p:cSld>
+    <p:bg>
+      <p:bgPr>
+        <a:solidFill>
+          <a:schemeClr val="bg1"/>
+        </a:solidFill>
+        <a:effectLst/>
+      </p:bgPr>
+    </p:bg>
+    <p:spTree>
+      <p:nvGrpSpPr>
+        <p:cNvPr id="1" name=""/>
+        <p:cNvGrpSpPr/>
+        <p:nvPr/>
+      </p:nvGrpSpPr>
+      <p:grpSpPr>
+        <a:xfrm>
+          <a:off x="0" y="0"/>
+          <a:ext cx="0" cy="0"/>
+          <a:chOff x="0" y="0"/>
+          <a:chExt cx="0" cy="0"/>
+        </a:xfrm>
+      </p:grpSpPr>
+      <p:sp>
+        <p:nvSpPr>
+          <p:cNvPr id="2" name="Title 1">
+            <a:extLst>
+              <a:ext uri="{FF2B5EF4-FFF2-40B4-BE49-F238E27FC236}">
+                <a16:creationId xmlns:a16="http://schemas.microsoft.com/office/drawing/2014/main" id="{4557F48B-95C0-4247-B266-C826A9468BA4}"/>
+              </a:ext>
+            </a:extLst>
+          </p:cNvPr>
+          <p:cNvSpPr>
+            <a:spLocks noGrp="1"/>
+          </p:cNvSpPr>
+          <p:nvPr>
+            <p:ph type="title"/>
+          </p:nvPr>
+        </p:nvSpPr>
+        <p:spPr>
+          <a:xfrm>
+            <a:off x="1097280" y="286603"/>
+            <a:ext cx="10058400" cy="1450757"/>
+          </a:xfrm>
+        </p:spPr>
+        <p:txBody>
+          <a:bodyPr>
+            <a:normAutofit/>
+          </a:bodyPr>
+          <a:lstStyle/>
+          <a:p>
+            <a:r>
+              <a:rPr lang="en-GB" dirty="0"/>
+              <a:t>Modify the CRUST1.0 model</a:t>
+            </a:r>
+          </a:p>
+        </p:txBody>
+      </p:sp>
+      <p:sp>
+        <p:nvSpPr>
+          <p:cNvPr id="3" name="Content Placeholder 2">
+            <a:extLst>
+              <a:ext uri="{FF2B5EF4-FFF2-40B4-BE49-F238E27FC236}">
+                <a16:creationId xmlns:a16="http://schemas.microsoft.com/office/drawing/2014/main" id="{79EA0941-F7F0-425B-AF3D-28B64EFF3AB9}"/>
+              </a:ext>
+            </a:extLst>
+          </p:cNvPr>
+          <p:cNvSpPr>
+            <a:spLocks noGrp="1"/>
+          </p:cNvSpPr>
+          <p:nvPr>
+            <p:ph idx="1"/>
+          </p:nvPr>
+        </p:nvSpPr>
+        <p:spPr>
+          <a:xfrm>
+            <a:off x="1097280" y="1845734"/>
+            <a:ext cx="5518010" cy="4023360"/>
+          </a:xfrm>
+        </p:spPr>
+        <p:txBody>
+          <a:bodyPr>
+            <a:normAutofit/>
+          </a:bodyPr>
+          <a:lstStyle/>
+          <a:p>
+            <a:r>
+              <a:rPr lang="en-GB" dirty="0"/>
+              <a:t>Modify the CRUST1.0 synthetic model to include unmodelled source/s:</a:t>
+            </a:r>
+          </a:p>
+          <a:p>
+            <a:pPr>
+              <a:buFont typeface="Wingdings" panose="05000000000000000000" pitchFamily="2" charset="2"/>
+              <a:buChar char="§"/>
+            </a:pPr>
+            <a:r>
+              <a:rPr lang="en-GB" dirty="0"/>
+              <a:t>Code from Uieda &amp; Barbosa includes random noise in data</a:t>
+            </a:r>
+          </a:p>
+          <a:p>
+            <a:pPr>
+              <a:buFont typeface="Wingdings" panose="05000000000000000000" pitchFamily="2" charset="2"/>
+              <a:buChar char="§"/>
+            </a:pPr>
+            <a:r>
+              <a:rPr lang="en-GB" dirty="0"/>
+              <a:t>Didn’t include unmodelled sources</a:t>
+            </a:r>
+          </a:p>
+          <a:p>
+            <a:pPr>
+              <a:buFont typeface="Wingdings" panose="05000000000000000000" pitchFamily="2" charset="2"/>
+              <a:buChar char="§"/>
+            </a:pPr>
+            <a:r>
+              <a:rPr lang="en-GB" dirty="0"/>
+              <a:t>Modify code to include one or more unmodelled sources</a:t>
+            </a:r>
+          </a:p>
+          <a:p>
+            <a:pPr>
+              <a:buFont typeface="Wingdings" panose="05000000000000000000" pitchFamily="2" charset="2"/>
+              <a:buChar char="§"/>
+            </a:pPr>
+            <a:r>
+              <a:rPr lang="en-GB" dirty="0"/>
+              <a:t>Location of mass anomaly is difficult to pinpoint so will use trial and error</a:t>
+            </a:r>
+          </a:p>
+        </p:txBody>
+      </p:sp>
+      <p:pic>
+        <p:nvPicPr>
+          <p:cNvPr id="5" name="Picture 4" descr="Map&#10;&#10;Description automatically generated">
+            <a:extLst>
+              <a:ext uri="{FF2B5EF4-FFF2-40B4-BE49-F238E27FC236}">
+                <a16:creationId xmlns:a16="http://schemas.microsoft.com/office/drawing/2014/main" id="{DA178A7C-127A-4404-B75A-53F83553458E}"/>
+              </a:ext>
+            </a:extLst>
+          </p:cNvPr>
+          <p:cNvPicPr>
+            <a:picLocks noChangeAspect="1"/>
+          </p:cNvPicPr>
+          <p:nvPr/>
+        </p:nvPicPr>
+        <p:blipFill>
+          <a:blip r:embed="rId3"/>
+          <a:stretch>
+            <a:fillRect/>
+          </a:stretch>
+        </p:blipFill>
+        <p:spPr>
+          <a:xfrm>
+            <a:off x="7062330" y="1938765"/>
+            <a:ext cx="4032390" cy="2802510"/>
+          </a:xfrm>
+          <a:prstGeom prst="rect">
+            <a:avLst/>
+          </a:prstGeom>
+        </p:spPr>
+      </p:pic>
+      <p:sp>
+        <p:nvSpPr>
+          <p:cNvPr id="4" name="Slide Number Placeholder 3">
+            <a:extLst>
+              <a:ext uri="{FF2B5EF4-FFF2-40B4-BE49-F238E27FC236}">
+                <a16:creationId xmlns:a16="http://schemas.microsoft.com/office/drawing/2014/main" id="{BBC9A48F-DD50-4DF5-8A55-DC2C70581EA7}"/>
+              </a:ext>
+            </a:extLst>
+          </p:cNvPr>
+          <p:cNvSpPr>
+            <a:spLocks noGrp="1"/>
+          </p:cNvSpPr>
+          <p:nvPr>
+            <p:ph type="sldNum" sz="quarter" idx="12"/>
+          </p:nvPr>
+        </p:nvSpPr>
+        <p:spPr>
+          <a:xfrm>
+            <a:off x="9900458" y="6459785"/>
+            <a:ext cx="1312025" cy="365125"/>
+          </a:xfrm>
+        </p:spPr>
+        <p:txBody>
+          <a:bodyPr>
+            <a:normAutofit/>
+          </a:bodyPr>
+          <a:lstStyle/>
+          <a:p>
+            <a:pPr>
+              <a:spcAft>
+                <a:spcPts val="600"/>
+              </a:spcAft>
+            </a:pPr>
+            <a:fld id="{D503D24F-27AF-4A5C-81D9-D96757ADB19D}" type="slidenum">
+              <a:rPr lang="en-GB" smtClean="0"/>
+              <a:pPr>
+                <a:spcAft>
+                  <a:spcPts val="600"/>
+                </a:spcAft>
+              </a:pPr>
+              <a:t>9</a:t>
+            </a:fld>
+            <a:endParaRPr lang="en-GB"/>
+          </a:p>
+        </p:txBody>
+      </p:sp>
+      <p:sp>
+        <p:nvSpPr>
+          <p:cNvPr id="6" name="TextBox 5">
+            <a:extLst>
+              <a:ext uri="{FF2B5EF4-FFF2-40B4-BE49-F238E27FC236}">
+                <a16:creationId xmlns:a16="http://schemas.microsoft.com/office/drawing/2014/main" id="{CA5A6C9E-2D13-4FB5-8001-F117A01D062C}"/>
+              </a:ext>
+            </a:extLst>
+          </p:cNvPr>
+          <p:cNvSpPr txBox="1"/>
+          <p:nvPr/>
+        </p:nvSpPr>
+        <p:spPr>
+          <a:xfrm>
+            <a:off x="7055556" y="4730044"/>
+            <a:ext cx="4039164" cy="584775"/>
+          </a:xfrm>
+          <a:prstGeom prst="rect">
+            <a:avLst/>
+          </a:prstGeom>
+          <a:noFill/>
+        </p:spPr>
+        <p:txBody>
+          <a:bodyPr wrap="square" rtlCol="0">
+            <a:spAutoFit/>
+          </a:bodyPr>
+          <a:lstStyle/>
+          <a:p>
+            <a:r>
+              <a:rPr lang="en-GB" sz="800" dirty="0"/>
+              <a:t>Figure 5- A model of the gravity residuals and differences between seismic and gravity estimates from Uieda &amp; Barbosa(2017). Uieda, L. and Barbosa, V.C., 2017. Fast nonlinear gravity inversion in spherical coordinates with application to the South American Moho. Geophysical Journal International, 208(1), pp.162-176.</a:t>
+            </a:r>
+          </a:p>
+        </p:txBody>
+      </p:sp>
+    </p:spTree>
+    <p:extLst>
+      <p:ext uri="{BB962C8B-B14F-4D97-AF65-F5344CB8AC3E}">
+        <p14:creationId xmlns:p14="http://schemas.microsoft.com/office/powerpoint/2010/main" val="1856645086"/>
       </p:ext>
     </p:extLst>
   </p:cSld>
